--- a/Documents/المخططات/مخطط ERD.pptx
+++ b/Documents/المخططات/مخطط ERD.pptx
@@ -254,7 +254,7 @@
           <a:p>
             <a:fld id="{D3B573F3-C353-4DE9-8F3B-296C28169EA7}" type="datetimeFigureOut">
               <a:rPr lang="ar-YE" smtClean="0"/>
-              <a:t>12/07/1445</a:t>
+              <a:t>13/07/1445</a:t>
             </a:fld>
             <a:endParaRPr lang="ar-YE"/>
           </a:p>
@@ -424,7 +424,7 @@
           <a:p>
             <a:fld id="{D3B573F3-C353-4DE9-8F3B-296C28169EA7}" type="datetimeFigureOut">
               <a:rPr lang="ar-YE" smtClean="0"/>
-              <a:t>12/07/1445</a:t>
+              <a:t>13/07/1445</a:t>
             </a:fld>
             <a:endParaRPr lang="ar-YE"/>
           </a:p>
@@ -604,7 +604,7 @@
           <a:p>
             <a:fld id="{D3B573F3-C353-4DE9-8F3B-296C28169EA7}" type="datetimeFigureOut">
               <a:rPr lang="ar-YE" smtClean="0"/>
-              <a:t>12/07/1445</a:t>
+              <a:t>13/07/1445</a:t>
             </a:fld>
             <a:endParaRPr lang="ar-YE"/>
           </a:p>
@@ -774,7 +774,7 @@
           <a:p>
             <a:fld id="{D3B573F3-C353-4DE9-8F3B-296C28169EA7}" type="datetimeFigureOut">
               <a:rPr lang="ar-YE" smtClean="0"/>
-              <a:t>12/07/1445</a:t>
+              <a:t>13/07/1445</a:t>
             </a:fld>
             <a:endParaRPr lang="ar-YE"/>
           </a:p>
@@ -1018,7 +1018,7 @@
           <a:p>
             <a:fld id="{D3B573F3-C353-4DE9-8F3B-296C28169EA7}" type="datetimeFigureOut">
               <a:rPr lang="ar-YE" smtClean="0"/>
-              <a:t>12/07/1445</a:t>
+              <a:t>13/07/1445</a:t>
             </a:fld>
             <a:endParaRPr lang="ar-YE"/>
           </a:p>
@@ -1250,7 +1250,7 @@
           <a:p>
             <a:fld id="{D3B573F3-C353-4DE9-8F3B-296C28169EA7}" type="datetimeFigureOut">
               <a:rPr lang="ar-YE" smtClean="0"/>
-              <a:t>12/07/1445</a:t>
+              <a:t>13/07/1445</a:t>
             </a:fld>
             <a:endParaRPr lang="ar-YE"/>
           </a:p>
@@ -1617,7 +1617,7 @@
           <a:p>
             <a:fld id="{D3B573F3-C353-4DE9-8F3B-296C28169EA7}" type="datetimeFigureOut">
               <a:rPr lang="ar-YE" smtClean="0"/>
-              <a:t>12/07/1445</a:t>
+              <a:t>13/07/1445</a:t>
             </a:fld>
             <a:endParaRPr lang="ar-YE"/>
           </a:p>
@@ -1735,7 +1735,7 @@
           <a:p>
             <a:fld id="{D3B573F3-C353-4DE9-8F3B-296C28169EA7}" type="datetimeFigureOut">
               <a:rPr lang="ar-YE" smtClean="0"/>
-              <a:t>12/07/1445</a:t>
+              <a:t>13/07/1445</a:t>
             </a:fld>
             <a:endParaRPr lang="ar-YE"/>
           </a:p>
@@ -1830,7 +1830,7 @@
           <a:p>
             <a:fld id="{D3B573F3-C353-4DE9-8F3B-296C28169EA7}" type="datetimeFigureOut">
               <a:rPr lang="ar-YE" smtClean="0"/>
-              <a:t>12/07/1445</a:t>
+              <a:t>13/07/1445</a:t>
             </a:fld>
             <a:endParaRPr lang="ar-YE"/>
           </a:p>
@@ -2107,7 +2107,7 @@
           <a:p>
             <a:fld id="{D3B573F3-C353-4DE9-8F3B-296C28169EA7}" type="datetimeFigureOut">
               <a:rPr lang="ar-YE" smtClean="0"/>
-              <a:t>12/07/1445</a:t>
+              <a:t>13/07/1445</a:t>
             </a:fld>
             <a:endParaRPr lang="ar-YE"/>
           </a:p>
@@ -2364,7 +2364,7 @@
           <a:p>
             <a:fld id="{D3B573F3-C353-4DE9-8F3B-296C28169EA7}" type="datetimeFigureOut">
               <a:rPr lang="ar-YE" smtClean="0"/>
-              <a:t>12/07/1445</a:t>
+              <a:t>13/07/1445</a:t>
             </a:fld>
             <a:endParaRPr lang="ar-YE"/>
           </a:p>
@@ -2577,7 +2577,7 @@
           <a:p>
             <a:fld id="{D3B573F3-C353-4DE9-8F3B-296C28169EA7}" type="datetimeFigureOut">
               <a:rPr lang="ar-YE" smtClean="0"/>
-              <a:t>12/07/1445</a:t>
+              <a:t>13/07/1445</a:t>
             </a:fld>
             <a:endParaRPr lang="ar-YE"/>
           </a:p>
@@ -2982,6 +2982,50 @@
           <a:chExt cx="0" cy="0"/>
         </a:xfrm>
       </p:grpSpPr>
+      <p:cxnSp>
+        <p:nvCxnSpPr>
+          <p:cNvPr id="127" name="Straight Connector 126">
+            <a:extLst>
+              <a:ext uri="{FF2B5EF4-FFF2-40B4-BE49-F238E27FC236}">
+                <a16:creationId xmlns:a16="http://schemas.microsoft.com/office/drawing/2014/main" id="{BCCF18DA-0EF7-40B7-BF09-316454D854E0}"/>
+              </a:ext>
+            </a:extLst>
+          </p:cNvPr>
+          <p:cNvCxnSpPr>
+            <a:cxnSpLocks/>
+            <a:endCxn id="29" idx="1"/>
+          </p:cNvCxnSpPr>
+          <p:nvPr/>
+        </p:nvCxnSpPr>
+        <p:spPr>
+          <a:xfrm>
+            <a:off x="8323289" y="5720126"/>
+            <a:ext cx="3049258" cy="0"/>
+          </a:xfrm>
+          <a:prstGeom prst="line">
+            <a:avLst/>
+          </a:prstGeom>
+          <a:ln w="50800">
+            <a:solidFill>
+              <a:schemeClr val="tx1"/>
+            </a:solidFill>
+          </a:ln>
+        </p:spPr>
+        <p:style>
+          <a:lnRef idx="1">
+            <a:schemeClr val="accent1"/>
+          </a:lnRef>
+          <a:fillRef idx="0">
+            <a:schemeClr val="accent1"/>
+          </a:fillRef>
+          <a:effectRef idx="0">
+            <a:schemeClr val="accent1"/>
+          </a:effectRef>
+          <a:fontRef idx="minor">
+            <a:schemeClr val="tx1"/>
+          </a:fontRef>
+        </p:style>
+      </p:cxnSp>
       <p:sp>
         <p:nvSpPr>
           <p:cNvPr id="5" name="Rectangle: Rounded Corners 4">
@@ -3920,7 +3964,7 @@
         </p:nvSpPr>
         <p:spPr>
           <a:xfrm>
-            <a:off x="2802290" y="9539992"/>
+            <a:off x="2275323" y="3209925"/>
             <a:ext cx="1793284" cy="458911"/>
           </a:xfrm>
           <a:prstGeom prst="roundRect">
@@ -4021,7 +4065,7 @@
                 <a:ea typeface="Microsoft Sans Serif" panose="020B0604020202020204" pitchFamily="34" charset="0"/>
                 <a:cs typeface="Microsoft Sans Serif" panose="020B0604020202020204" pitchFamily="34" charset="0"/>
               </a:rPr>
-              <a:t>المادة</a:t>
+              <a:t>النشاط</a:t>
             </a:r>
           </a:p>
         </p:txBody>
@@ -4040,7 +4084,7 @@
         </p:nvSpPr>
         <p:spPr>
           <a:xfrm>
-            <a:off x="3132230" y="8192476"/>
+            <a:off x="4264305" y="5290036"/>
             <a:ext cx="1273526" cy="458911"/>
           </a:xfrm>
           <a:prstGeom prst="roundRect">
@@ -4081,7 +4125,7 @@
                 <a:ea typeface="Microsoft Sans Serif" panose="020B0604020202020204" pitchFamily="34" charset="0"/>
                 <a:cs typeface="Microsoft Sans Serif" panose="020B0604020202020204" pitchFamily="34" charset="0"/>
               </a:rPr>
-              <a:t>النشاط</a:t>
+              <a:t>المادة</a:t>
             </a:r>
           </a:p>
         </p:txBody>
@@ -4280,8 +4324,8 @@
         </p:nvSpPr>
         <p:spPr>
           <a:xfrm>
-            <a:off x="5774865" y="7318339"/>
-            <a:ext cx="1273526" cy="458911"/>
+            <a:off x="5838364" y="7318339"/>
+            <a:ext cx="1360771" cy="458911"/>
           </a:xfrm>
           <a:prstGeom prst="roundRect">
             <a:avLst>
@@ -4321,66 +4365,6 @@
                 <a:ea typeface="Microsoft Sans Serif" panose="020B0604020202020204" pitchFamily="34" charset="0"/>
                 <a:cs typeface="Microsoft Sans Serif" panose="020B0604020202020204" pitchFamily="34" charset="0"/>
               </a:rPr>
-              <a:t>الغياب</a:t>
-            </a:r>
-          </a:p>
-        </p:txBody>
-      </p:sp>
-      <p:sp>
-        <p:nvSpPr>
-          <p:cNvPr id="34" name="Rectangle: Rounded Corners 33">
-            <a:extLst>
-              <a:ext uri="{FF2B5EF4-FFF2-40B4-BE49-F238E27FC236}">
-                <a16:creationId xmlns:a16="http://schemas.microsoft.com/office/drawing/2014/main" id="{7D7B7042-8445-4259-AA2E-A62F99A98293}"/>
-              </a:ext>
-            </a:extLst>
-          </p:cNvPr>
-          <p:cNvSpPr/>
-          <p:nvPr/>
-        </p:nvSpPr>
-        <p:spPr>
-          <a:xfrm>
-            <a:off x="11956747" y="9180170"/>
-            <a:ext cx="1273526" cy="458911"/>
-          </a:xfrm>
-          <a:prstGeom prst="roundRect">
-            <a:avLst>
-              <a:gd name="adj" fmla="val 0"/>
-            </a:avLst>
-          </a:prstGeom>
-          <a:solidFill>
-            <a:schemeClr val="accent1">
-              <a:lumMod val="50000"/>
-            </a:schemeClr>
-          </a:solidFill>
-        </p:spPr>
-        <p:style>
-          <a:lnRef idx="2">
-            <a:schemeClr val="accent1">
-              <a:shade val="50000"/>
-            </a:schemeClr>
-          </a:lnRef>
-          <a:fillRef idx="1">
-            <a:schemeClr val="accent1"/>
-          </a:fillRef>
-          <a:effectRef idx="0">
-            <a:schemeClr val="accent1"/>
-          </a:effectRef>
-          <a:fontRef idx="minor">
-            <a:schemeClr val="lt1"/>
-          </a:fontRef>
-        </p:style>
-        <p:txBody>
-          <a:bodyPr rtlCol="1" anchor="ctr"/>
-          <a:lstStyle/>
-          <a:p>
-            <a:pPr algn="ctr"/>
-            <a:r>
-              <a:rPr lang="ar-YE" sz="2400" dirty="0">
-                <a:latin typeface="Microsoft Sans Serif" panose="020B0604020202020204" pitchFamily="34" charset="0"/>
-                <a:ea typeface="Microsoft Sans Serif" panose="020B0604020202020204" pitchFamily="34" charset="0"/>
-                <a:cs typeface="Microsoft Sans Serif" panose="020B0604020202020204" pitchFamily="34" charset="0"/>
-              </a:rPr>
               <a:t>الدرجات</a:t>
             </a:r>
           </a:p>
@@ -4400,7 +4384,7 @@
         </p:nvSpPr>
         <p:spPr>
           <a:xfrm>
-            <a:off x="12673482" y="10513889"/>
+            <a:off x="6751976" y="10309160"/>
             <a:ext cx="1641618" cy="458911"/>
           </a:xfrm>
           <a:prstGeom prst="roundRect">
@@ -4460,7 +4444,7 @@
         </p:nvSpPr>
         <p:spPr>
           <a:xfrm>
-            <a:off x="10430687" y="10513888"/>
+            <a:off x="3624616" y="10309160"/>
             <a:ext cx="1641618" cy="458911"/>
           </a:xfrm>
           <a:prstGeom prst="roundRect">
@@ -4520,7 +4504,7 @@
         </p:nvSpPr>
         <p:spPr>
           <a:xfrm>
-            <a:off x="7979988" y="10513887"/>
+            <a:off x="493379" y="10309160"/>
             <a:ext cx="1641618" cy="458911"/>
           </a:xfrm>
           <a:prstGeom prst="roundRect">
@@ -4566,262 +4550,6 @@
           </a:p>
         </p:txBody>
       </p:sp>
-      <p:grpSp>
-        <p:nvGrpSpPr>
-          <p:cNvPr id="74" name="Group 73">
-            <a:extLst>
-              <a:ext uri="{FF2B5EF4-FFF2-40B4-BE49-F238E27FC236}">
-                <a16:creationId xmlns:a16="http://schemas.microsoft.com/office/drawing/2014/main" id="{56B6E7F4-736C-4256-92BB-6ED92A9685C9}"/>
-              </a:ext>
-            </a:extLst>
-          </p:cNvPr>
-          <p:cNvGrpSpPr/>
-          <p:nvPr/>
-        </p:nvGrpSpPr>
-        <p:grpSpPr>
-          <a:xfrm>
-            <a:off x="7621850" y="2328964"/>
-            <a:ext cx="479684" cy="1425810"/>
-            <a:chOff x="7621850" y="2328964"/>
-            <a:chExt cx="479684" cy="1425810"/>
-          </a:xfrm>
-        </p:grpSpPr>
-        <p:cxnSp>
-          <p:nvCxnSpPr>
-            <p:cNvPr id="41" name="Straight Connector 40">
-              <a:extLst>
-                <a:ext uri="{FF2B5EF4-FFF2-40B4-BE49-F238E27FC236}">
-                  <a16:creationId xmlns:a16="http://schemas.microsoft.com/office/drawing/2014/main" id="{BED0F105-F9ED-48A3-82C5-EB0967109FE0}"/>
-                </a:ext>
-              </a:extLst>
-            </p:cNvPr>
-            <p:cNvCxnSpPr>
-              <a:cxnSpLocks/>
-              <a:endCxn id="30" idx="0"/>
-            </p:cNvCxnSpPr>
-            <p:nvPr/>
-          </p:nvCxnSpPr>
-          <p:spPr>
-            <a:xfrm flipH="1">
-              <a:off x="7772399" y="2360028"/>
-              <a:ext cx="33498" cy="1394746"/>
-            </a:xfrm>
-            <a:prstGeom prst="line">
-              <a:avLst/>
-            </a:prstGeom>
-            <a:ln w="50800">
-              <a:solidFill>
-                <a:schemeClr val="tx1"/>
-              </a:solidFill>
-            </a:ln>
-          </p:spPr>
-          <p:style>
-            <a:lnRef idx="1">
-              <a:schemeClr val="accent1"/>
-            </a:lnRef>
-            <a:fillRef idx="0">
-              <a:schemeClr val="accent1"/>
-            </a:fillRef>
-            <a:effectRef idx="0">
-              <a:schemeClr val="accent1"/>
-            </a:effectRef>
-            <a:fontRef idx="minor">
-              <a:schemeClr val="tx1"/>
-            </a:fontRef>
-          </p:style>
-        </p:cxnSp>
-        <p:sp>
-          <p:nvSpPr>
-            <p:cNvPr id="38" name="Rectangle: Rounded Corners 37">
-              <a:extLst>
-                <a:ext uri="{FF2B5EF4-FFF2-40B4-BE49-F238E27FC236}">
-                  <a16:creationId xmlns:a16="http://schemas.microsoft.com/office/drawing/2014/main" id="{B7FBB183-4F79-431A-B870-10EA2BE67D64}"/>
-                </a:ext>
-              </a:extLst>
-            </p:cNvPr>
-            <p:cNvSpPr/>
-            <p:nvPr/>
-          </p:nvSpPr>
-          <p:spPr>
-            <a:xfrm>
-              <a:off x="7913810" y="2328964"/>
-              <a:ext cx="187724" cy="215284"/>
-            </a:xfrm>
-            <a:prstGeom prst="roundRect">
-              <a:avLst>
-                <a:gd name="adj" fmla="val 32123"/>
-              </a:avLst>
-            </a:prstGeom>
-            <a:solidFill>
-              <a:srgbClr val="FFC000"/>
-            </a:solidFill>
-            <a:ln>
-              <a:noFill/>
-            </a:ln>
-          </p:spPr>
-          <p:style>
-            <a:lnRef idx="2">
-              <a:schemeClr val="accent1">
-                <a:shade val="50000"/>
-              </a:schemeClr>
-            </a:lnRef>
-            <a:fillRef idx="1">
-              <a:schemeClr val="accent1"/>
-            </a:fillRef>
-            <a:effectRef idx="0">
-              <a:schemeClr val="accent1"/>
-            </a:effectRef>
-            <a:fontRef idx="minor">
-              <a:schemeClr val="lt1"/>
-            </a:fontRef>
-          </p:style>
-          <p:txBody>
-            <a:bodyPr rtlCol="1" anchor="ctr"/>
-            <a:lstStyle/>
-            <a:p>
-              <a:pPr algn="ctr"/>
-              <a:r>
-                <a:rPr lang="ar-YE" sz="1600" dirty="0">
-                  <a:solidFill>
-                    <a:schemeClr val="tx1"/>
-                  </a:solidFill>
-                  <a:latin typeface="Microsoft Sans Serif" panose="020B0604020202020204" pitchFamily="34" charset="0"/>
-                  <a:ea typeface="Microsoft Sans Serif" panose="020B0604020202020204" pitchFamily="34" charset="0"/>
-                  <a:cs typeface="Microsoft Sans Serif" panose="020B0604020202020204" pitchFamily="34" charset="0"/>
-                </a:rPr>
-                <a:t>1</a:t>
-              </a:r>
-            </a:p>
-          </p:txBody>
-        </p:sp>
-        <p:sp>
-          <p:nvSpPr>
-            <p:cNvPr id="24" name="Diamond 23">
-              <a:extLst>
-                <a:ext uri="{FF2B5EF4-FFF2-40B4-BE49-F238E27FC236}">
-                  <a16:creationId xmlns:a16="http://schemas.microsoft.com/office/drawing/2014/main" id="{B1E9149F-2AA8-4E91-BA58-98169973285B}"/>
-                </a:ext>
-              </a:extLst>
-            </p:cNvPr>
-            <p:cNvSpPr/>
-            <p:nvPr/>
-          </p:nvSpPr>
-          <p:spPr>
-            <a:xfrm>
-              <a:off x="7621850" y="2677370"/>
-              <a:ext cx="377187" cy="532555"/>
-            </a:xfrm>
-            <a:prstGeom prst="diamond">
-              <a:avLst/>
-            </a:prstGeom>
-            <a:solidFill>
-              <a:schemeClr val="accent6">
-                <a:lumMod val="60000"/>
-                <a:lumOff val="40000"/>
-              </a:schemeClr>
-            </a:solidFill>
-            <a:ln>
-              <a:noFill/>
-            </a:ln>
-          </p:spPr>
-          <p:style>
-            <a:lnRef idx="2">
-              <a:schemeClr val="accent1">
-                <a:shade val="50000"/>
-              </a:schemeClr>
-            </a:lnRef>
-            <a:fillRef idx="1">
-              <a:schemeClr val="accent1"/>
-            </a:fillRef>
-            <a:effectRef idx="0">
-              <a:schemeClr val="accent1"/>
-            </a:effectRef>
-            <a:fontRef idx="minor">
-              <a:schemeClr val="lt1"/>
-            </a:fontRef>
-          </p:style>
-          <p:txBody>
-            <a:bodyPr rtlCol="1" anchor="ctr"/>
-            <a:lstStyle/>
-            <a:p>
-              <a:pPr algn="ctr"/>
-              <a:endParaRPr lang="ar-YE" sz="2400"/>
-            </a:p>
-          </p:txBody>
-        </p:sp>
-        <p:sp>
-          <p:nvSpPr>
-            <p:cNvPr id="39" name="Rectangle: Rounded Corners 38">
-              <a:extLst>
-                <a:ext uri="{FF2B5EF4-FFF2-40B4-BE49-F238E27FC236}">
-                  <a16:creationId xmlns:a16="http://schemas.microsoft.com/office/drawing/2014/main" id="{A32E2DBA-753A-46E4-BF82-82134A8BE96C}"/>
-                </a:ext>
-              </a:extLst>
-            </p:cNvPr>
-            <p:cNvSpPr/>
-            <p:nvPr/>
-          </p:nvSpPr>
-          <p:spPr>
-            <a:xfrm>
-              <a:off x="7885199" y="3480416"/>
-              <a:ext cx="187724" cy="215284"/>
-            </a:xfrm>
-            <a:prstGeom prst="roundRect">
-              <a:avLst>
-                <a:gd name="adj" fmla="val 32123"/>
-              </a:avLst>
-            </a:prstGeom>
-            <a:solidFill>
-              <a:srgbClr val="FFC000"/>
-            </a:solidFill>
-            <a:ln>
-              <a:noFill/>
-            </a:ln>
-          </p:spPr>
-          <p:style>
-            <a:lnRef idx="2">
-              <a:schemeClr val="accent1">
-                <a:shade val="50000"/>
-              </a:schemeClr>
-            </a:lnRef>
-            <a:fillRef idx="1">
-              <a:schemeClr val="accent1"/>
-            </a:fillRef>
-            <a:effectRef idx="0">
-              <a:schemeClr val="accent1"/>
-            </a:effectRef>
-            <a:fontRef idx="minor">
-              <a:schemeClr val="lt1"/>
-            </a:fontRef>
-          </p:style>
-          <p:txBody>
-            <a:bodyPr rtlCol="1" anchor="ctr"/>
-            <a:lstStyle/>
-            <a:p>
-              <a:pPr algn="ctr"/>
-              <a:r>
-                <a:rPr lang="en-US" sz="1600" dirty="0">
-                  <a:solidFill>
-                    <a:schemeClr val="tx1"/>
-                  </a:solidFill>
-                  <a:latin typeface="Microsoft Sans Serif" panose="020B0604020202020204" pitchFamily="34" charset="0"/>
-                  <a:ea typeface="Microsoft Sans Serif" panose="020B0604020202020204" pitchFamily="34" charset="0"/>
-                  <a:cs typeface="Microsoft Sans Serif" panose="020B0604020202020204" pitchFamily="34" charset="0"/>
-                </a:rPr>
-                <a:t>m</a:t>
-              </a:r>
-              <a:endParaRPr lang="ar-YE" sz="1600" dirty="0">
-                <a:solidFill>
-                  <a:schemeClr val="tx1"/>
-                </a:solidFill>
-                <a:latin typeface="Microsoft Sans Serif" panose="020B0604020202020204" pitchFamily="34" charset="0"/>
-                <a:ea typeface="Microsoft Sans Serif" panose="020B0604020202020204" pitchFamily="34" charset="0"/>
-                <a:cs typeface="Microsoft Sans Serif" panose="020B0604020202020204" pitchFamily="34" charset="0"/>
-              </a:endParaRPr>
-            </a:p>
-          </p:txBody>
-        </p:sp>
-      </p:grpSp>
       <p:cxnSp>
         <p:nvCxnSpPr>
           <p:cNvPr id="40" name="Straight Connector 39">
@@ -4865,569 +4593,6 @@
       </p:cxnSp>
       <p:grpSp>
         <p:nvGrpSpPr>
-          <p:cNvPr id="73" name="Group 72">
-            <a:extLst>
-              <a:ext uri="{FF2B5EF4-FFF2-40B4-BE49-F238E27FC236}">
-                <a16:creationId xmlns:a16="http://schemas.microsoft.com/office/drawing/2014/main" id="{634057ED-23FD-4B06-AEC6-EF17BF05F15A}"/>
-              </a:ext>
-            </a:extLst>
-          </p:cNvPr>
-          <p:cNvGrpSpPr/>
-          <p:nvPr/>
-        </p:nvGrpSpPr>
-        <p:grpSpPr>
-          <a:xfrm>
-            <a:off x="8409162" y="3695700"/>
-            <a:ext cx="3026580" cy="485456"/>
-            <a:chOff x="8409162" y="3695700"/>
-            <a:chExt cx="3026580" cy="485456"/>
-          </a:xfrm>
-        </p:grpSpPr>
-        <p:cxnSp>
-          <p:nvCxnSpPr>
-            <p:cNvPr id="46" name="Straight Connector 45">
-              <a:extLst>
-                <a:ext uri="{FF2B5EF4-FFF2-40B4-BE49-F238E27FC236}">
-                  <a16:creationId xmlns:a16="http://schemas.microsoft.com/office/drawing/2014/main" id="{E1D22829-0690-4DB3-B431-D74F65651D4E}"/>
-                </a:ext>
-              </a:extLst>
-            </p:cNvPr>
-            <p:cNvCxnSpPr>
-              <a:cxnSpLocks/>
-            </p:cNvCxnSpPr>
-            <p:nvPr/>
-          </p:nvCxnSpPr>
-          <p:spPr>
-            <a:xfrm flipH="1">
-              <a:off x="8409162" y="3985085"/>
-              <a:ext cx="3026580" cy="0"/>
-            </a:xfrm>
-            <a:prstGeom prst="line">
-              <a:avLst/>
-            </a:prstGeom>
-            <a:ln w="50800">
-              <a:solidFill>
-                <a:schemeClr val="tx1"/>
-              </a:solidFill>
-            </a:ln>
-          </p:spPr>
-          <p:style>
-            <a:lnRef idx="1">
-              <a:schemeClr val="accent1"/>
-            </a:lnRef>
-            <a:fillRef idx="0">
-              <a:schemeClr val="accent1"/>
-            </a:fillRef>
-            <a:effectRef idx="0">
-              <a:schemeClr val="accent1"/>
-            </a:effectRef>
-            <a:fontRef idx="minor">
-              <a:schemeClr val="tx1"/>
-            </a:fontRef>
-          </p:style>
-        </p:cxnSp>
-        <p:sp>
-          <p:nvSpPr>
-            <p:cNvPr id="51" name="Rectangle: Rounded Corners 50">
-              <a:extLst>
-                <a:ext uri="{FF2B5EF4-FFF2-40B4-BE49-F238E27FC236}">
-                  <a16:creationId xmlns:a16="http://schemas.microsoft.com/office/drawing/2014/main" id="{F2B13E9A-0AC5-4A8F-9CC1-3AABAD340078}"/>
-                </a:ext>
-              </a:extLst>
-            </p:cNvPr>
-            <p:cNvSpPr/>
-            <p:nvPr/>
-          </p:nvSpPr>
-          <p:spPr>
-            <a:xfrm>
-              <a:off x="8613073" y="3695700"/>
-              <a:ext cx="187724" cy="215284"/>
-            </a:xfrm>
-            <a:prstGeom prst="roundRect">
-              <a:avLst>
-                <a:gd name="adj" fmla="val 32123"/>
-              </a:avLst>
-            </a:prstGeom>
-            <a:solidFill>
-              <a:srgbClr val="FFC000"/>
-            </a:solidFill>
-            <a:ln>
-              <a:noFill/>
-            </a:ln>
-          </p:spPr>
-          <p:style>
-            <a:lnRef idx="2">
-              <a:schemeClr val="accent1">
-                <a:shade val="50000"/>
-              </a:schemeClr>
-            </a:lnRef>
-            <a:fillRef idx="1">
-              <a:schemeClr val="accent1"/>
-            </a:fillRef>
-            <a:effectRef idx="0">
-              <a:schemeClr val="accent1"/>
-            </a:effectRef>
-            <a:fontRef idx="minor">
-              <a:schemeClr val="lt1"/>
-            </a:fontRef>
-          </p:style>
-          <p:txBody>
-            <a:bodyPr rtlCol="1" anchor="ctr"/>
-            <a:lstStyle/>
-            <a:p>
-              <a:pPr algn="ctr"/>
-              <a:r>
-                <a:rPr lang="en-US" sz="1600" dirty="0">
-                  <a:solidFill>
-                    <a:schemeClr val="tx1"/>
-                  </a:solidFill>
-                  <a:latin typeface="Microsoft Sans Serif" panose="020B0604020202020204" pitchFamily="34" charset="0"/>
-                  <a:ea typeface="Microsoft Sans Serif" panose="020B0604020202020204" pitchFamily="34" charset="0"/>
-                  <a:cs typeface="Microsoft Sans Serif" panose="020B0604020202020204" pitchFamily="34" charset="0"/>
-                </a:rPr>
-                <a:t>m</a:t>
-              </a:r>
-              <a:endParaRPr lang="ar-YE" sz="1600" dirty="0">
-                <a:solidFill>
-                  <a:schemeClr val="tx1"/>
-                </a:solidFill>
-                <a:latin typeface="Microsoft Sans Serif" panose="020B0604020202020204" pitchFamily="34" charset="0"/>
-                <a:ea typeface="Microsoft Sans Serif" panose="020B0604020202020204" pitchFamily="34" charset="0"/>
-                <a:cs typeface="Microsoft Sans Serif" panose="020B0604020202020204" pitchFamily="34" charset="0"/>
-              </a:endParaRPr>
-            </a:p>
-          </p:txBody>
-        </p:sp>
-        <p:sp>
-          <p:nvSpPr>
-            <p:cNvPr id="52" name="Rectangle: Rounded Corners 51">
-              <a:extLst>
-                <a:ext uri="{FF2B5EF4-FFF2-40B4-BE49-F238E27FC236}">
-                  <a16:creationId xmlns:a16="http://schemas.microsoft.com/office/drawing/2014/main" id="{9DD4D33A-D300-4997-B1A6-3776D18B64BB}"/>
-                </a:ext>
-              </a:extLst>
-            </p:cNvPr>
-            <p:cNvSpPr/>
-            <p:nvPr/>
-          </p:nvSpPr>
-          <p:spPr>
-            <a:xfrm>
-              <a:off x="11165773" y="3711575"/>
-              <a:ext cx="187724" cy="215284"/>
-            </a:xfrm>
-            <a:prstGeom prst="roundRect">
-              <a:avLst>
-                <a:gd name="adj" fmla="val 32123"/>
-              </a:avLst>
-            </a:prstGeom>
-            <a:solidFill>
-              <a:srgbClr val="FFC000"/>
-            </a:solidFill>
-            <a:ln>
-              <a:noFill/>
-            </a:ln>
-          </p:spPr>
-          <p:style>
-            <a:lnRef idx="2">
-              <a:schemeClr val="accent1">
-                <a:shade val="50000"/>
-              </a:schemeClr>
-            </a:lnRef>
-            <a:fillRef idx="1">
-              <a:schemeClr val="accent1"/>
-            </a:fillRef>
-            <a:effectRef idx="0">
-              <a:schemeClr val="accent1"/>
-            </a:effectRef>
-            <a:fontRef idx="minor">
-              <a:schemeClr val="lt1"/>
-            </a:fontRef>
-          </p:style>
-          <p:txBody>
-            <a:bodyPr rtlCol="1" anchor="ctr"/>
-            <a:lstStyle/>
-            <a:p>
-              <a:pPr algn="ctr"/>
-              <a:r>
-                <a:rPr lang="en-US" sz="1600" dirty="0">
-                  <a:solidFill>
-                    <a:schemeClr val="tx1"/>
-                  </a:solidFill>
-                  <a:latin typeface="Microsoft Sans Serif" panose="020B0604020202020204" pitchFamily="34" charset="0"/>
-                  <a:ea typeface="Microsoft Sans Serif" panose="020B0604020202020204" pitchFamily="34" charset="0"/>
-                  <a:cs typeface="Microsoft Sans Serif" panose="020B0604020202020204" pitchFamily="34" charset="0"/>
-                </a:rPr>
-                <a:t>m</a:t>
-              </a:r>
-              <a:endParaRPr lang="ar-YE" sz="1600" dirty="0">
-                <a:solidFill>
-                  <a:schemeClr val="tx1"/>
-                </a:solidFill>
-                <a:latin typeface="Microsoft Sans Serif" panose="020B0604020202020204" pitchFamily="34" charset="0"/>
-                <a:ea typeface="Microsoft Sans Serif" panose="020B0604020202020204" pitchFamily="34" charset="0"/>
-                <a:cs typeface="Microsoft Sans Serif" panose="020B0604020202020204" pitchFamily="34" charset="0"/>
-              </a:endParaRPr>
-            </a:p>
-          </p:txBody>
-        </p:sp>
-        <p:sp>
-          <p:nvSpPr>
-            <p:cNvPr id="53" name="Diamond 52">
-              <a:extLst>
-                <a:ext uri="{FF2B5EF4-FFF2-40B4-BE49-F238E27FC236}">
-                  <a16:creationId xmlns:a16="http://schemas.microsoft.com/office/drawing/2014/main" id="{B2F0BC66-2E40-4D12-8731-3C7ECDC206C1}"/>
-                </a:ext>
-              </a:extLst>
-            </p:cNvPr>
-            <p:cNvSpPr/>
-            <p:nvPr/>
-          </p:nvSpPr>
-          <p:spPr>
-            <a:xfrm rot="16200000">
-              <a:off x="9885729" y="3726285"/>
-              <a:ext cx="377187" cy="532555"/>
-            </a:xfrm>
-            <a:prstGeom prst="diamond">
-              <a:avLst/>
-            </a:prstGeom>
-            <a:solidFill>
-              <a:schemeClr val="accent6">
-                <a:lumMod val="60000"/>
-                <a:lumOff val="40000"/>
-              </a:schemeClr>
-            </a:solidFill>
-            <a:ln>
-              <a:noFill/>
-            </a:ln>
-          </p:spPr>
-          <p:style>
-            <a:lnRef idx="2">
-              <a:schemeClr val="accent1">
-                <a:shade val="50000"/>
-              </a:schemeClr>
-            </a:lnRef>
-            <a:fillRef idx="1">
-              <a:schemeClr val="accent1"/>
-            </a:fillRef>
-            <a:effectRef idx="0">
-              <a:schemeClr val="accent1"/>
-            </a:effectRef>
-            <a:fontRef idx="minor">
-              <a:schemeClr val="lt1"/>
-            </a:fontRef>
-          </p:style>
-          <p:txBody>
-            <a:bodyPr rtlCol="1" anchor="ctr"/>
-            <a:lstStyle/>
-            <a:p>
-              <a:pPr algn="ctr"/>
-              <a:endParaRPr lang="ar-YE" sz="2400"/>
-            </a:p>
-          </p:txBody>
-        </p:sp>
-      </p:grpSp>
-      <p:grpSp>
-        <p:nvGrpSpPr>
-          <p:cNvPr id="75" name="Group 74">
-            <a:extLst>
-              <a:ext uri="{FF2B5EF4-FFF2-40B4-BE49-F238E27FC236}">
-                <a16:creationId xmlns:a16="http://schemas.microsoft.com/office/drawing/2014/main" id="{0D59841F-DC2D-4A78-9B99-F1202092CD00}"/>
-              </a:ext>
-            </a:extLst>
-          </p:cNvPr>
-          <p:cNvGrpSpPr/>
-          <p:nvPr/>
-        </p:nvGrpSpPr>
-        <p:grpSpPr>
-          <a:xfrm>
-            <a:off x="5586270" y="1436447"/>
-            <a:ext cx="1549366" cy="2819192"/>
-            <a:chOff x="5586270" y="1436447"/>
-            <a:chExt cx="1549366" cy="2819192"/>
-          </a:xfrm>
-        </p:grpSpPr>
-        <p:cxnSp>
-          <p:nvCxnSpPr>
-            <p:cNvPr id="54" name="Straight Connector 53">
-              <a:extLst>
-                <a:ext uri="{FF2B5EF4-FFF2-40B4-BE49-F238E27FC236}">
-                  <a16:creationId xmlns:a16="http://schemas.microsoft.com/office/drawing/2014/main" id="{062CAB51-AA19-4905-B6E3-268FD8371077}"/>
-                </a:ext>
-              </a:extLst>
-            </p:cNvPr>
-            <p:cNvCxnSpPr>
-              <a:cxnSpLocks/>
-            </p:cNvCxnSpPr>
-            <p:nvPr/>
-          </p:nvCxnSpPr>
-          <p:spPr>
-            <a:xfrm>
-              <a:off x="5774865" y="1436447"/>
-              <a:ext cx="0" cy="2474537"/>
-            </a:xfrm>
-            <a:prstGeom prst="line">
-              <a:avLst/>
-            </a:prstGeom>
-            <a:ln w="50800">
-              <a:solidFill>
-                <a:schemeClr val="tx1"/>
-              </a:solidFill>
-            </a:ln>
-          </p:spPr>
-          <p:style>
-            <a:lnRef idx="1">
-              <a:schemeClr val="accent1"/>
-            </a:lnRef>
-            <a:fillRef idx="0">
-              <a:schemeClr val="accent1"/>
-            </a:fillRef>
-            <a:effectRef idx="0">
-              <a:schemeClr val="accent1"/>
-            </a:effectRef>
-            <a:fontRef idx="minor">
-              <a:schemeClr val="tx1"/>
-            </a:fontRef>
-          </p:style>
-        </p:cxnSp>
-        <p:cxnSp>
-          <p:nvCxnSpPr>
-            <p:cNvPr id="57" name="Straight Connector 56">
-              <a:extLst>
-                <a:ext uri="{FF2B5EF4-FFF2-40B4-BE49-F238E27FC236}">
-                  <a16:creationId xmlns:a16="http://schemas.microsoft.com/office/drawing/2014/main" id="{C079B2AB-452C-45DD-B87B-18A20664BCA5}"/>
-                </a:ext>
-              </a:extLst>
-            </p:cNvPr>
-            <p:cNvCxnSpPr>
-              <a:cxnSpLocks/>
-              <a:stCxn id="60" idx="3"/>
-              <a:endCxn id="30" idx="1"/>
-            </p:cNvCxnSpPr>
-            <p:nvPr/>
-          </p:nvCxnSpPr>
-          <p:spPr>
-            <a:xfrm flipV="1">
-              <a:off x="5963457" y="3984230"/>
-              <a:ext cx="1172179" cy="5132"/>
-            </a:xfrm>
-            <a:prstGeom prst="line">
-              <a:avLst/>
-            </a:prstGeom>
-            <a:ln w="50800">
-              <a:solidFill>
-                <a:schemeClr val="tx1"/>
-              </a:solidFill>
-            </a:ln>
-          </p:spPr>
-          <p:style>
-            <a:lnRef idx="1">
-              <a:schemeClr val="accent1"/>
-            </a:lnRef>
-            <a:fillRef idx="0">
-              <a:schemeClr val="accent1"/>
-            </a:fillRef>
-            <a:effectRef idx="0">
-              <a:schemeClr val="accent1"/>
-            </a:effectRef>
-            <a:fontRef idx="minor">
-              <a:schemeClr val="tx1"/>
-            </a:fontRef>
-          </p:style>
-        </p:cxnSp>
-        <p:sp>
-          <p:nvSpPr>
-            <p:cNvPr id="60" name="Diamond 59">
-              <a:extLst>
-                <a:ext uri="{FF2B5EF4-FFF2-40B4-BE49-F238E27FC236}">
-                  <a16:creationId xmlns:a16="http://schemas.microsoft.com/office/drawing/2014/main" id="{49154DB7-5E1D-4CB5-A33A-63099426D689}"/>
-                </a:ext>
-              </a:extLst>
-            </p:cNvPr>
-            <p:cNvSpPr/>
-            <p:nvPr/>
-          </p:nvSpPr>
-          <p:spPr>
-            <a:xfrm>
-              <a:off x="5586270" y="3723084"/>
-              <a:ext cx="377187" cy="532555"/>
-            </a:xfrm>
-            <a:prstGeom prst="diamond">
-              <a:avLst/>
-            </a:prstGeom>
-            <a:solidFill>
-              <a:schemeClr val="accent6">
-                <a:lumMod val="60000"/>
-                <a:lumOff val="40000"/>
-              </a:schemeClr>
-            </a:solidFill>
-            <a:ln>
-              <a:noFill/>
-            </a:ln>
-          </p:spPr>
-          <p:style>
-            <a:lnRef idx="2">
-              <a:schemeClr val="accent1">
-                <a:shade val="50000"/>
-              </a:schemeClr>
-            </a:lnRef>
-            <a:fillRef idx="1">
-              <a:schemeClr val="accent1"/>
-            </a:fillRef>
-            <a:effectRef idx="0">
-              <a:schemeClr val="accent1"/>
-            </a:effectRef>
-            <a:fontRef idx="minor">
-              <a:schemeClr val="lt1"/>
-            </a:fontRef>
-          </p:style>
-          <p:txBody>
-            <a:bodyPr rtlCol="1" anchor="ctr"/>
-            <a:lstStyle/>
-            <a:p>
-              <a:pPr algn="ctr"/>
-              <a:endParaRPr lang="ar-YE" sz="2400"/>
-            </a:p>
-          </p:txBody>
-        </p:sp>
-        <p:sp>
-          <p:nvSpPr>
-            <p:cNvPr id="61" name="Rectangle: Rounded Corners 60">
-              <a:extLst>
-                <a:ext uri="{FF2B5EF4-FFF2-40B4-BE49-F238E27FC236}">
-                  <a16:creationId xmlns:a16="http://schemas.microsoft.com/office/drawing/2014/main" id="{047A713B-F962-45C8-8AE9-4F6A1DE5A7C5}"/>
-                </a:ext>
-              </a:extLst>
-            </p:cNvPr>
-            <p:cNvSpPr/>
-            <p:nvPr/>
-          </p:nvSpPr>
-          <p:spPr>
-            <a:xfrm>
-              <a:off x="6905915" y="3717976"/>
-              <a:ext cx="187724" cy="215284"/>
-            </a:xfrm>
-            <a:prstGeom prst="roundRect">
-              <a:avLst>
-                <a:gd name="adj" fmla="val 32123"/>
-              </a:avLst>
-            </a:prstGeom>
-            <a:solidFill>
-              <a:srgbClr val="FFC000"/>
-            </a:solidFill>
-            <a:ln>
-              <a:noFill/>
-            </a:ln>
-          </p:spPr>
-          <p:style>
-            <a:lnRef idx="2">
-              <a:schemeClr val="accent1">
-                <a:shade val="50000"/>
-              </a:schemeClr>
-            </a:lnRef>
-            <a:fillRef idx="1">
-              <a:schemeClr val="accent1"/>
-            </a:fillRef>
-            <a:effectRef idx="0">
-              <a:schemeClr val="accent1"/>
-            </a:effectRef>
-            <a:fontRef idx="minor">
-              <a:schemeClr val="lt1"/>
-            </a:fontRef>
-          </p:style>
-          <p:txBody>
-            <a:bodyPr rtlCol="1" anchor="ctr"/>
-            <a:lstStyle/>
-            <a:p>
-              <a:pPr algn="ctr"/>
-              <a:r>
-                <a:rPr lang="ar-YE" sz="1600" dirty="0">
-                  <a:solidFill>
-                    <a:schemeClr val="tx1"/>
-                  </a:solidFill>
-                  <a:latin typeface="Microsoft Sans Serif" panose="020B0604020202020204" pitchFamily="34" charset="0"/>
-                  <a:ea typeface="Microsoft Sans Serif" panose="020B0604020202020204" pitchFamily="34" charset="0"/>
-                  <a:cs typeface="Microsoft Sans Serif" panose="020B0604020202020204" pitchFamily="34" charset="0"/>
-                </a:rPr>
-                <a:t>1</a:t>
-              </a:r>
-            </a:p>
-          </p:txBody>
-        </p:sp>
-        <p:sp>
-          <p:nvSpPr>
-            <p:cNvPr id="62" name="Rectangle: Rounded Corners 61">
-              <a:extLst>
-                <a:ext uri="{FF2B5EF4-FFF2-40B4-BE49-F238E27FC236}">
-                  <a16:creationId xmlns:a16="http://schemas.microsoft.com/office/drawing/2014/main" id="{C02065D0-04EA-448B-8C18-EA23F0D616AA}"/>
-                </a:ext>
-              </a:extLst>
-            </p:cNvPr>
-            <p:cNvSpPr/>
-            <p:nvPr/>
-          </p:nvSpPr>
-          <p:spPr>
-            <a:xfrm>
-              <a:off x="5915975" y="1573965"/>
-              <a:ext cx="187724" cy="215284"/>
-            </a:xfrm>
-            <a:prstGeom prst="roundRect">
-              <a:avLst>
-                <a:gd name="adj" fmla="val 32123"/>
-              </a:avLst>
-            </a:prstGeom>
-            <a:solidFill>
-              <a:srgbClr val="FFC000"/>
-            </a:solidFill>
-            <a:ln>
-              <a:noFill/>
-            </a:ln>
-          </p:spPr>
-          <p:style>
-            <a:lnRef idx="2">
-              <a:schemeClr val="accent1">
-                <a:shade val="50000"/>
-              </a:schemeClr>
-            </a:lnRef>
-            <a:fillRef idx="1">
-              <a:schemeClr val="accent1"/>
-            </a:fillRef>
-            <a:effectRef idx="0">
-              <a:schemeClr val="accent1"/>
-            </a:effectRef>
-            <a:fontRef idx="minor">
-              <a:schemeClr val="lt1"/>
-            </a:fontRef>
-          </p:style>
-          <p:txBody>
-            <a:bodyPr rtlCol="1" anchor="ctr"/>
-            <a:lstStyle/>
-            <a:p>
-              <a:pPr algn="ctr"/>
-              <a:r>
-                <a:rPr lang="en-US" sz="1600" dirty="0">
-                  <a:solidFill>
-                    <a:schemeClr val="tx1"/>
-                  </a:solidFill>
-                  <a:latin typeface="Microsoft Sans Serif" panose="020B0604020202020204" pitchFamily="34" charset="0"/>
-                  <a:ea typeface="Microsoft Sans Serif" panose="020B0604020202020204" pitchFamily="34" charset="0"/>
-                  <a:cs typeface="Microsoft Sans Serif" panose="020B0604020202020204" pitchFamily="34" charset="0"/>
-                </a:rPr>
-                <a:t>m</a:t>
-              </a:r>
-              <a:endParaRPr lang="ar-YE" sz="1600" dirty="0">
-                <a:solidFill>
-                  <a:schemeClr val="tx1"/>
-                </a:solidFill>
-                <a:latin typeface="Microsoft Sans Serif" panose="020B0604020202020204" pitchFamily="34" charset="0"/>
-                <a:ea typeface="Microsoft Sans Serif" panose="020B0604020202020204" pitchFamily="34" charset="0"/>
-                <a:cs typeface="Microsoft Sans Serif" panose="020B0604020202020204" pitchFamily="34" charset="0"/>
-              </a:endParaRPr>
-            </a:p>
-          </p:txBody>
-        </p:sp>
-      </p:grpSp>
-      <p:grpSp>
-        <p:nvGrpSpPr>
           <p:cNvPr id="72" name="Group 71">
             <a:extLst>
               <a:ext uri="{FF2B5EF4-FFF2-40B4-BE49-F238E27FC236}">
@@ -5440,7 +4605,7 @@
         </p:nvGrpSpPr>
         <p:grpSpPr>
           <a:xfrm>
-            <a:off x="11769023" y="4213685"/>
+            <a:off x="14635385" y="1905755"/>
             <a:ext cx="444965" cy="1276985"/>
             <a:chOff x="11769023" y="4213685"/>
             <a:chExt cx="444965" cy="1276985"/>
@@ -5784,576 +4949,6 @@
           </a:p>
         </p:txBody>
       </p:sp>
-      <p:grpSp>
-        <p:nvGrpSpPr>
-          <p:cNvPr id="97" name="Group 96">
-            <a:extLst>
-              <a:ext uri="{FF2B5EF4-FFF2-40B4-BE49-F238E27FC236}">
-                <a16:creationId xmlns:a16="http://schemas.microsoft.com/office/drawing/2014/main" id="{48B7AE8D-AC39-4908-86D1-DABB07023C24}"/>
-              </a:ext>
-            </a:extLst>
-          </p:cNvPr>
-          <p:cNvGrpSpPr/>
-          <p:nvPr/>
-        </p:nvGrpSpPr>
-        <p:grpSpPr>
-          <a:xfrm rot="16200000">
-            <a:off x="10373919" y="6314126"/>
-            <a:ext cx="458745" cy="1433385"/>
-            <a:chOff x="11755243" y="4177830"/>
-            <a:chExt cx="458745" cy="1433385"/>
-          </a:xfrm>
-        </p:grpSpPr>
-        <p:grpSp>
-          <p:nvGrpSpPr>
-            <p:cNvPr id="98" name="Group 97">
-              <a:extLst>
-                <a:ext uri="{FF2B5EF4-FFF2-40B4-BE49-F238E27FC236}">
-                  <a16:creationId xmlns:a16="http://schemas.microsoft.com/office/drawing/2014/main" id="{B5D846B7-4D7E-40CE-8A54-D2CD5F1D3A4A}"/>
-                </a:ext>
-              </a:extLst>
-            </p:cNvPr>
-            <p:cNvGrpSpPr/>
-            <p:nvPr/>
-          </p:nvGrpSpPr>
-          <p:grpSpPr>
-            <a:xfrm>
-              <a:off x="11836801" y="4177830"/>
-              <a:ext cx="377187" cy="1433385"/>
-              <a:chOff x="11836801" y="4177830"/>
-              <a:chExt cx="377187" cy="1433385"/>
-            </a:xfrm>
-          </p:grpSpPr>
-          <p:cxnSp>
-            <p:nvCxnSpPr>
-              <p:cNvPr id="101" name="Straight Connector 100">
-                <a:extLst>
-                  <a:ext uri="{FF2B5EF4-FFF2-40B4-BE49-F238E27FC236}">
-                    <a16:creationId xmlns:a16="http://schemas.microsoft.com/office/drawing/2014/main" id="{65317242-9940-4935-AE51-7EFBC008DC93}"/>
-                  </a:ext>
-                </a:extLst>
-              </p:cNvPr>
-              <p:cNvCxnSpPr>
-                <a:cxnSpLocks/>
-                <a:stCxn id="9" idx="3"/>
-                <a:endCxn id="21" idx="1"/>
-              </p:cNvCxnSpPr>
-              <p:nvPr/>
-            </p:nvCxnSpPr>
-            <p:spPr>
-              <a:xfrm rot="5400000">
-                <a:off x="11313368" y="4892181"/>
-                <a:ext cx="1433385" cy="4683"/>
-              </a:xfrm>
-              <a:prstGeom prst="line">
-                <a:avLst/>
-              </a:prstGeom>
-              <a:ln w="50800">
-                <a:solidFill>
-                  <a:schemeClr val="tx1"/>
-                </a:solidFill>
-              </a:ln>
-            </p:spPr>
-            <p:style>
-              <a:lnRef idx="1">
-                <a:schemeClr val="accent1"/>
-              </a:lnRef>
-              <a:fillRef idx="0">
-                <a:schemeClr val="accent1"/>
-              </a:fillRef>
-              <a:effectRef idx="0">
-                <a:schemeClr val="accent1"/>
-              </a:effectRef>
-              <a:fontRef idx="minor">
-                <a:schemeClr val="tx1"/>
-              </a:fontRef>
-            </p:style>
-          </p:cxnSp>
-          <p:sp>
-            <p:nvSpPr>
-              <p:cNvPr id="102" name="Diamond 101">
-                <a:extLst>
-                  <a:ext uri="{FF2B5EF4-FFF2-40B4-BE49-F238E27FC236}">
-                    <a16:creationId xmlns:a16="http://schemas.microsoft.com/office/drawing/2014/main" id="{C77B416E-EED2-4A98-A687-47864322EE1E}"/>
-                  </a:ext>
-                </a:extLst>
-              </p:cNvPr>
-              <p:cNvSpPr/>
-              <p:nvPr/>
-            </p:nvSpPr>
-            <p:spPr>
-              <a:xfrm>
-                <a:off x="11836801" y="4557827"/>
-                <a:ext cx="377187" cy="532555"/>
-              </a:xfrm>
-              <a:prstGeom prst="diamond">
-                <a:avLst/>
-              </a:prstGeom>
-              <a:solidFill>
-                <a:schemeClr val="accent6">
-                  <a:lumMod val="60000"/>
-                  <a:lumOff val="40000"/>
-                </a:schemeClr>
-              </a:solidFill>
-              <a:ln>
-                <a:noFill/>
-              </a:ln>
-            </p:spPr>
-            <p:style>
-              <a:lnRef idx="2">
-                <a:schemeClr val="accent1">
-                  <a:shade val="50000"/>
-                </a:schemeClr>
-              </a:lnRef>
-              <a:fillRef idx="1">
-                <a:schemeClr val="accent1"/>
-              </a:fillRef>
-              <a:effectRef idx="0">
-                <a:schemeClr val="accent1"/>
-              </a:effectRef>
-              <a:fontRef idx="minor">
-                <a:schemeClr val="lt1"/>
-              </a:fontRef>
-            </p:style>
-            <p:txBody>
-              <a:bodyPr rtlCol="1" anchor="ctr"/>
-              <a:lstStyle/>
-              <a:p>
-                <a:pPr algn="ctr"/>
-                <a:endParaRPr lang="ar-YE" sz="2400"/>
-              </a:p>
-            </p:txBody>
-          </p:sp>
-        </p:grpSp>
-        <p:sp>
-          <p:nvSpPr>
-            <p:cNvPr id="99" name="Rectangle: Rounded Corners 98">
-              <a:extLst>
-                <a:ext uri="{FF2B5EF4-FFF2-40B4-BE49-F238E27FC236}">
-                  <a16:creationId xmlns:a16="http://schemas.microsoft.com/office/drawing/2014/main" id="{A96F7284-8D00-41F4-9BA4-C939964DE8A0}"/>
-                </a:ext>
-              </a:extLst>
-            </p:cNvPr>
-            <p:cNvSpPr/>
-            <p:nvPr/>
-          </p:nvSpPr>
-          <p:spPr>
-            <a:xfrm rot="5400000">
-              <a:off x="11781722" y="4257676"/>
-              <a:ext cx="187724" cy="215284"/>
-            </a:xfrm>
-            <a:prstGeom prst="roundRect">
-              <a:avLst>
-                <a:gd name="adj" fmla="val 32123"/>
-              </a:avLst>
-            </a:prstGeom>
-            <a:solidFill>
-              <a:srgbClr val="FFC000"/>
-            </a:solidFill>
-            <a:ln>
-              <a:noFill/>
-            </a:ln>
-          </p:spPr>
-          <p:style>
-            <a:lnRef idx="2">
-              <a:schemeClr val="accent1">
-                <a:shade val="50000"/>
-              </a:schemeClr>
-            </a:lnRef>
-            <a:fillRef idx="1">
-              <a:schemeClr val="accent1"/>
-            </a:fillRef>
-            <a:effectRef idx="0">
-              <a:schemeClr val="accent1"/>
-            </a:effectRef>
-            <a:fontRef idx="minor">
-              <a:schemeClr val="lt1"/>
-            </a:fontRef>
-          </p:style>
-          <p:txBody>
-            <a:bodyPr rtlCol="1" anchor="ctr"/>
-            <a:lstStyle/>
-            <a:p>
-              <a:pPr algn="ctr"/>
-              <a:r>
-                <a:rPr lang="en-US" sz="1600" dirty="0">
-                  <a:solidFill>
-                    <a:schemeClr val="tx1"/>
-                  </a:solidFill>
-                  <a:latin typeface="Microsoft Sans Serif" panose="020B0604020202020204" pitchFamily="34" charset="0"/>
-                  <a:ea typeface="Microsoft Sans Serif" panose="020B0604020202020204" pitchFamily="34" charset="0"/>
-                  <a:cs typeface="Microsoft Sans Serif" panose="020B0604020202020204" pitchFamily="34" charset="0"/>
-                </a:rPr>
-                <a:t>m</a:t>
-              </a:r>
-              <a:endParaRPr lang="ar-YE" sz="1600" dirty="0">
-                <a:solidFill>
-                  <a:schemeClr val="tx1"/>
-                </a:solidFill>
-                <a:latin typeface="Microsoft Sans Serif" panose="020B0604020202020204" pitchFamily="34" charset="0"/>
-                <a:ea typeface="Microsoft Sans Serif" panose="020B0604020202020204" pitchFamily="34" charset="0"/>
-                <a:cs typeface="Microsoft Sans Serif" panose="020B0604020202020204" pitchFamily="34" charset="0"/>
-              </a:endParaRPr>
-            </a:p>
-          </p:txBody>
-        </p:sp>
-        <p:sp>
-          <p:nvSpPr>
-            <p:cNvPr id="100" name="Rectangle: Rounded Corners 99">
-              <a:extLst>
-                <a:ext uri="{FF2B5EF4-FFF2-40B4-BE49-F238E27FC236}">
-                  <a16:creationId xmlns:a16="http://schemas.microsoft.com/office/drawing/2014/main" id="{AC565610-F6F1-4B98-B300-921E4AAD5AA0}"/>
-                </a:ext>
-              </a:extLst>
-            </p:cNvPr>
-            <p:cNvSpPr/>
-            <p:nvPr/>
-          </p:nvSpPr>
-          <p:spPr>
-            <a:xfrm rot="5400000">
-              <a:off x="11769023" y="5241925"/>
-              <a:ext cx="187724" cy="215284"/>
-            </a:xfrm>
-            <a:prstGeom prst="roundRect">
-              <a:avLst>
-                <a:gd name="adj" fmla="val 32123"/>
-              </a:avLst>
-            </a:prstGeom>
-            <a:solidFill>
-              <a:srgbClr val="FFC000"/>
-            </a:solidFill>
-            <a:ln>
-              <a:noFill/>
-            </a:ln>
-          </p:spPr>
-          <p:style>
-            <a:lnRef idx="2">
-              <a:schemeClr val="accent1">
-                <a:shade val="50000"/>
-              </a:schemeClr>
-            </a:lnRef>
-            <a:fillRef idx="1">
-              <a:schemeClr val="accent1"/>
-            </a:fillRef>
-            <a:effectRef idx="0">
-              <a:schemeClr val="accent1"/>
-            </a:effectRef>
-            <a:fontRef idx="minor">
-              <a:schemeClr val="lt1"/>
-            </a:fontRef>
-          </p:style>
-          <p:txBody>
-            <a:bodyPr rtlCol="1" anchor="ctr"/>
-            <a:lstStyle/>
-            <a:p>
-              <a:pPr algn="ctr"/>
-              <a:r>
-                <a:rPr lang="en-US" sz="1600" dirty="0">
-                  <a:solidFill>
-                    <a:schemeClr val="tx1"/>
-                  </a:solidFill>
-                  <a:latin typeface="Microsoft Sans Serif" panose="020B0604020202020204" pitchFamily="34" charset="0"/>
-                  <a:ea typeface="Microsoft Sans Serif" panose="020B0604020202020204" pitchFamily="34" charset="0"/>
-                  <a:cs typeface="Microsoft Sans Serif" panose="020B0604020202020204" pitchFamily="34" charset="0"/>
-                </a:rPr>
-                <a:t>m</a:t>
-              </a:r>
-              <a:endParaRPr lang="ar-YE" sz="1600" dirty="0">
-                <a:solidFill>
-                  <a:schemeClr val="tx1"/>
-                </a:solidFill>
-                <a:latin typeface="Microsoft Sans Serif" panose="020B0604020202020204" pitchFamily="34" charset="0"/>
-                <a:ea typeface="Microsoft Sans Serif" panose="020B0604020202020204" pitchFamily="34" charset="0"/>
-                <a:cs typeface="Microsoft Sans Serif" panose="020B0604020202020204" pitchFamily="34" charset="0"/>
-              </a:endParaRPr>
-            </a:p>
-          </p:txBody>
-        </p:sp>
-      </p:grpSp>
-      <p:grpSp>
-        <p:nvGrpSpPr>
-          <p:cNvPr id="105" name="Group 104">
-            <a:extLst>
-              <a:ext uri="{FF2B5EF4-FFF2-40B4-BE49-F238E27FC236}">
-                <a16:creationId xmlns:a16="http://schemas.microsoft.com/office/drawing/2014/main" id="{3380250F-24E0-45B2-8DE9-46BD10B80F42}"/>
-              </a:ext>
-            </a:extLst>
-          </p:cNvPr>
-          <p:cNvGrpSpPr/>
-          <p:nvPr/>
-        </p:nvGrpSpPr>
-        <p:grpSpPr>
-          <a:xfrm>
-            <a:off x="7549177" y="4216860"/>
-            <a:ext cx="956074" cy="2778735"/>
-            <a:chOff x="11781723" y="3268320"/>
-            <a:chExt cx="956074" cy="2778735"/>
-          </a:xfrm>
-        </p:grpSpPr>
-        <p:grpSp>
-          <p:nvGrpSpPr>
-            <p:cNvPr id="106" name="Group 105">
-              <a:extLst>
-                <a:ext uri="{FF2B5EF4-FFF2-40B4-BE49-F238E27FC236}">
-                  <a16:creationId xmlns:a16="http://schemas.microsoft.com/office/drawing/2014/main" id="{E2A2E9E4-D3E4-40EC-AEF3-86F4BE981D43}"/>
-                </a:ext>
-              </a:extLst>
-            </p:cNvPr>
-            <p:cNvGrpSpPr/>
-            <p:nvPr/>
-          </p:nvGrpSpPr>
-          <p:grpSpPr>
-            <a:xfrm>
-              <a:off x="11834420" y="3268320"/>
-              <a:ext cx="377187" cy="2778735"/>
-              <a:chOff x="11834420" y="3268320"/>
-              <a:chExt cx="377187" cy="2778735"/>
-            </a:xfrm>
-          </p:grpSpPr>
-          <p:cxnSp>
-            <p:nvCxnSpPr>
-              <p:cNvPr id="109" name="Straight Connector 108">
-                <a:extLst>
-                  <a:ext uri="{FF2B5EF4-FFF2-40B4-BE49-F238E27FC236}">
-                    <a16:creationId xmlns:a16="http://schemas.microsoft.com/office/drawing/2014/main" id="{6F0A7D81-D3F2-4681-908E-2EB809C148BE}"/>
-                  </a:ext>
-                </a:extLst>
-              </p:cNvPr>
-              <p:cNvCxnSpPr>
-                <a:cxnSpLocks/>
-              </p:cNvCxnSpPr>
-              <p:nvPr/>
-            </p:nvCxnSpPr>
-            <p:spPr>
-              <a:xfrm>
-                <a:off x="12020820" y="3268320"/>
-                <a:ext cx="0" cy="2778735"/>
-              </a:xfrm>
-              <a:prstGeom prst="line">
-                <a:avLst/>
-              </a:prstGeom>
-              <a:ln w="50800">
-                <a:solidFill>
-                  <a:schemeClr val="tx1"/>
-                </a:solidFill>
-              </a:ln>
-            </p:spPr>
-            <p:style>
-              <a:lnRef idx="1">
-                <a:schemeClr val="accent1"/>
-              </a:lnRef>
-              <a:fillRef idx="0">
-                <a:schemeClr val="accent1"/>
-              </a:fillRef>
-              <a:effectRef idx="0">
-                <a:schemeClr val="accent1"/>
-              </a:effectRef>
-              <a:fontRef idx="minor">
-                <a:schemeClr val="tx1"/>
-              </a:fontRef>
-            </p:style>
-          </p:cxnSp>
-          <p:sp>
-            <p:nvSpPr>
-              <p:cNvPr id="110" name="Diamond 109">
-                <a:extLst>
-                  <a:ext uri="{FF2B5EF4-FFF2-40B4-BE49-F238E27FC236}">
-                    <a16:creationId xmlns:a16="http://schemas.microsoft.com/office/drawing/2014/main" id="{BDBDB839-A0B4-47CC-A1CF-0DC9BF4F1E96}"/>
-                  </a:ext>
-                </a:extLst>
-              </p:cNvPr>
-              <p:cNvSpPr/>
-              <p:nvPr/>
-            </p:nvSpPr>
-            <p:spPr>
-              <a:xfrm>
-                <a:off x="11834420" y="4542587"/>
-                <a:ext cx="377187" cy="532555"/>
-              </a:xfrm>
-              <a:prstGeom prst="diamond">
-                <a:avLst/>
-              </a:prstGeom>
-              <a:solidFill>
-                <a:schemeClr val="accent6">
-                  <a:lumMod val="60000"/>
-                  <a:lumOff val="40000"/>
-                </a:schemeClr>
-              </a:solidFill>
-              <a:ln>
-                <a:noFill/>
-              </a:ln>
-            </p:spPr>
-            <p:style>
-              <a:lnRef idx="2">
-                <a:schemeClr val="accent1">
-                  <a:shade val="50000"/>
-                </a:schemeClr>
-              </a:lnRef>
-              <a:fillRef idx="1">
-                <a:schemeClr val="accent1"/>
-              </a:fillRef>
-              <a:effectRef idx="0">
-                <a:schemeClr val="accent1"/>
-              </a:effectRef>
-              <a:fontRef idx="minor">
-                <a:schemeClr val="lt1"/>
-              </a:fontRef>
-            </p:style>
-            <p:txBody>
-              <a:bodyPr rtlCol="1" anchor="ctr"/>
-              <a:lstStyle/>
-              <a:p>
-                <a:pPr algn="ctr"/>
-                <a:endParaRPr lang="ar-YE" sz="2400"/>
-              </a:p>
-            </p:txBody>
-          </p:sp>
-        </p:grpSp>
-        <p:sp>
-          <p:nvSpPr>
-            <p:cNvPr id="107" name="Rectangle: Rounded Corners 106">
-              <a:extLst>
-                <a:ext uri="{FF2B5EF4-FFF2-40B4-BE49-F238E27FC236}">
-                  <a16:creationId xmlns:a16="http://schemas.microsoft.com/office/drawing/2014/main" id="{4D0FBB76-87D8-48F3-A458-E3C23B8C5575}"/>
-                </a:ext>
-              </a:extLst>
-            </p:cNvPr>
-            <p:cNvSpPr/>
-            <p:nvPr/>
-          </p:nvSpPr>
-          <p:spPr>
-            <a:xfrm>
-              <a:off x="11781723" y="3362325"/>
-              <a:ext cx="187724" cy="215284"/>
-            </a:xfrm>
-            <a:prstGeom prst="roundRect">
-              <a:avLst>
-                <a:gd name="adj" fmla="val 32123"/>
-              </a:avLst>
-            </a:prstGeom>
-            <a:solidFill>
-              <a:srgbClr val="FFC000"/>
-            </a:solidFill>
-            <a:ln>
-              <a:noFill/>
-            </a:ln>
-          </p:spPr>
-          <p:style>
-            <a:lnRef idx="2">
-              <a:schemeClr val="accent1">
-                <a:shade val="50000"/>
-              </a:schemeClr>
-            </a:lnRef>
-            <a:fillRef idx="1">
-              <a:schemeClr val="accent1"/>
-            </a:fillRef>
-            <a:effectRef idx="0">
-              <a:schemeClr val="accent1"/>
-            </a:effectRef>
-            <a:fontRef idx="minor">
-              <a:schemeClr val="lt1"/>
-            </a:fontRef>
-          </p:style>
-          <p:txBody>
-            <a:bodyPr rtlCol="1" anchor="ctr"/>
-            <a:lstStyle/>
-            <a:p>
-              <a:pPr algn="ctr"/>
-              <a:r>
-                <a:rPr lang="en-US" sz="1600" dirty="0">
-                  <a:solidFill>
-                    <a:schemeClr val="tx1"/>
-                  </a:solidFill>
-                  <a:latin typeface="Microsoft Sans Serif" panose="020B0604020202020204" pitchFamily="34" charset="0"/>
-                  <a:ea typeface="Microsoft Sans Serif" panose="020B0604020202020204" pitchFamily="34" charset="0"/>
-                  <a:cs typeface="Microsoft Sans Serif" panose="020B0604020202020204" pitchFamily="34" charset="0"/>
-                </a:rPr>
-                <a:t>1</a:t>
-              </a:r>
-              <a:endParaRPr lang="ar-YE" sz="1600" dirty="0">
-                <a:solidFill>
-                  <a:schemeClr val="tx1"/>
-                </a:solidFill>
-                <a:latin typeface="Microsoft Sans Serif" panose="020B0604020202020204" pitchFamily="34" charset="0"/>
-                <a:ea typeface="Microsoft Sans Serif" panose="020B0604020202020204" pitchFamily="34" charset="0"/>
-                <a:cs typeface="Microsoft Sans Serif" panose="020B0604020202020204" pitchFamily="34" charset="0"/>
-              </a:endParaRPr>
-            </a:p>
-          </p:txBody>
-        </p:sp>
-        <p:sp>
-          <p:nvSpPr>
-            <p:cNvPr id="108" name="Rectangle: Rounded Corners 107">
-              <a:extLst>
-                <a:ext uri="{FF2B5EF4-FFF2-40B4-BE49-F238E27FC236}">
-                  <a16:creationId xmlns:a16="http://schemas.microsoft.com/office/drawing/2014/main" id="{9BAFB2A3-E4A9-4B07-8565-4ECBAAA61B99}"/>
-                </a:ext>
-              </a:extLst>
-            </p:cNvPr>
-            <p:cNvSpPr/>
-            <p:nvPr/>
-          </p:nvSpPr>
-          <p:spPr>
-            <a:xfrm>
-              <a:off x="12550073" y="5794375"/>
-              <a:ext cx="187724" cy="215284"/>
-            </a:xfrm>
-            <a:prstGeom prst="roundRect">
-              <a:avLst>
-                <a:gd name="adj" fmla="val 32123"/>
-              </a:avLst>
-            </a:prstGeom>
-            <a:solidFill>
-              <a:srgbClr val="FFC000"/>
-            </a:solidFill>
-            <a:ln>
-              <a:noFill/>
-            </a:ln>
-          </p:spPr>
-          <p:style>
-            <a:lnRef idx="2">
-              <a:schemeClr val="accent1">
-                <a:shade val="50000"/>
-              </a:schemeClr>
-            </a:lnRef>
-            <a:fillRef idx="1">
-              <a:schemeClr val="accent1"/>
-            </a:fillRef>
-            <a:effectRef idx="0">
-              <a:schemeClr val="accent1"/>
-            </a:effectRef>
-            <a:fontRef idx="minor">
-              <a:schemeClr val="lt1"/>
-            </a:fontRef>
-          </p:style>
-          <p:txBody>
-            <a:bodyPr rtlCol="1" anchor="ctr"/>
-            <a:lstStyle/>
-            <a:p>
-              <a:pPr algn="ctr"/>
-              <a:r>
-                <a:rPr lang="en-US" sz="1600" dirty="0">
-                  <a:solidFill>
-                    <a:schemeClr val="tx1"/>
-                  </a:solidFill>
-                  <a:latin typeface="Microsoft Sans Serif" panose="020B0604020202020204" pitchFamily="34" charset="0"/>
-                  <a:ea typeface="Microsoft Sans Serif" panose="020B0604020202020204" pitchFamily="34" charset="0"/>
-                  <a:cs typeface="Microsoft Sans Serif" panose="020B0604020202020204" pitchFamily="34" charset="0"/>
-                </a:rPr>
-                <a:t>m</a:t>
-              </a:r>
-              <a:endParaRPr lang="ar-YE" sz="1600" dirty="0">
-                <a:solidFill>
-                  <a:schemeClr val="tx1"/>
-                </a:solidFill>
-                <a:latin typeface="Microsoft Sans Serif" panose="020B0604020202020204" pitchFamily="34" charset="0"/>
-                <a:ea typeface="Microsoft Sans Serif" panose="020B0604020202020204" pitchFamily="34" charset="0"/>
-                <a:cs typeface="Microsoft Sans Serif" panose="020B0604020202020204" pitchFamily="34" charset="0"/>
-              </a:endParaRPr>
-            </a:p>
-          </p:txBody>
-        </p:sp>
-      </p:grpSp>
       <p:cxnSp>
         <p:nvCxnSpPr>
           <p:cNvPr id="114" name="Straight Connector 113">
@@ -6400,333 +4995,6 @@
       </p:cxnSp>
       <p:grpSp>
         <p:nvGrpSpPr>
-          <p:cNvPr id="120" name="Group 119">
-            <a:extLst>
-              <a:ext uri="{FF2B5EF4-FFF2-40B4-BE49-F238E27FC236}">
-                <a16:creationId xmlns:a16="http://schemas.microsoft.com/office/drawing/2014/main" id="{5B81CA49-6CD4-453C-8273-6CF461698914}"/>
-              </a:ext>
-            </a:extLst>
-          </p:cNvPr>
-          <p:cNvGrpSpPr/>
-          <p:nvPr/>
-        </p:nvGrpSpPr>
-        <p:grpSpPr>
-          <a:xfrm>
-            <a:off x="8137367" y="4220360"/>
-            <a:ext cx="3160803" cy="1585059"/>
-            <a:chOff x="11843944" y="4213685"/>
-            <a:chExt cx="3160803" cy="1585059"/>
-          </a:xfrm>
-        </p:grpSpPr>
-        <p:grpSp>
-          <p:nvGrpSpPr>
-            <p:cNvPr id="121" name="Group 120">
-              <a:extLst>
-                <a:ext uri="{FF2B5EF4-FFF2-40B4-BE49-F238E27FC236}">
-                  <a16:creationId xmlns:a16="http://schemas.microsoft.com/office/drawing/2014/main" id="{77BE80B8-A0B2-4907-93B2-3B05EE5A61A0}"/>
-                </a:ext>
-              </a:extLst>
-            </p:cNvPr>
-            <p:cNvGrpSpPr/>
-            <p:nvPr/>
-          </p:nvGrpSpPr>
-          <p:grpSpPr>
-            <a:xfrm>
-              <a:off x="11843944" y="4213685"/>
-              <a:ext cx="377187" cy="1585059"/>
-              <a:chOff x="11843944" y="4213685"/>
-              <a:chExt cx="377187" cy="1585059"/>
-            </a:xfrm>
-          </p:grpSpPr>
-          <p:cxnSp>
-            <p:nvCxnSpPr>
-              <p:cNvPr id="124" name="Straight Connector 123">
-                <a:extLst>
-                  <a:ext uri="{FF2B5EF4-FFF2-40B4-BE49-F238E27FC236}">
-                    <a16:creationId xmlns:a16="http://schemas.microsoft.com/office/drawing/2014/main" id="{0767F644-A0BA-409D-8010-6370C2AC70F5}"/>
-                  </a:ext>
-                </a:extLst>
-              </p:cNvPr>
-              <p:cNvCxnSpPr>
-                <a:cxnSpLocks/>
-              </p:cNvCxnSpPr>
-              <p:nvPr/>
-            </p:nvCxnSpPr>
-            <p:spPr>
-              <a:xfrm flipH="1">
-                <a:off x="12023013" y="4213685"/>
-                <a:ext cx="13707" cy="1585059"/>
-              </a:xfrm>
-              <a:prstGeom prst="line">
-                <a:avLst/>
-              </a:prstGeom>
-              <a:ln w="50800">
-                <a:solidFill>
-                  <a:schemeClr val="tx1"/>
-                </a:solidFill>
-              </a:ln>
-            </p:spPr>
-            <p:style>
-              <a:lnRef idx="1">
-                <a:schemeClr val="accent1"/>
-              </a:lnRef>
-              <a:fillRef idx="0">
-                <a:schemeClr val="accent1"/>
-              </a:fillRef>
-              <a:effectRef idx="0">
-                <a:schemeClr val="accent1"/>
-              </a:effectRef>
-              <a:fontRef idx="minor">
-                <a:schemeClr val="tx1"/>
-              </a:fontRef>
-            </p:style>
-          </p:cxnSp>
-          <p:sp>
-            <p:nvSpPr>
-              <p:cNvPr id="125" name="Diamond 124">
-                <a:extLst>
-                  <a:ext uri="{FF2B5EF4-FFF2-40B4-BE49-F238E27FC236}">
-                    <a16:creationId xmlns:a16="http://schemas.microsoft.com/office/drawing/2014/main" id="{B57557A0-982B-4809-AFDE-09780AE6CE34}"/>
-                  </a:ext>
-                </a:extLst>
-              </p:cNvPr>
-              <p:cNvSpPr/>
-              <p:nvPr/>
-            </p:nvSpPr>
-            <p:spPr>
-              <a:xfrm>
-                <a:off x="11843944" y="4542587"/>
-                <a:ext cx="377187" cy="532555"/>
-              </a:xfrm>
-              <a:prstGeom prst="diamond">
-                <a:avLst/>
-              </a:prstGeom>
-              <a:solidFill>
-                <a:schemeClr val="accent6">
-                  <a:lumMod val="60000"/>
-                  <a:lumOff val="40000"/>
-                </a:schemeClr>
-              </a:solidFill>
-              <a:ln>
-                <a:noFill/>
-              </a:ln>
-            </p:spPr>
-            <p:style>
-              <a:lnRef idx="2">
-                <a:schemeClr val="accent1">
-                  <a:shade val="50000"/>
-                </a:schemeClr>
-              </a:lnRef>
-              <a:fillRef idx="1">
-                <a:schemeClr val="accent1"/>
-              </a:fillRef>
-              <a:effectRef idx="0">
-                <a:schemeClr val="accent1"/>
-              </a:effectRef>
-              <a:fontRef idx="minor">
-                <a:schemeClr val="lt1"/>
-              </a:fontRef>
-            </p:style>
-            <p:txBody>
-              <a:bodyPr rtlCol="1" anchor="ctr"/>
-              <a:lstStyle/>
-              <a:p>
-                <a:pPr algn="ctr"/>
-                <a:endParaRPr lang="ar-YE" sz="2400"/>
-              </a:p>
-            </p:txBody>
-          </p:sp>
-        </p:grpSp>
-        <p:sp>
-          <p:nvSpPr>
-            <p:cNvPr id="122" name="Rectangle: Rounded Corners 121">
-              <a:extLst>
-                <a:ext uri="{FF2B5EF4-FFF2-40B4-BE49-F238E27FC236}">
-                  <a16:creationId xmlns:a16="http://schemas.microsoft.com/office/drawing/2014/main" id="{99217377-319B-4C3B-A2D1-AB393C7B8762}"/>
-                </a:ext>
-              </a:extLst>
-            </p:cNvPr>
-            <p:cNvSpPr/>
-            <p:nvPr/>
-          </p:nvSpPr>
-          <p:spPr>
-            <a:xfrm>
-              <a:off x="12086523" y="4257675"/>
-              <a:ext cx="187724" cy="215284"/>
-            </a:xfrm>
-            <a:prstGeom prst="roundRect">
-              <a:avLst>
-                <a:gd name="adj" fmla="val 32123"/>
-              </a:avLst>
-            </a:prstGeom>
-            <a:solidFill>
-              <a:srgbClr val="FFC000"/>
-            </a:solidFill>
-            <a:ln>
-              <a:noFill/>
-            </a:ln>
-          </p:spPr>
-          <p:style>
-            <a:lnRef idx="2">
-              <a:schemeClr val="accent1">
-                <a:shade val="50000"/>
-              </a:schemeClr>
-            </a:lnRef>
-            <a:fillRef idx="1">
-              <a:schemeClr val="accent1"/>
-            </a:fillRef>
-            <a:effectRef idx="0">
-              <a:schemeClr val="accent1"/>
-            </a:effectRef>
-            <a:fontRef idx="minor">
-              <a:schemeClr val="lt1"/>
-            </a:fontRef>
-          </p:style>
-          <p:txBody>
-            <a:bodyPr rtlCol="1" anchor="ctr"/>
-            <a:lstStyle/>
-            <a:p>
-              <a:pPr algn="ctr"/>
-              <a:r>
-                <a:rPr lang="en-US" sz="1600" dirty="0">
-                  <a:solidFill>
-                    <a:schemeClr val="tx1"/>
-                  </a:solidFill>
-                  <a:latin typeface="Microsoft Sans Serif" panose="020B0604020202020204" pitchFamily="34" charset="0"/>
-                  <a:ea typeface="Microsoft Sans Serif" panose="020B0604020202020204" pitchFamily="34" charset="0"/>
-                  <a:cs typeface="Microsoft Sans Serif" panose="020B0604020202020204" pitchFamily="34" charset="0"/>
-                </a:rPr>
-                <a:t>m</a:t>
-              </a:r>
-              <a:endParaRPr lang="ar-YE" sz="1600" dirty="0">
-                <a:solidFill>
-                  <a:schemeClr val="tx1"/>
-                </a:solidFill>
-                <a:latin typeface="Microsoft Sans Serif" panose="020B0604020202020204" pitchFamily="34" charset="0"/>
-                <a:ea typeface="Microsoft Sans Serif" panose="020B0604020202020204" pitchFamily="34" charset="0"/>
-                <a:cs typeface="Microsoft Sans Serif" panose="020B0604020202020204" pitchFamily="34" charset="0"/>
-              </a:endParaRPr>
-            </a:p>
-          </p:txBody>
-        </p:sp>
-        <p:sp>
-          <p:nvSpPr>
-            <p:cNvPr id="123" name="Rectangle: Rounded Corners 122">
-              <a:extLst>
-                <a:ext uri="{FF2B5EF4-FFF2-40B4-BE49-F238E27FC236}">
-                  <a16:creationId xmlns:a16="http://schemas.microsoft.com/office/drawing/2014/main" id="{1AEE2685-D2B8-4701-9DF4-D238A26CEED9}"/>
-                </a:ext>
-              </a:extLst>
-            </p:cNvPr>
-            <p:cNvSpPr/>
-            <p:nvPr/>
-          </p:nvSpPr>
-          <p:spPr>
-            <a:xfrm>
-              <a:off x="14817023" y="5445125"/>
-              <a:ext cx="187724" cy="215284"/>
-            </a:xfrm>
-            <a:prstGeom prst="roundRect">
-              <a:avLst>
-                <a:gd name="adj" fmla="val 32123"/>
-              </a:avLst>
-            </a:prstGeom>
-            <a:solidFill>
-              <a:srgbClr val="FFC000"/>
-            </a:solidFill>
-            <a:ln>
-              <a:noFill/>
-            </a:ln>
-          </p:spPr>
-          <p:style>
-            <a:lnRef idx="2">
-              <a:schemeClr val="accent1">
-                <a:shade val="50000"/>
-              </a:schemeClr>
-            </a:lnRef>
-            <a:fillRef idx="1">
-              <a:schemeClr val="accent1"/>
-            </a:fillRef>
-            <a:effectRef idx="0">
-              <a:schemeClr val="accent1"/>
-            </a:effectRef>
-            <a:fontRef idx="minor">
-              <a:schemeClr val="lt1"/>
-            </a:fontRef>
-          </p:style>
-          <p:txBody>
-            <a:bodyPr rtlCol="1" anchor="ctr"/>
-            <a:lstStyle/>
-            <a:p>
-              <a:pPr algn="ctr"/>
-              <a:r>
-                <a:rPr lang="en-US" sz="1600" dirty="0">
-                  <a:solidFill>
-                    <a:schemeClr val="tx1"/>
-                  </a:solidFill>
-                  <a:latin typeface="Microsoft Sans Serif" panose="020B0604020202020204" pitchFamily="34" charset="0"/>
-                  <a:ea typeface="Microsoft Sans Serif" panose="020B0604020202020204" pitchFamily="34" charset="0"/>
-                  <a:cs typeface="Microsoft Sans Serif" panose="020B0604020202020204" pitchFamily="34" charset="0"/>
-                </a:rPr>
-                <a:t>m</a:t>
-              </a:r>
-              <a:endParaRPr lang="ar-YE" sz="1600" dirty="0">
-                <a:solidFill>
-                  <a:schemeClr val="tx1"/>
-                </a:solidFill>
-                <a:latin typeface="Microsoft Sans Serif" panose="020B0604020202020204" pitchFamily="34" charset="0"/>
-                <a:ea typeface="Microsoft Sans Serif" panose="020B0604020202020204" pitchFamily="34" charset="0"/>
-                <a:cs typeface="Microsoft Sans Serif" panose="020B0604020202020204" pitchFamily="34" charset="0"/>
-              </a:endParaRPr>
-            </a:p>
-          </p:txBody>
-        </p:sp>
-      </p:grpSp>
-      <p:cxnSp>
-        <p:nvCxnSpPr>
-          <p:cNvPr id="127" name="Straight Connector 126">
-            <a:extLst>
-              <a:ext uri="{FF2B5EF4-FFF2-40B4-BE49-F238E27FC236}">
-                <a16:creationId xmlns:a16="http://schemas.microsoft.com/office/drawing/2014/main" id="{BCCF18DA-0EF7-40B7-BF09-316454D854E0}"/>
-              </a:ext>
-            </a:extLst>
-          </p:cNvPr>
-          <p:cNvCxnSpPr>
-            <a:cxnSpLocks/>
-          </p:cNvCxnSpPr>
-          <p:nvPr/>
-        </p:nvCxnSpPr>
-        <p:spPr>
-          <a:xfrm flipV="1">
-            <a:off x="8300561" y="5754229"/>
-            <a:ext cx="3056111" cy="26940"/>
-          </a:xfrm>
-          <a:prstGeom prst="line">
-            <a:avLst/>
-          </a:prstGeom>
-          <a:ln w="50800">
-            <a:solidFill>
-              <a:schemeClr val="tx1"/>
-            </a:solidFill>
-          </a:ln>
-        </p:spPr>
-        <p:style>
-          <a:lnRef idx="1">
-            <a:schemeClr val="accent1"/>
-          </a:lnRef>
-          <a:fillRef idx="0">
-            <a:schemeClr val="accent1"/>
-          </a:fillRef>
-          <a:effectRef idx="0">
-            <a:schemeClr val="accent1"/>
-          </a:effectRef>
-          <a:fontRef idx="minor">
-            <a:schemeClr val="tx1"/>
-          </a:fontRef>
-        </p:style>
-      </p:cxnSp>
-      <p:grpSp>
-        <p:nvGrpSpPr>
           <p:cNvPr id="129" name="Group 128">
             <a:extLst>
               <a:ext uri="{FF2B5EF4-FFF2-40B4-BE49-F238E27FC236}">
@@ -6739,10 +5007,10 @@
         </p:nvGrpSpPr>
         <p:grpSpPr>
           <a:xfrm rot="16200000">
-            <a:off x="7895322" y="6404002"/>
-            <a:ext cx="507583" cy="2201445"/>
-            <a:chOff x="11843944" y="4182235"/>
-            <a:chExt cx="507583" cy="2201445"/>
+            <a:off x="7952891" y="6497180"/>
+            <a:ext cx="507583" cy="2015097"/>
+            <a:chOff x="11843944" y="4272764"/>
+            <a:chExt cx="507583" cy="2074264"/>
           </a:xfrm>
         </p:grpSpPr>
         <p:grpSp>
@@ -6759,10 +5027,10 @@
           </p:nvGrpSpPr>
           <p:grpSpPr>
             <a:xfrm>
-              <a:off x="11843944" y="4182235"/>
-              <a:ext cx="377187" cy="2201445"/>
-              <a:chOff x="11843944" y="4182235"/>
-              <a:chExt cx="377187" cy="2201445"/>
+              <a:off x="11843944" y="4272764"/>
+              <a:ext cx="377187" cy="2074264"/>
+              <a:chOff x="11843944" y="4272764"/>
+              <a:chExt cx="377187" cy="2074264"/>
             </a:xfrm>
           </p:grpSpPr>
           <p:cxnSp>
@@ -6782,8 +5050,8 @@
             </p:nvCxnSpPr>
             <p:spPr>
               <a:xfrm rot="5400000">
-                <a:off x="10938840" y="5267855"/>
-                <a:ext cx="2201445" cy="30205"/>
+                <a:off x="11006472" y="5298830"/>
+                <a:ext cx="2074264" cy="22131"/>
               </a:xfrm>
               <a:prstGeom prst="line">
                 <a:avLst/>
@@ -6879,7 +5147,7 @@
           </p:nvSpPr>
           <p:spPr>
             <a:xfrm rot="5400000">
-              <a:off x="12096047" y="4229124"/>
+              <a:off x="12096047" y="4386000"/>
               <a:ext cx="187724" cy="215284"/>
             </a:xfrm>
             <a:prstGeom prst="roundRect">
@@ -7053,12 +5321,1553 @@
           </a:fontRef>
         </p:style>
       </p:cxnSp>
+      <p:sp>
+        <p:nvSpPr>
+          <p:cNvPr id="153" name="Rectangle: Rounded Corners 152">
+            <a:extLst>
+              <a:ext uri="{FF2B5EF4-FFF2-40B4-BE49-F238E27FC236}">
+                <a16:creationId xmlns:a16="http://schemas.microsoft.com/office/drawing/2014/main" id="{966ADCAF-9362-42E5-B167-B0B20B595A33}"/>
+              </a:ext>
+            </a:extLst>
+          </p:cNvPr>
+          <p:cNvSpPr/>
+          <p:nvPr/>
+        </p:nvSpPr>
+        <p:spPr>
+          <a:xfrm>
+            <a:off x="9214232" y="9116824"/>
+            <a:ext cx="1273526" cy="458911"/>
+          </a:xfrm>
+          <a:prstGeom prst="roundRect">
+            <a:avLst>
+              <a:gd name="adj" fmla="val 0"/>
+            </a:avLst>
+          </a:prstGeom>
+          <a:solidFill>
+            <a:schemeClr val="accent1">
+              <a:lumMod val="50000"/>
+            </a:schemeClr>
+          </a:solidFill>
+        </p:spPr>
+        <p:style>
+          <a:lnRef idx="2">
+            <a:schemeClr val="accent1">
+              <a:shade val="50000"/>
+            </a:schemeClr>
+          </a:lnRef>
+          <a:fillRef idx="1">
+            <a:schemeClr val="accent1"/>
+          </a:fillRef>
+          <a:effectRef idx="0">
+            <a:schemeClr val="accent1"/>
+          </a:effectRef>
+          <a:fontRef idx="minor">
+            <a:schemeClr val="lt1"/>
+          </a:fontRef>
+        </p:style>
+        <p:txBody>
+          <a:bodyPr rtlCol="1" anchor="ctr"/>
+          <a:lstStyle/>
+          <a:p>
+            <a:pPr algn="ctr"/>
+            <a:r>
+              <a:rPr lang="ar-YE" sz="2400" dirty="0">
+                <a:latin typeface="Microsoft Sans Serif" panose="020B0604020202020204" pitchFamily="34" charset="0"/>
+                <a:ea typeface="Microsoft Sans Serif" panose="020B0604020202020204" pitchFamily="34" charset="0"/>
+                <a:cs typeface="Microsoft Sans Serif" panose="020B0604020202020204" pitchFamily="34" charset="0"/>
+              </a:rPr>
+              <a:t>الغياب</a:t>
+            </a:r>
+          </a:p>
+        </p:txBody>
+      </p:sp>
+      <p:sp>
+        <p:nvSpPr>
+          <p:cNvPr id="88" name="Diamond 87">
+            <a:extLst>
+              <a:ext uri="{FF2B5EF4-FFF2-40B4-BE49-F238E27FC236}">
+                <a16:creationId xmlns:a16="http://schemas.microsoft.com/office/drawing/2014/main" id="{2AA6648C-0E47-4FE1-A5F1-0C14E5292D14}"/>
+              </a:ext>
+            </a:extLst>
+          </p:cNvPr>
+          <p:cNvSpPr/>
+          <p:nvPr/>
+        </p:nvSpPr>
+        <p:spPr>
+          <a:xfrm>
+            <a:off x="2652896" y="10197529"/>
+            <a:ext cx="449943" cy="682172"/>
+          </a:xfrm>
+          <a:prstGeom prst="diamond">
+            <a:avLst/>
+          </a:prstGeom>
+          <a:solidFill>
+            <a:schemeClr val="accent6">
+              <a:lumMod val="60000"/>
+              <a:lumOff val="40000"/>
+            </a:schemeClr>
+          </a:solidFill>
+          <a:ln>
+            <a:noFill/>
+          </a:ln>
+        </p:spPr>
+        <p:style>
+          <a:lnRef idx="2">
+            <a:schemeClr val="accent1">
+              <a:shade val="50000"/>
+            </a:schemeClr>
+          </a:lnRef>
+          <a:fillRef idx="1">
+            <a:schemeClr val="accent1"/>
+          </a:fillRef>
+          <a:effectRef idx="0">
+            <a:schemeClr val="accent1"/>
+          </a:effectRef>
+          <a:fontRef idx="minor">
+            <a:schemeClr val="lt1"/>
+          </a:fontRef>
+        </p:style>
+        <p:txBody>
+          <a:bodyPr rtlCol="1" anchor="ctr"/>
+          <a:lstStyle/>
+          <a:p>
+            <a:pPr algn="ctr"/>
+            <a:endParaRPr lang="ar-YE"/>
+          </a:p>
+        </p:txBody>
+      </p:sp>
+      <p:cxnSp>
+        <p:nvCxnSpPr>
+          <p:cNvPr id="91" name="Straight Arrow Connector 90">
+            <a:extLst>
+              <a:ext uri="{FF2B5EF4-FFF2-40B4-BE49-F238E27FC236}">
+                <a16:creationId xmlns:a16="http://schemas.microsoft.com/office/drawing/2014/main" id="{7C57F346-17C0-4F55-A3CE-74505FF723DE}"/>
+              </a:ext>
+            </a:extLst>
+          </p:cNvPr>
+          <p:cNvCxnSpPr>
+            <a:cxnSpLocks/>
+          </p:cNvCxnSpPr>
+          <p:nvPr/>
+        </p:nvCxnSpPr>
+        <p:spPr>
+          <a:xfrm flipH="1" flipV="1">
+            <a:off x="2134997" y="10538615"/>
+            <a:ext cx="517899" cy="1"/>
+          </a:xfrm>
+          <a:prstGeom prst="straightConnector1">
+            <a:avLst/>
+          </a:prstGeom>
+          <a:ln w="50800">
+            <a:solidFill>
+              <a:schemeClr val="tx1"/>
+            </a:solidFill>
+            <a:tailEnd type="triangle"/>
+          </a:ln>
+        </p:spPr>
+        <p:style>
+          <a:lnRef idx="1">
+            <a:schemeClr val="accent1"/>
+          </a:lnRef>
+          <a:fillRef idx="0">
+            <a:schemeClr val="accent1"/>
+          </a:fillRef>
+          <a:effectRef idx="0">
+            <a:schemeClr val="accent1"/>
+          </a:effectRef>
+          <a:fontRef idx="minor">
+            <a:schemeClr val="tx1"/>
+          </a:fontRef>
+        </p:style>
+      </p:cxnSp>
+      <p:cxnSp>
+        <p:nvCxnSpPr>
+          <p:cNvPr id="96" name="Straight Arrow Connector 95">
+            <a:extLst>
+              <a:ext uri="{FF2B5EF4-FFF2-40B4-BE49-F238E27FC236}">
+                <a16:creationId xmlns:a16="http://schemas.microsoft.com/office/drawing/2014/main" id="{E425F813-DB50-4F8D-88E0-CDD6C55C3255}"/>
+              </a:ext>
+            </a:extLst>
+          </p:cNvPr>
+          <p:cNvCxnSpPr>
+            <a:cxnSpLocks/>
+          </p:cNvCxnSpPr>
+          <p:nvPr/>
+        </p:nvCxnSpPr>
+        <p:spPr>
+          <a:xfrm flipV="1">
+            <a:off x="3102839" y="10552104"/>
+            <a:ext cx="517899" cy="1"/>
+          </a:xfrm>
+          <a:prstGeom prst="straightConnector1">
+            <a:avLst/>
+          </a:prstGeom>
+          <a:ln w="50800">
+            <a:solidFill>
+              <a:schemeClr val="tx1"/>
+            </a:solidFill>
+            <a:tailEnd type="triangle"/>
+          </a:ln>
+        </p:spPr>
+        <p:style>
+          <a:lnRef idx="1">
+            <a:schemeClr val="accent1"/>
+          </a:lnRef>
+          <a:fillRef idx="0">
+            <a:schemeClr val="accent1"/>
+          </a:fillRef>
+          <a:effectRef idx="0">
+            <a:schemeClr val="accent1"/>
+          </a:effectRef>
+          <a:fontRef idx="minor">
+            <a:schemeClr val="tx1"/>
+          </a:fontRef>
+        </p:style>
+      </p:cxnSp>
+      <p:sp>
+        <p:nvSpPr>
+          <p:cNvPr id="103" name="Diamond 102">
+            <a:extLst>
+              <a:ext uri="{FF2B5EF4-FFF2-40B4-BE49-F238E27FC236}">
+                <a16:creationId xmlns:a16="http://schemas.microsoft.com/office/drawing/2014/main" id="{AC7B2E09-4CCE-40CB-B50C-D94ACC7C3164}"/>
+              </a:ext>
+            </a:extLst>
+          </p:cNvPr>
+          <p:cNvSpPr/>
+          <p:nvPr/>
+        </p:nvSpPr>
+        <p:spPr>
+          <a:xfrm>
+            <a:off x="5774865" y="10197529"/>
+            <a:ext cx="449943" cy="682172"/>
+          </a:xfrm>
+          <a:prstGeom prst="diamond">
+            <a:avLst/>
+          </a:prstGeom>
+          <a:solidFill>
+            <a:schemeClr val="accent6">
+              <a:lumMod val="60000"/>
+              <a:lumOff val="40000"/>
+            </a:schemeClr>
+          </a:solidFill>
+          <a:ln>
+            <a:noFill/>
+          </a:ln>
+        </p:spPr>
+        <p:style>
+          <a:lnRef idx="2">
+            <a:schemeClr val="accent1">
+              <a:shade val="50000"/>
+            </a:schemeClr>
+          </a:lnRef>
+          <a:fillRef idx="1">
+            <a:schemeClr val="accent1"/>
+          </a:fillRef>
+          <a:effectRef idx="0">
+            <a:schemeClr val="accent1"/>
+          </a:effectRef>
+          <a:fontRef idx="minor">
+            <a:schemeClr val="lt1"/>
+          </a:fontRef>
+        </p:style>
+        <p:txBody>
+          <a:bodyPr rtlCol="1" anchor="ctr"/>
+          <a:lstStyle/>
+          <a:p>
+            <a:pPr algn="ctr"/>
+            <a:endParaRPr lang="ar-YE"/>
+          </a:p>
+        </p:txBody>
+      </p:sp>
+      <p:cxnSp>
+        <p:nvCxnSpPr>
+          <p:cNvPr id="104" name="Straight Arrow Connector 103">
+            <a:extLst>
+              <a:ext uri="{FF2B5EF4-FFF2-40B4-BE49-F238E27FC236}">
+                <a16:creationId xmlns:a16="http://schemas.microsoft.com/office/drawing/2014/main" id="{5EA793BA-588A-4BE8-92E6-4996E4795BB5}"/>
+              </a:ext>
+            </a:extLst>
+          </p:cNvPr>
+          <p:cNvCxnSpPr>
+            <a:cxnSpLocks/>
+          </p:cNvCxnSpPr>
+          <p:nvPr/>
+        </p:nvCxnSpPr>
+        <p:spPr>
+          <a:xfrm flipH="1" flipV="1">
+            <a:off x="5256966" y="10538615"/>
+            <a:ext cx="517899" cy="1"/>
+          </a:xfrm>
+          <a:prstGeom prst="straightConnector1">
+            <a:avLst/>
+          </a:prstGeom>
+          <a:ln w="50800">
+            <a:solidFill>
+              <a:schemeClr val="tx1"/>
+            </a:solidFill>
+            <a:tailEnd type="triangle"/>
+          </a:ln>
+        </p:spPr>
+        <p:style>
+          <a:lnRef idx="1">
+            <a:schemeClr val="accent1"/>
+          </a:lnRef>
+          <a:fillRef idx="0">
+            <a:schemeClr val="accent1"/>
+          </a:fillRef>
+          <a:effectRef idx="0">
+            <a:schemeClr val="accent1"/>
+          </a:effectRef>
+          <a:fontRef idx="minor">
+            <a:schemeClr val="tx1"/>
+          </a:fontRef>
+        </p:style>
+      </p:cxnSp>
+      <p:cxnSp>
+        <p:nvCxnSpPr>
+          <p:cNvPr id="111" name="Straight Arrow Connector 110">
+            <a:extLst>
+              <a:ext uri="{FF2B5EF4-FFF2-40B4-BE49-F238E27FC236}">
+                <a16:creationId xmlns:a16="http://schemas.microsoft.com/office/drawing/2014/main" id="{34BFCABC-8972-4F72-8B4B-CE75FC672516}"/>
+              </a:ext>
+            </a:extLst>
+          </p:cNvPr>
+          <p:cNvCxnSpPr>
+            <a:cxnSpLocks/>
+          </p:cNvCxnSpPr>
+          <p:nvPr/>
+        </p:nvCxnSpPr>
+        <p:spPr>
+          <a:xfrm flipV="1">
+            <a:off x="6224808" y="10552104"/>
+            <a:ext cx="517899" cy="1"/>
+          </a:xfrm>
+          <a:prstGeom prst="straightConnector1">
+            <a:avLst/>
+          </a:prstGeom>
+          <a:ln w="50800">
+            <a:solidFill>
+              <a:schemeClr val="tx1"/>
+            </a:solidFill>
+            <a:tailEnd type="triangle"/>
+          </a:ln>
+        </p:spPr>
+        <p:style>
+          <a:lnRef idx="1">
+            <a:schemeClr val="accent1"/>
+          </a:lnRef>
+          <a:fillRef idx="0">
+            <a:schemeClr val="accent1"/>
+          </a:fillRef>
+          <a:effectRef idx="0">
+            <a:schemeClr val="accent1"/>
+          </a:effectRef>
+          <a:fontRef idx="minor">
+            <a:schemeClr val="tx1"/>
+          </a:fontRef>
+        </p:style>
+      </p:cxnSp>
+      <p:sp>
+        <p:nvSpPr>
+          <p:cNvPr id="112" name="Rectangle: Rounded Corners 111">
+            <a:extLst>
+              <a:ext uri="{FF2B5EF4-FFF2-40B4-BE49-F238E27FC236}">
+                <a16:creationId xmlns:a16="http://schemas.microsoft.com/office/drawing/2014/main" id="{91EF6AD8-1DC7-4317-B249-9A10050D8094}"/>
+              </a:ext>
+            </a:extLst>
+          </p:cNvPr>
+          <p:cNvSpPr/>
+          <p:nvPr/>
+        </p:nvSpPr>
+        <p:spPr>
+          <a:xfrm>
+            <a:off x="2181461" y="10215021"/>
+            <a:ext cx="187724" cy="215284"/>
+          </a:xfrm>
+          <a:prstGeom prst="roundRect">
+            <a:avLst>
+              <a:gd name="adj" fmla="val 32123"/>
+            </a:avLst>
+          </a:prstGeom>
+          <a:solidFill>
+            <a:srgbClr val="FFC000"/>
+          </a:solidFill>
+          <a:ln>
+            <a:noFill/>
+          </a:ln>
+        </p:spPr>
+        <p:style>
+          <a:lnRef idx="2">
+            <a:schemeClr val="accent1">
+              <a:shade val="50000"/>
+            </a:schemeClr>
+          </a:lnRef>
+          <a:fillRef idx="1">
+            <a:schemeClr val="accent1"/>
+          </a:fillRef>
+          <a:effectRef idx="0">
+            <a:schemeClr val="accent1"/>
+          </a:effectRef>
+          <a:fontRef idx="minor">
+            <a:schemeClr val="lt1"/>
+          </a:fontRef>
+        </p:style>
+        <p:txBody>
+          <a:bodyPr rtlCol="1" anchor="ctr"/>
+          <a:lstStyle/>
+          <a:p>
+            <a:pPr algn="ctr"/>
+            <a:r>
+              <a:rPr lang="en-US" sz="1600" dirty="0">
+                <a:solidFill>
+                  <a:schemeClr val="tx1"/>
+                </a:solidFill>
+                <a:latin typeface="Microsoft Sans Serif" panose="020B0604020202020204" pitchFamily="34" charset="0"/>
+                <a:ea typeface="Microsoft Sans Serif" panose="020B0604020202020204" pitchFamily="34" charset="0"/>
+                <a:cs typeface="Microsoft Sans Serif" panose="020B0604020202020204" pitchFamily="34" charset="0"/>
+              </a:rPr>
+              <a:t>m</a:t>
+            </a:r>
+            <a:endParaRPr lang="ar-YE" sz="1600" dirty="0">
+              <a:solidFill>
+                <a:schemeClr val="tx1"/>
+              </a:solidFill>
+              <a:latin typeface="Microsoft Sans Serif" panose="020B0604020202020204" pitchFamily="34" charset="0"/>
+              <a:ea typeface="Microsoft Sans Serif" panose="020B0604020202020204" pitchFamily="34" charset="0"/>
+              <a:cs typeface="Microsoft Sans Serif" panose="020B0604020202020204" pitchFamily="34" charset="0"/>
+            </a:endParaRPr>
+          </a:p>
+        </p:txBody>
+      </p:sp>
+      <p:sp>
+        <p:nvSpPr>
+          <p:cNvPr id="113" name="Rectangle: Rounded Corners 112">
+            <a:extLst>
+              <a:ext uri="{FF2B5EF4-FFF2-40B4-BE49-F238E27FC236}">
+                <a16:creationId xmlns:a16="http://schemas.microsoft.com/office/drawing/2014/main" id="{0617016E-E3D2-4DEA-B958-64624B70867D}"/>
+              </a:ext>
+            </a:extLst>
+          </p:cNvPr>
+          <p:cNvSpPr/>
+          <p:nvPr/>
+        </p:nvSpPr>
+        <p:spPr>
+          <a:xfrm>
+            <a:off x="6528488" y="10251305"/>
+            <a:ext cx="187724" cy="215284"/>
+          </a:xfrm>
+          <a:prstGeom prst="roundRect">
+            <a:avLst>
+              <a:gd name="adj" fmla="val 32123"/>
+            </a:avLst>
+          </a:prstGeom>
+          <a:solidFill>
+            <a:srgbClr val="FFC000"/>
+          </a:solidFill>
+          <a:ln>
+            <a:noFill/>
+          </a:ln>
+        </p:spPr>
+        <p:style>
+          <a:lnRef idx="2">
+            <a:schemeClr val="accent1">
+              <a:shade val="50000"/>
+            </a:schemeClr>
+          </a:lnRef>
+          <a:fillRef idx="1">
+            <a:schemeClr val="accent1"/>
+          </a:fillRef>
+          <a:effectRef idx="0">
+            <a:schemeClr val="accent1"/>
+          </a:effectRef>
+          <a:fontRef idx="minor">
+            <a:schemeClr val="lt1"/>
+          </a:fontRef>
+        </p:style>
+        <p:txBody>
+          <a:bodyPr rtlCol="1" anchor="ctr"/>
+          <a:lstStyle/>
+          <a:p>
+            <a:pPr algn="ctr"/>
+            <a:r>
+              <a:rPr lang="en-US" sz="1600" dirty="0">
+                <a:solidFill>
+                  <a:schemeClr val="tx1"/>
+                </a:solidFill>
+                <a:latin typeface="Microsoft Sans Serif" panose="020B0604020202020204" pitchFamily="34" charset="0"/>
+                <a:ea typeface="Microsoft Sans Serif" panose="020B0604020202020204" pitchFamily="34" charset="0"/>
+                <a:cs typeface="Microsoft Sans Serif" panose="020B0604020202020204" pitchFamily="34" charset="0"/>
+              </a:rPr>
+              <a:t>m</a:t>
+            </a:r>
+            <a:endParaRPr lang="ar-YE" sz="1600" dirty="0">
+              <a:solidFill>
+                <a:schemeClr val="tx1"/>
+              </a:solidFill>
+              <a:latin typeface="Microsoft Sans Serif" panose="020B0604020202020204" pitchFamily="34" charset="0"/>
+              <a:ea typeface="Microsoft Sans Serif" panose="020B0604020202020204" pitchFamily="34" charset="0"/>
+              <a:cs typeface="Microsoft Sans Serif" panose="020B0604020202020204" pitchFamily="34" charset="0"/>
+            </a:endParaRPr>
+          </a:p>
+        </p:txBody>
+      </p:sp>
+      <p:sp>
+        <p:nvSpPr>
+          <p:cNvPr id="115" name="Rectangle: Rounded Corners 114">
+            <a:extLst>
+              <a:ext uri="{FF2B5EF4-FFF2-40B4-BE49-F238E27FC236}">
+                <a16:creationId xmlns:a16="http://schemas.microsoft.com/office/drawing/2014/main" id="{981A4B6F-2A46-4999-890A-D4A511F56DBA}"/>
+              </a:ext>
+            </a:extLst>
+          </p:cNvPr>
+          <p:cNvSpPr/>
+          <p:nvPr/>
+        </p:nvSpPr>
+        <p:spPr>
+          <a:xfrm>
+            <a:off x="3407916" y="10236794"/>
+            <a:ext cx="187724" cy="215284"/>
+          </a:xfrm>
+          <a:prstGeom prst="roundRect">
+            <a:avLst>
+              <a:gd name="adj" fmla="val 32123"/>
+            </a:avLst>
+          </a:prstGeom>
+          <a:solidFill>
+            <a:srgbClr val="FFC000"/>
+          </a:solidFill>
+          <a:ln>
+            <a:noFill/>
+          </a:ln>
+        </p:spPr>
+        <p:style>
+          <a:lnRef idx="2">
+            <a:schemeClr val="accent1">
+              <a:shade val="50000"/>
+            </a:schemeClr>
+          </a:lnRef>
+          <a:fillRef idx="1">
+            <a:schemeClr val="accent1"/>
+          </a:fillRef>
+          <a:effectRef idx="0">
+            <a:schemeClr val="accent1"/>
+          </a:effectRef>
+          <a:fontRef idx="minor">
+            <a:schemeClr val="lt1"/>
+          </a:fontRef>
+        </p:style>
+        <p:txBody>
+          <a:bodyPr rtlCol="1" anchor="ctr"/>
+          <a:lstStyle/>
+          <a:p>
+            <a:pPr algn="ctr"/>
+            <a:r>
+              <a:rPr lang="en-US" sz="1600" dirty="0">
+                <a:solidFill>
+                  <a:schemeClr val="tx1"/>
+                </a:solidFill>
+                <a:latin typeface="Microsoft Sans Serif" panose="020B0604020202020204" pitchFamily="34" charset="0"/>
+                <a:ea typeface="Microsoft Sans Serif" panose="020B0604020202020204" pitchFamily="34" charset="0"/>
+                <a:cs typeface="Microsoft Sans Serif" panose="020B0604020202020204" pitchFamily="34" charset="0"/>
+              </a:rPr>
+              <a:t>1</a:t>
+            </a:r>
+            <a:endParaRPr lang="ar-YE" sz="1600" dirty="0">
+              <a:solidFill>
+                <a:schemeClr val="tx1"/>
+              </a:solidFill>
+              <a:latin typeface="Microsoft Sans Serif" panose="020B0604020202020204" pitchFamily="34" charset="0"/>
+              <a:ea typeface="Microsoft Sans Serif" panose="020B0604020202020204" pitchFamily="34" charset="0"/>
+              <a:cs typeface="Microsoft Sans Serif" panose="020B0604020202020204" pitchFamily="34" charset="0"/>
+            </a:endParaRPr>
+          </a:p>
+        </p:txBody>
+      </p:sp>
+      <p:sp>
+        <p:nvSpPr>
+          <p:cNvPr id="116" name="Rectangle: Rounded Corners 115">
+            <a:extLst>
+              <a:ext uri="{FF2B5EF4-FFF2-40B4-BE49-F238E27FC236}">
+                <a16:creationId xmlns:a16="http://schemas.microsoft.com/office/drawing/2014/main" id="{6BE63126-A543-448E-B67C-3E04E4809EAF}"/>
+              </a:ext>
+            </a:extLst>
+          </p:cNvPr>
+          <p:cNvSpPr/>
+          <p:nvPr/>
+        </p:nvSpPr>
+        <p:spPr>
+          <a:xfrm>
+            <a:off x="5316547" y="10215021"/>
+            <a:ext cx="187724" cy="215284"/>
+          </a:xfrm>
+          <a:prstGeom prst="roundRect">
+            <a:avLst>
+              <a:gd name="adj" fmla="val 32123"/>
+            </a:avLst>
+          </a:prstGeom>
+          <a:solidFill>
+            <a:srgbClr val="FFC000"/>
+          </a:solidFill>
+          <a:ln>
+            <a:noFill/>
+          </a:ln>
+        </p:spPr>
+        <p:style>
+          <a:lnRef idx="2">
+            <a:schemeClr val="accent1">
+              <a:shade val="50000"/>
+            </a:schemeClr>
+          </a:lnRef>
+          <a:fillRef idx="1">
+            <a:schemeClr val="accent1"/>
+          </a:fillRef>
+          <a:effectRef idx="0">
+            <a:schemeClr val="accent1"/>
+          </a:effectRef>
+          <a:fontRef idx="minor">
+            <a:schemeClr val="lt1"/>
+          </a:fontRef>
+        </p:style>
+        <p:txBody>
+          <a:bodyPr rtlCol="1" anchor="ctr"/>
+          <a:lstStyle/>
+          <a:p>
+            <a:pPr algn="ctr"/>
+            <a:r>
+              <a:rPr lang="en-US" sz="1600" dirty="0">
+                <a:solidFill>
+                  <a:schemeClr val="tx1"/>
+                </a:solidFill>
+                <a:latin typeface="Microsoft Sans Serif" panose="020B0604020202020204" pitchFamily="34" charset="0"/>
+                <a:ea typeface="Microsoft Sans Serif" panose="020B0604020202020204" pitchFamily="34" charset="0"/>
+                <a:cs typeface="Microsoft Sans Serif" panose="020B0604020202020204" pitchFamily="34" charset="0"/>
+              </a:rPr>
+              <a:t>m</a:t>
+            </a:r>
+            <a:endParaRPr lang="ar-YE" sz="1600" dirty="0">
+              <a:solidFill>
+                <a:schemeClr val="tx1"/>
+              </a:solidFill>
+              <a:latin typeface="Microsoft Sans Serif" panose="020B0604020202020204" pitchFamily="34" charset="0"/>
+              <a:ea typeface="Microsoft Sans Serif" panose="020B0604020202020204" pitchFamily="34" charset="0"/>
+              <a:cs typeface="Microsoft Sans Serif" panose="020B0604020202020204" pitchFamily="34" charset="0"/>
+            </a:endParaRPr>
+          </a:p>
+        </p:txBody>
+      </p:sp>
+      <p:sp>
+        <p:nvSpPr>
+          <p:cNvPr id="117" name="Rectangle: Rounded Corners 116">
+            <a:extLst>
+              <a:ext uri="{FF2B5EF4-FFF2-40B4-BE49-F238E27FC236}">
+                <a16:creationId xmlns:a16="http://schemas.microsoft.com/office/drawing/2014/main" id="{8FBF6410-0AC6-4576-B052-8BBE0154DB2F}"/>
+              </a:ext>
+            </a:extLst>
+          </p:cNvPr>
+          <p:cNvSpPr/>
+          <p:nvPr/>
+        </p:nvSpPr>
+        <p:spPr>
+          <a:xfrm>
+            <a:off x="2535202" y="7733566"/>
+            <a:ext cx="1273526" cy="458911"/>
+          </a:xfrm>
+          <a:prstGeom prst="roundRect">
+            <a:avLst>
+              <a:gd name="adj" fmla="val 0"/>
+            </a:avLst>
+          </a:prstGeom>
+          <a:solidFill>
+            <a:schemeClr val="accent1">
+              <a:lumMod val="50000"/>
+            </a:schemeClr>
+          </a:solidFill>
+        </p:spPr>
+        <p:style>
+          <a:lnRef idx="2">
+            <a:schemeClr val="accent1">
+              <a:shade val="50000"/>
+            </a:schemeClr>
+          </a:lnRef>
+          <a:fillRef idx="1">
+            <a:schemeClr val="accent1"/>
+          </a:fillRef>
+          <a:effectRef idx="0">
+            <a:schemeClr val="accent1"/>
+          </a:effectRef>
+          <a:fontRef idx="minor">
+            <a:schemeClr val="lt1"/>
+          </a:fontRef>
+        </p:style>
+        <p:txBody>
+          <a:bodyPr rtlCol="1" anchor="ctr"/>
+          <a:lstStyle/>
+          <a:p>
+            <a:pPr algn="ctr"/>
+            <a:r>
+              <a:rPr lang="ar-YE" sz="2400" dirty="0">
+                <a:latin typeface="Microsoft Sans Serif" panose="020B0604020202020204" pitchFamily="34" charset="0"/>
+                <a:ea typeface="Microsoft Sans Serif" panose="020B0604020202020204" pitchFamily="34" charset="0"/>
+                <a:cs typeface="Microsoft Sans Serif" panose="020B0604020202020204" pitchFamily="34" charset="0"/>
+              </a:rPr>
+              <a:t>الترم</a:t>
+            </a:r>
+          </a:p>
+        </p:txBody>
+      </p:sp>
+      <p:cxnSp>
+        <p:nvCxnSpPr>
+          <p:cNvPr id="118" name="Straight Connector 117">
+            <a:extLst>
+              <a:ext uri="{FF2B5EF4-FFF2-40B4-BE49-F238E27FC236}">
+                <a16:creationId xmlns:a16="http://schemas.microsoft.com/office/drawing/2014/main" id="{811BBBE6-60D9-40E8-95A3-FF3494F3E1EE}"/>
+              </a:ext>
+            </a:extLst>
+          </p:cNvPr>
+          <p:cNvCxnSpPr>
+            <a:cxnSpLocks/>
+          </p:cNvCxnSpPr>
+          <p:nvPr/>
+        </p:nvCxnSpPr>
+        <p:spPr>
+          <a:xfrm flipV="1">
+            <a:off x="7264499" y="4174821"/>
+            <a:ext cx="2602" cy="1384621"/>
+          </a:xfrm>
+          <a:prstGeom prst="line">
+            <a:avLst/>
+          </a:prstGeom>
+          <a:ln w="50800">
+            <a:solidFill>
+              <a:schemeClr val="tx1"/>
+            </a:solidFill>
+          </a:ln>
+        </p:spPr>
+        <p:style>
+          <a:lnRef idx="1">
+            <a:schemeClr val="accent1"/>
+          </a:lnRef>
+          <a:fillRef idx="0">
+            <a:schemeClr val="accent1"/>
+          </a:fillRef>
+          <a:effectRef idx="0">
+            <a:schemeClr val="accent1"/>
+          </a:effectRef>
+          <a:fontRef idx="minor">
+            <a:schemeClr val="tx1"/>
+          </a:fontRef>
+        </p:style>
+      </p:cxnSp>
+      <p:cxnSp>
+        <p:nvCxnSpPr>
+          <p:cNvPr id="119" name="Straight Connector 118">
+            <a:extLst>
+              <a:ext uri="{FF2B5EF4-FFF2-40B4-BE49-F238E27FC236}">
+                <a16:creationId xmlns:a16="http://schemas.microsoft.com/office/drawing/2014/main" id="{CAA7E17B-EF5F-464A-8D10-393C38C6BFD8}"/>
+              </a:ext>
+            </a:extLst>
+          </p:cNvPr>
+          <p:cNvCxnSpPr>
+            <a:cxnSpLocks/>
+          </p:cNvCxnSpPr>
+          <p:nvPr/>
+        </p:nvCxnSpPr>
+        <p:spPr>
+          <a:xfrm flipH="1">
+            <a:off x="6506049" y="7777250"/>
+            <a:ext cx="1" cy="213416"/>
+          </a:xfrm>
+          <a:prstGeom prst="line">
+            <a:avLst/>
+          </a:prstGeom>
+          <a:ln w="50800">
+            <a:solidFill>
+              <a:schemeClr val="tx1"/>
+            </a:solidFill>
+          </a:ln>
+        </p:spPr>
+        <p:style>
+          <a:lnRef idx="1">
+            <a:schemeClr val="accent1"/>
+          </a:lnRef>
+          <a:fillRef idx="0">
+            <a:schemeClr val="accent1"/>
+          </a:fillRef>
+          <a:effectRef idx="0">
+            <a:schemeClr val="accent1"/>
+          </a:effectRef>
+          <a:fontRef idx="minor">
+            <a:schemeClr val="tx1"/>
+          </a:fontRef>
+        </p:style>
+      </p:cxnSp>
+      <p:cxnSp>
+        <p:nvCxnSpPr>
+          <p:cNvPr id="126" name="Straight Connector 125">
+            <a:extLst>
+              <a:ext uri="{FF2B5EF4-FFF2-40B4-BE49-F238E27FC236}">
+                <a16:creationId xmlns:a16="http://schemas.microsoft.com/office/drawing/2014/main" id="{08365A5E-F0BB-47BF-A068-83AF589ED7B5}"/>
+              </a:ext>
+            </a:extLst>
+          </p:cNvPr>
+          <p:cNvCxnSpPr>
+            <a:cxnSpLocks/>
+            <a:stCxn id="26" idx="2"/>
+            <a:endCxn id="117" idx="0"/>
+          </p:cNvCxnSpPr>
+          <p:nvPr/>
+        </p:nvCxnSpPr>
+        <p:spPr>
+          <a:xfrm>
+            <a:off x="3171965" y="3668836"/>
+            <a:ext cx="0" cy="4064730"/>
+          </a:xfrm>
+          <a:prstGeom prst="line">
+            <a:avLst/>
+          </a:prstGeom>
+          <a:ln w="50800">
+            <a:solidFill>
+              <a:schemeClr val="tx1"/>
+            </a:solidFill>
+          </a:ln>
+        </p:spPr>
+        <p:style>
+          <a:lnRef idx="1">
+            <a:schemeClr val="accent1"/>
+          </a:lnRef>
+          <a:fillRef idx="0">
+            <a:schemeClr val="accent1"/>
+          </a:fillRef>
+          <a:effectRef idx="0">
+            <a:schemeClr val="accent1"/>
+          </a:effectRef>
+          <a:fontRef idx="minor">
+            <a:schemeClr val="tx1"/>
+          </a:fontRef>
+        </p:style>
+      </p:cxnSp>
+      <p:sp>
+        <p:nvSpPr>
+          <p:cNvPr id="128" name="Rectangle: Rounded Corners 127">
+            <a:extLst>
+              <a:ext uri="{FF2B5EF4-FFF2-40B4-BE49-F238E27FC236}">
+                <a16:creationId xmlns:a16="http://schemas.microsoft.com/office/drawing/2014/main" id="{04BFDBC6-A034-4F15-92BB-065D878433C2}"/>
+              </a:ext>
+            </a:extLst>
+          </p:cNvPr>
+          <p:cNvSpPr/>
+          <p:nvPr/>
+        </p:nvSpPr>
+        <p:spPr>
+          <a:xfrm>
+            <a:off x="6671817" y="7820161"/>
+            <a:ext cx="187724" cy="215284"/>
+          </a:xfrm>
+          <a:prstGeom prst="roundRect">
+            <a:avLst>
+              <a:gd name="adj" fmla="val 32123"/>
+            </a:avLst>
+          </a:prstGeom>
+          <a:solidFill>
+            <a:srgbClr val="FFC000"/>
+          </a:solidFill>
+          <a:ln>
+            <a:noFill/>
+          </a:ln>
+        </p:spPr>
+        <p:style>
+          <a:lnRef idx="2">
+            <a:schemeClr val="accent1">
+              <a:shade val="50000"/>
+            </a:schemeClr>
+          </a:lnRef>
+          <a:fillRef idx="1">
+            <a:schemeClr val="accent1"/>
+          </a:fillRef>
+          <a:effectRef idx="0">
+            <a:schemeClr val="accent1"/>
+          </a:effectRef>
+          <a:fontRef idx="minor">
+            <a:schemeClr val="lt1"/>
+          </a:fontRef>
+        </p:style>
+        <p:txBody>
+          <a:bodyPr rtlCol="1" anchor="ctr"/>
+          <a:lstStyle/>
+          <a:p>
+            <a:pPr algn="ctr"/>
+            <a:r>
+              <a:rPr lang="en-US" sz="1600" dirty="0">
+                <a:solidFill>
+                  <a:schemeClr val="tx1"/>
+                </a:solidFill>
+                <a:latin typeface="Microsoft Sans Serif" panose="020B0604020202020204" pitchFamily="34" charset="0"/>
+                <a:ea typeface="Microsoft Sans Serif" panose="020B0604020202020204" pitchFamily="34" charset="0"/>
+                <a:cs typeface="Microsoft Sans Serif" panose="020B0604020202020204" pitchFamily="34" charset="0"/>
+              </a:rPr>
+              <a:t>-</a:t>
+            </a:r>
+            <a:endParaRPr lang="ar-YE" sz="1600" dirty="0">
+              <a:solidFill>
+                <a:schemeClr val="tx1"/>
+              </a:solidFill>
+              <a:latin typeface="Microsoft Sans Serif" panose="020B0604020202020204" pitchFamily="34" charset="0"/>
+              <a:ea typeface="Microsoft Sans Serif" panose="020B0604020202020204" pitchFamily="34" charset="0"/>
+              <a:cs typeface="Microsoft Sans Serif" panose="020B0604020202020204" pitchFamily="34" charset="0"/>
+            </a:endParaRPr>
+          </a:p>
+        </p:txBody>
+      </p:sp>
+      <p:sp>
+        <p:nvSpPr>
+          <p:cNvPr id="135" name="Rectangle: Rounded Corners 134">
+            <a:extLst>
+              <a:ext uri="{FF2B5EF4-FFF2-40B4-BE49-F238E27FC236}">
+                <a16:creationId xmlns:a16="http://schemas.microsoft.com/office/drawing/2014/main" id="{290FA41D-0BEF-405C-827E-5D7CC28EBDC4}"/>
+              </a:ext>
+            </a:extLst>
+          </p:cNvPr>
+          <p:cNvSpPr/>
+          <p:nvPr/>
+        </p:nvSpPr>
+        <p:spPr>
+          <a:xfrm>
+            <a:off x="3887252" y="7736709"/>
+            <a:ext cx="197067" cy="172135"/>
+          </a:xfrm>
+          <a:prstGeom prst="roundRect">
+            <a:avLst>
+              <a:gd name="adj" fmla="val 32123"/>
+            </a:avLst>
+          </a:prstGeom>
+          <a:solidFill>
+            <a:srgbClr val="FFC000"/>
+          </a:solidFill>
+          <a:ln>
+            <a:noFill/>
+          </a:ln>
+        </p:spPr>
+        <p:style>
+          <a:lnRef idx="2">
+            <a:schemeClr val="accent1">
+              <a:shade val="50000"/>
+            </a:schemeClr>
+          </a:lnRef>
+          <a:fillRef idx="1">
+            <a:schemeClr val="accent1"/>
+          </a:fillRef>
+          <a:effectRef idx="0">
+            <a:schemeClr val="accent1"/>
+          </a:effectRef>
+          <a:fontRef idx="minor">
+            <a:schemeClr val="lt1"/>
+          </a:fontRef>
+        </p:style>
+        <p:txBody>
+          <a:bodyPr rtlCol="1" anchor="ctr"/>
+          <a:lstStyle/>
+          <a:p>
+            <a:pPr algn="ctr"/>
+            <a:r>
+              <a:rPr lang="en-US" sz="1600" dirty="0">
+                <a:solidFill>
+                  <a:schemeClr val="tx1"/>
+                </a:solidFill>
+                <a:latin typeface="Microsoft Sans Serif" panose="020B0604020202020204" pitchFamily="34" charset="0"/>
+                <a:ea typeface="Microsoft Sans Serif" panose="020B0604020202020204" pitchFamily="34" charset="0"/>
+                <a:cs typeface="Microsoft Sans Serif" panose="020B0604020202020204" pitchFamily="34" charset="0"/>
+              </a:rPr>
+              <a:t>-</a:t>
+            </a:r>
+            <a:endParaRPr lang="ar-YE" sz="1600" dirty="0">
+              <a:solidFill>
+                <a:schemeClr val="tx1"/>
+              </a:solidFill>
+              <a:latin typeface="Microsoft Sans Serif" panose="020B0604020202020204" pitchFamily="34" charset="0"/>
+              <a:ea typeface="Microsoft Sans Serif" panose="020B0604020202020204" pitchFamily="34" charset="0"/>
+              <a:cs typeface="Microsoft Sans Serif" panose="020B0604020202020204" pitchFamily="34" charset="0"/>
+            </a:endParaRPr>
+          </a:p>
+        </p:txBody>
+      </p:sp>
+      <p:sp>
+        <p:nvSpPr>
+          <p:cNvPr id="136" name="Rectangle: Rounded Corners 135">
+            <a:extLst>
+              <a:ext uri="{FF2B5EF4-FFF2-40B4-BE49-F238E27FC236}">
+                <a16:creationId xmlns:a16="http://schemas.microsoft.com/office/drawing/2014/main" id="{8FE5F6A0-7FCB-4A5C-8A44-5E381F23AC3A}"/>
+              </a:ext>
+            </a:extLst>
+          </p:cNvPr>
+          <p:cNvSpPr/>
+          <p:nvPr/>
+        </p:nvSpPr>
+        <p:spPr>
+          <a:xfrm>
+            <a:off x="3255516" y="3741650"/>
+            <a:ext cx="187724" cy="215284"/>
+          </a:xfrm>
+          <a:prstGeom prst="roundRect">
+            <a:avLst>
+              <a:gd name="adj" fmla="val 32123"/>
+            </a:avLst>
+          </a:prstGeom>
+          <a:solidFill>
+            <a:srgbClr val="FFC000"/>
+          </a:solidFill>
+          <a:ln>
+            <a:noFill/>
+          </a:ln>
+        </p:spPr>
+        <p:style>
+          <a:lnRef idx="2">
+            <a:schemeClr val="accent1">
+              <a:shade val="50000"/>
+            </a:schemeClr>
+          </a:lnRef>
+          <a:fillRef idx="1">
+            <a:schemeClr val="accent1"/>
+          </a:fillRef>
+          <a:effectRef idx="0">
+            <a:schemeClr val="accent1"/>
+          </a:effectRef>
+          <a:fontRef idx="minor">
+            <a:schemeClr val="lt1"/>
+          </a:fontRef>
+        </p:style>
+        <p:txBody>
+          <a:bodyPr rtlCol="1" anchor="ctr"/>
+          <a:lstStyle/>
+          <a:p>
+            <a:pPr algn="ctr"/>
+            <a:r>
+              <a:rPr lang="en-US" sz="1600" dirty="0">
+                <a:solidFill>
+                  <a:schemeClr val="tx1"/>
+                </a:solidFill>
+                <a:latin typeface="Microsoft Sans Serif" panose="020B0604020202020204" pitchFamily="34" charset="0"/>
+                <a:ea typeface="Microsoft Sans Serif" panose="020B0604020202020204" pitchFamily="34" charset="0"/>
+                <a:cs typeface="Microsoft Sans Serif" panose="020B0604020202020204" pitchFamily="34" charset="0"/>
+              </a:rPr>
+              <a:t>-</a:t>
+            </a:r>
+            <a:endParaRPr lang="ar-YE" sz="1600" dirty="0">
+              <a:solidFill>
+                <a:schemeClr val="tx1"/>
+              </a:solidFill>
+              <a:latin typeface="Microsoft Sans Serif" panose="020B0604020202020204" pitchFamily="34" charset="0"/>
+              <a:ea typeface="Microsoft Sans Serif" panose="020B0604020202020204" pitchFamily="34" charset="0"/>
+              <a:cs typeface="Microsoft Sans Serif" panose="020B0604020202020204" pitchFamily="34" charset="0"/>
+            </a:endParaRPr>
+          </a:p>
+        </p:txBody>
+      </p:sp>
+      <p:sp>
+        <p:nvSpPr>
+          <p:cNvPr id="138" name="Rectangle: Rounded Corners 137">
+            <a:extLst>
+              <a:ext uri="{FF2B5EF4-FFF2-40B4-BE49-F238E27FC236}">
+                <a16:creationId xmlns:a16="http://schemas.microsoft.com/office/drawing/2014/main" id="{5986D8D6-0F6B-49F1-9BA7-18A8A39D6822}"/>
+              </a:ext>
+            </a:extLst>
+          </p:cNvPr>
+          <p:cNvSpPr/>
+          <p:nvPr/>
+        </p:nvSpPr>
+        <p:spPr>
+          <a:xfrm>
+            <a:off x="3270025" y="7442795"/>
+            <a:ext cx="187724" cy="215284"/>
+          </a:xfrm>
+          <a:prstGeom prst="roundRect">
+            <a:avLst>
+              <a:gd name="adj" fmla="val 32123"/>
+            </a:avLst>
+          </a:prstGeom>
+          <a:solidFill>
+            <a:srgbClr val="FFC000"/>
+          </a:solidFill>
+          <a:ln>
+            <a:noFill/>
+          </a:ln>
+        </p:spPr>
+        <p:style>
+          <a:lnRef idx="2">
+            <a:schemeClr val="accent1">
+              <a:shade val="50000"/>
+            </a:schemeClr>
+          </a:lnRef>
+          <a:fillRef idx="1">
+            <a:schemeClr val="accent1"/>
+          </a:fillRef>
+          <a:effectRef idx="0">
+            <a:schemeClr val="accent1"/>
+          </a:effectRef>
+          <a:fontRef idx="minor">
+            <a:schemeClr val="lt1"/>
+          </a:fontRef>
+        </p:style>
+        <p:txBody>
+          <a:bodyPr rtlCol="1" anchor="ctr"/>
+          <a:lstStyle/>
+          <a:p>
+            <a:pPr algn="ctr"/>
+            <a:r>
+              <a:rPr lang="en-US" sz="1600" dirty="0">
+                <a:solidFill>
+                  <a:schemeClr val="tx1"/>
+                </a:solidFill>
+                <a:latin typeface="Microsoft Sans Serif" panose="020B0604020202020204" pitchFamily="34" charset="0"/>
+                <a:ea typeface="Microsoft Sans Serif" panose="020B0604020202020204" pitchFamily="34" charset="0"/>
+                <a:cs typeface="Microsoft Sans Serif" panose="020B0604020202020204" pitchFamily="34" charset="0"/>
+              </a:rPr>
+              <a:t>-</a:t>
+            </a:r>
+            <a:endParaRPr lang="ar-YE" sz="1600" dirty="0">
+              <a:solidFill>
+                <a:schemeClr val="tx1"/>
+              </a:solidFill>
+              <a:latin typeface="Microsoft Sans Serif" panose="020B0604020202020204" pitchFamily="34" charset="0"/>
+              <a:ea typeface="Microsoft Sans Serif" panose="020B0604020202020204" pitchFamily="34" charset="0"/>
+              <a:cs typeface="Microsoft Sans Serif" panose="020B0604020202020204" pitchFamily="34" charset="0"/>
+            </a:endParaRPr>
+          </a:p>
+        </p:txBody>
+      </p:sp>
+      <p:sp>
+        <p:nvSpPr>
+          <p:cNvPr id="146" name="Diamond 145">
+            <a:extLst>
+              <a:ext uri="{FF2B5EF4-FFF2-40B4-BE49-F238E27FC236}">
+                <a16:creationId xmlns:a16="http://schemas.microsoft.com/office/drawing/2014/main" id="{F859F142-0B46-4BCB-A07C-15E90FA14463}"/>
+              </a:ext>
+            </a:extLst>
+          </p:cNvPr>
+          <p:cNvSpPr/>
+          <p:nvPr/>
+        </p:nvSpPr>
+        <p:spPr>
+          <a:xfrm>
+            <a:off x="2945182" y="5241925"/>
+            <a:ext cx="449943" cy="682172"/>
+          </a:xfrm>
+          <a:prstGeom prst="diamond">
+            <a:avLst/>
+          </a:prstGeom>
+          <a:solidFill>
+            <a:schemeClr val="accent6">
+              <a:lumMod val="60000"/>
+              <a:lumOff val="40000"/>
+            </a:schemeClr>
+          </a:solidFill>
+          <a:ln>
+            <a:noFill/>
+          </a:ln>
+        </p:spPr>
+        <p:style>
+          <a:lnRef idx="2">
+            <a:schemeClr val="accent1">
+              <a:shade val="50000"/>
+            </a:schemeClr>
+          </a:lnRef>
+          <a:fillRef idx="1">
+            <a:schemeClr val="accent1"/>
+          </a:fillRef>
+          <a:effectRef idx="0">
+            <a:schemeClr val="accent1"/>
+          </a:effectRef>
+          <a:fontRef idx="minor">
+            <a:schemeClr val="lt1"/>
+          </a:fontRef>
+        </p:style>
+        <p:txBody>
+          <a:bodyPr rtlCol="1" anchor="ctr"/>
+          <a:lstStyle/>
+          <a:p>
+            <a:pPr algn="ctr"/>
+            <a:endParaRPr lang="ar-YE"/>
+          </a:p>
+        </p:txBody>
+      </p:sp>
+      <p:cxnSp>
+        <p:nvCxnSpPr>
+          <p:cNvPr id="147" name="Straight Connector 146">
+            <a:extLst>
+              <a:ext uri="{FF2B5EF4-FFF2-40B4-BE49-F238E27FC236}">
+                <a16:creationId xmlns:a16="http://schemas.microsoft.com/office/drawing/2014/main" id="{EF1D42C0-1880-4CC3-93F2-BF7B85D6636E}"/>
+              </a:ext>
+            </a:extLst>
+          </p:cNvPr>
+          <p:cNvCxnSpPr>
+            <a:cxnSpLocks/>
+            <a:endCxn id="117" idx="3"/>
+          </p:cNvCxnSpPr>
+          <p:nvPr/>
+        </p:nvCxnSpPr>
+        <p:spPr>
+          <a:xfrm flipH="1" flipV="1">
+            <a:off x="3808728" y="7963022"/>
+            <a:ext cx="2719760" cy="21309"/>
+          </a:xfrm>
+          <a:prstGeom prst="line">
+            <a:avLst/>
+          </a:prstGeom>
+          <a:ln w="50800">
+            <a:solidFill>
+              <a:schemeClr val="tx1"/>
+            </a:solidFill>
+          </a:ln>
+        </p:spPr>
+        <p:style>
+          <a:lnRef idx="1">
+            <a:schemeClr val="accent1"/>
+          </a:lnRef>
+          <a:fillRef idx="0">
+            <a:schemeClr val="accent1"/>
+          </a:fillRef>
+          <a:effectRef idx="0">
+            <a:schemeClr val="accent1"/>
+          </a:effectRef>
+          <a:fontRef idx="minor">
+            <a:schemeClr val="tx1"/>
+          </a:fontRef>
+        </p:style>
+      </p:cxnSp>
+      <p:cxnSp>
+        <p:nvCxnSpPr>
+          <p:cNvPr id="151" name="Straight Connector 150">
+            <a:extLst>
+              <a:ext uri="{FF2B5EF4-FFF2-40B4-BE49-F238E27FC236}">
+                <a16:creationId xmlns:a16="http://schemas.microsoft.com/office/drawing/2014/main" id="{C799CCC6-B77D-4957-96A2-2B4C560FB3A2}"/>
+              </a:ext>
+            </a:extLst>
+          </p:cNvPr>
+          <p:cNvCxnSpPr>
+            <a:cxnSpLocks/>
+          </p:cNvCxnSpPr>
+          <p:nvPr/>
+        </p:nvCxnSpPr>
+        <p:spPr>
+          <a:xfrm flipH="1">
+            <a:off x="5537832" y="5519491"/>
+            <a:ext cx="1729269" cy="0"/>
+          </a:xfrm>
+          <a:prstGeom prst="line">
+            <a:avLst/>
+          </a:prstGeom>
+          <a:ln w="50800">
+            <a:solidFill>
+              <a:schemeClr val="tx1"/>
+            </a:solidFill>
+          </a:ln>
+        </p:spPr>
+        <p:style>
+          <a:lnRef idx="1">
+            <a:schemeClr val="accent1"/>
+          </a:lnRef>
+          <a:fillRef idx="0">
+            <a:schemeClr val="accent1"/>
+          </a:fillRef>
+          <a:effectRef idx="0">
+            <a:schemeClr val="accent1"/>
+          </a:effectRef>
+          <a:fontRef idx="minor">
+            <a:schemeClr val="tx1"/>
+          </a:fontRef>
+        </p:style>
+      </p:cxnSp>
+      <p:sp>
+        <p:nvSpPr>
+          <p:cNvPr id="160" name="Rectangle: Rounded Corners 159">
+            <a:extLst>
+              <a:ext uri="{FF2B5EF4-FFF2-40B4-BE49-F238E27FC236}">
+                <a16:creationId xmlns:a16="http://schemas.microsoft.com/office/drawing/2014/main" id="{8C6D57BF-583A-4DFC-B21D-53B49A686706}"/>
+              </a:ext>
+            </a:extLst>
+          </p:cNvPr>
+          <p:cNvSpPr/>
+          <p:nvPr/>
+        </p:nvSpPr>
+        <p:spPr>
+          <a:xfrm>
+            <a:off x="6949147" y="4272153"/>
+            <a:ext cx="182369" cy="215284"/>
+          </a:xfrm>
+          <a:prstGeom prst="roundRect">
+            <a:avLst>
+              <a:gd name="adj" fmla="val 32123"/>
+            </a:avLst>
+          </a:prstGeom>
+          <a:solidFill>
+            <a:srgbClr val="FFC000"/>
+          </a:solidFill>
+          <a:ln>
+            <a:noFill/>
+          </a:ln>
+        </p:spPr>
+        <p:style>
+          <a:lnRef idx="2">
+            <a:schemeClr val="accent1">
+              <a:shade val="50000"/>
+            </a:schemeClr>
+          </a:lnRef>
+          <a:fillRef idx="1">
+            <a:schemeClr val="accent1"/>
+          </a:fillRef>
+          <a:effectRef idx="0">
+            <a:schemeClr val="accent1"/>
+          </a:effectRef>
+          <a:fontRef idx="minor">
+            <a:schemeClr val="lt1"/>
+          </a:fontRef>
+        </p:style>
+        <p:txBody>
+          <a:bodyPr rtlCol="1" anchor="ctr"/>
+          <a:lstStyle/>
+          <a:p>
+            <a:pPr algn="ctr"/>
+            <a:r>
+              <a:rPr lang="en-US" sz="1600" dirty="0">
+                <a:solidFill>
+                  <a:schemeClr val="tx1"/>
+                </a:solidFill>
+                <a:latin typeface="Microsoft Sans Serif" panose="020B0604020202020204" pitchFamily="34" charset="0"/>
+                <a:ea typeface="Microsoft Sans Serif" panose="020B0604020202020204" pitchFamily="34" charset="0"/>
+                <a:cs typeface="Microsoft Sans Serif" panose="020B0604020202020204" pitchFamily="34" charset="0"/>
+              </a:rPr>
+              <a:t>m</a:t>
+            </a:r>
+            <a:endParaRPr lang="ar-YE" sz="1600" dirty="0">
+              <a:solidFill>
+                <a:schemeClr val="tx1"/>
+              </a:solidFill>
+              <a:latin typeface="Microsoft Sans Serif" panose="020B0604020202020204" pitchFamily="34" charset="0"/>
+              <a:ea typeface="Microsoft Sans Serif" panose="020B0604020202020204" pitchFamily="34" charset="0"/>
+              <a:cs typeface="Microsoft Sans Serif" panose="020B0604020202020204" pitchFamily="34" charset="0"/>
+            </a:endParaRPr>
+          </a:p>
+        </p:txBody>
+      </p:sp>
+      <p:sp>
+        <p:nvSpPr>
+          <p:cNvPr id="161" name="Rectangle: Rounded Corners 160">
+            <a:extLst>
+              <a:ext uri="{FF2B5EF4-FFF2-40B4-BE49-F238E27FC236}">
+                <a16:creationId xmlns:a16="http://schemas.microsoft.com/office/drawing/2014/main" id="{D8B949A9-235B-43D4-B507-E539AE587261}"/>
+              </a:ext>
+            </a:extLst>
+          </p:cNvPr>
+          <p:cNvSpPr/>
+          <p:nvPr/>
+        </p:nvSpPr>
+        <p:spPr>
+          <a:xfrm>
+            <a:off x="5592787" y="5247513"/>
+            <a:ext cx="182369" cy="215284"/>
+          </a:xfrm>
+          <a:prstGeom prst="roundRect">
+            <a:avLst>
+              <a:gd name="adj" fmla="val 32123"/>
+            </a:avLst>
+          </a:prstGeom>
+          <a:solidFill>
+            <a:srgbClr val="FFC000"/>
+          </a:solidFill>
+          <a:ln>
+            <a:noFill/>
+          </a:ln>
+        </p:spPr>
+        <p:style>
+          <a:lnRef idx="2">
+            <a:schemeClr val="accent1">
+              <a:shade val="50000"/>
+            </a:schemeClr>
+          </a:lnRef>
+          <a:fillRef idx="1">
+            <a:schemeClr val="accent1"/>
+          </a:fillRef>
+          <a:effectRef idx="0">
+            <a:schemeClr val="accent1"/>
+          </a:effectRef>
+          <a:fontRef idx="minor">
+            <a:schemeClr val="lt1"/>
+          </a:fontRef>
+        </p:style>
+        <p:txBody>
+          <a:bodyPr rtlCol="1" anchor="ctr"/>
+          <a:lstStyle/>
+          <a:p>
+            <a:pPr algn="ctr"/>
+            <a:r>
+              <a:rPr lang="en-US" sz="1600" dirty="0">
+                <a:solidFill>
+                  <a:schemeClr val="tx1"/>
+                </a:solidFill>
+                <a:latin typeface="Microsoft Sans Serif" panose="020B0604020202020204" pitchFamily="34" charset="0"/>
+                <a:ea typeface="Microsoft Sans Serif" panose="020B0604020202020204" pitchFamily="34" charset="0"/>
+                <a:cs typeface="Microsoft Sans Serif" panose="020B0604020202020204" pitchFamily="34" charset="0"/>
+              </a:rPr>
+              <a:t>m</a:t>
+            </a:r>
+            <a:endParaRPr lang="ar-YE" sz="1600" dirty="0">
+              <a:solidFill>
+                <a:schemeClr val="tx1"/>
+              </a:solidFill>
+              <a:latin typeface="Microsoft Sans Serif" panose="020B0604020202020204" pitchFamily="34" charset="0"/>
+              <a:ea typeface="Microsoft Sans Serif" panose="020B0604020202020204" pitchFamily="34" charset="0"/>
+              <a:cs typeface="Microsoft Sans Serif" panose="020B0604020202020204" pitchFamily="34" charset="0"/>
+            </a:endParaRPr>
+          </a:p>
+        </p:txBody>
+      </p:sp>
+      <p:sp>
+        <p:nvSpPr>
+          <p:cNvPr id="139" name="Diamond 138">
+            <a:extLst>
+              <a:ext uri="{FF2B5EF4-FFF2-40B4-BE49-F238E27FC236}">
+                <a16:creationId xmlns:a16="http://schemas.microsoft.com/office/drawing/2014/main" id="{F3DC8D55-79E4-4783-9C86-264FD2F28E9E}"/>
+              </a:ext>
+            </a:extLst>
+          </p:cNvPr>
+          <p:cNvSpPr/>
+          <p:nvPr/>
+        </p:nvSpPr>
+        <p:spPr>
+          <a:xfrm>
+            <a:off x="4719141" y="7649580"/>
+            <a:ext cx="449943" cy="682172"/>
+          </a:xfrm>
+          <a:prstGeom prst="diamond">
+            <a:avLst/>
+          </a:prstGeom>
+          <a:solidFill>
+            <a:schemeClr val="accent6">
+              <a:lumMod val="60000"/>
+              <a:lumOff val="40000"/>
+            </a:schemeClr>
+          </a:solidFill>
+          <a:ln>
+            <a:noFill/>
+          </a:ln>
+        </p:spPr>
+        <p:style>
+          <a:lnRef idx="2">
+            <a:schemeClr val="accent1">
+              <a:shade val="50000"/>
+            </a:schemeClr>
+          </a:lnRef>
+          <a:fillRef idx="1">
+            <a:schemeClr val="accent1"/>
+          </a:fillRef>
+          <a:effectRef idx="0">
+            <a:schemeClr val="accent1"/>
+          </a:effectRef>
+          <a:fontRef idx="minor">
+            <a:schemeClr val="lt1"/>
+          </a:fontRef>
+        </p:style>
+        <p:txBody>
+          <a:bodyPr rtlCol="1" anchor="ctr"/>
+          <a:lstStyle/>
+          <a:p>
+            <a:pPr algn="ctr"/>
+            <a:endParaRPr lang="ar-YE"/>
+          </a:p>
+        </p:txBody>
+      </p:sp>
+      <p:cxnSp>
+        <p:nvCxnSpPr>
+          <p:cNvPr id="171" name="Straight Connector 170">
+            <a:extLst>
+              <a:ext uri="{FF2B5EF4-FFF2-40B4-BE49-F238E27FC236}">
+                <a16:creationId xmlns:a16="http://schemas.microsoft.com/office/drawing/2014/main" id="{F8B1FF7D-F4F9-4488-AFD2-4E6A550193D8}"/>
+              </a:ext>
+            </a:extLst>
+          </p:cNvPr>
+          <p:cNvCxnSpPr>
+            <a:cxnSpLocks/>
+            <a:stCxn id="28" idx="2"/>
+          </p:cNvCxnSpPr>
+          <p:nvPr/>
+        </p:nvCxnSpPr>
+        <p:spPr>
+          <a:xfrm>
+            <a:off x="4901068" y="5748947"/>
+            <a:ext cx="0" cy="551704"/>
+          </a:xfrm>
+          <a:prstGeom prst="line">
+            <a:avLst/>
+          </a:prstGeom>
+          <a:ln w="50800">
+            <a:solidFill>
+              <a:schemeClr val="tx1"/>
+            </a:solidFill>
+          </a:ln>
+        </p:spPr>
+        <p:style>
+          <a:lnRef idx="1">
+            <a:schemeClr val="accent1"/>
+          </a:lnRef>
+          <a:fillRef idx="0">
+            <a:schemeClr val="accent1"/>
+          </a:fillRef>
+          <a:effectRef idx="0">
+            <a:schemeClr val="accent1"/>
+          </a:effectRef>
+          <a:fontRef idx="minor">
+            <a:schemeClr val="tx1"/>
+          </a:fontRef>
+        </p:style>
+      </p:cxnSp>
+      <p:cxnSp>
+        <p:nvCxnSpPr>
+          <p:cNvPr id="176" name="Straight Connector 175">
+            <a:extLst>
+              <a:ext uri="{FF2B5EF4-FFF2-40B4-BE49-F238E27FC236}">
+                <a16:creationId xmlns:a16="http://schemas.microsoft.com/office/drawing/2014/main" id="{4C72D014-438B-46EB-B000-D08BE43E13E4}"/>
+              </a:ext>
+            </a:extLst>
+          </p:cNvPr>
+          <p:cNvCxnSpPr>
+            <a:cxnSpLocks/>
+          </p:cNvCxnSpPr>
+          <p:nvPr/>
+        </p:nvCxnSpPr>
+        <p:spPr>
+          <a:xfrm flipV="1">
+            <a:off x="12015660" y="5949581"/>
+            <a:ext cx="0" cy="360604"/>
+          </a:xfrm>
+          <a:prstGeom prst="line">
+            <a:avLst/>
+          </a:prstGeom>
+          <a:ln w="50800">
+            <a:solidFill>
+              <a:schemeClr val="tx1"/>
+            </a:solidFill>
+          </a:ln>
+        </p:spPr>
+        <p:style>
+          <a:lnRef idx="1">
+            <a:schemeClr val="accent1"/>
+          </a:lnRef>
+          <a:fillRef idx="0">
+            <a:schemeClr val="accent1"/>
+          </a:fillRef>
+          <a:effectRef idx="0">
+            <a:schemeClr val="accent1"/>
+          </a:effectRef>
+          <a:fontRef idx="minor">
+            <a:schemeClr val="tx1"/>
+          </a:fontRef>
+        </p:style>
+      </p:cxnSp>
       <p:grpSp>
         <p:nvGrpSpPr>
-          <p:cNvPr id="140" name="Group 139">
+          <p:cNvPr id="185" name="Group 184">
             <a:extLst>
               <a:ext uri="{FF2B5EF4-FFF2-40B4-BE49-F238E27FC236}">
-                <a16:creationId xmlns:a16="http://schemas.microsoft.com/office/drawing/2014/main" id="{FC686CA0-C830-401B-9A18-48B2284AFEEC}"/>
+                <a16:creationId xmlns:a16="http://schemas.microsoft.com/office/drawing/2014/main" id="{337EED27-0A91-4B65-82B4-488FB3C96252}"/>
               </a:ext>
             </a:extLst>
           </p:cNvPr>
@@ -7067,18 +6876,18 @@
         </p:nvGrpSpPr>
         <p:grpSpPr>
           <a:xfrm>
-            <a:off x="9361376" y="7212487"/>
-            <a:ext cx="437446" cy="1918813"/>
-            <a:chOff x="11836801" y="4213685"/>
-            <a:chExt cx="437446" cy="1918813"/>
+            <a:off x="7578983" y="2293477"/>
+            <a:ext cx="513025" cy="1461297"/>
+            <a:chOff x="7578983" y="2293477"/>
+            <a:chExt cx="513025" cy="1461297"/>
           </a:xfrm>
         </p:grpSpPr>
         <p:grpSp>
           <p:nvGrpSpPr>
-            <p:cNvPr id="141" name="Group 140">
+            <p:cNvPr id="74" name="Group 73">
               <a:extLst>
                 <a:ext uri="{FF2B5EF4-FFF2-40B4-BE49-F238E27FC236}">
-                  <a16:creationId xmlns:a16="http://schemas.microsoft.com/office/drawing/2014/main" id="{50BE4C1E-B795-40B7-A7E3-C01A88F7A718}"/>
+                  <a16:creationId xmlns:a16="http://schemas.microsoft.com/office/drawing/2014/main" id="{56B6E7F4-736C-4256-92BB-6ED92A9685C9}"/>
                 </a:ext>
               </a:extLst>
             </p:cNvPr>
@@ -7087,30 +6896,32 @@
           </p:nvGrpSpPr>
           <p:grpSpPr>
             <a:xfrm>
-              <a:off x="11836801" y="4213685"/>
-              <a:ext cx="377187" cy="1918813"/>
-              <a:chOff x="11836801" y="4213685"/>
-              <a:chExt cx="377187" cy="1918813"/>
+              <a:off x="7578983" y="2293477"/>
+              <a:ext cx="513025" cy="1461297"/>
+              <a:chOff x="7588509" y="2293477"/>
+              <a:chExt cx="513025" cy="1461297"/>
             </a:xfrm>
           </p:grpSpPr>
           <p:cxnSp>
             <p:nvCxnSpPr>
-              <p:cNvPr id="144" name="Straight Connector 143">
+              <p:cNvPr id="41" name="Straight Connector 40">
                 <a:extLst>
                   <a:ext uri="{FF2B5EF4-FFF2-40B4-BE49-F238E27FC236}">
-                    <a16:creationId xmlns:a16="http://schemas.microsoft.com/office/drawing/2014/main" id="{847ABC7C-EC56-461F-B9BB-471FC26ED9B0}"/>
+                    <a16:creationId xmlns:a16="http://schemas.microsoft.com/office/drawing/2014/main" id="{BED0F105-F9ED-48A3-82C5-EB0967109FE0}"/>
                   </a:ext>
                 </a:extLst>
               </p:cNvPr>
               <p:cNvCxnSpPr>
                 <a:cxnSpLocks/>
+                <a:stCxn id="25" idx="2"/>
+                <a:endCxn id="30" idx="0"/>
               </p:cNvCxnSpPr>
               <p:nvPr/>
             </p:nvCxnSpPr>
             <p:spPr>
-              <a:xfrm flipH="1">
-                <a:off x="12019475" y="4213685"/>
-                <a:ext cx="17246" cy="1918813"/>
+              <a:xfrm>
+                <a:off x="7772399" y="2293477"/>
+                <a:ext cx="0" cy="1461297"/>
               </a:xfrm>
               <a:prstGeom prst="line">
                 <a:avLst/>
@@ -7138,10 +6949,10 @@
           </p:cxnSp>
           <p:sp>
             <p:nvSpPr>
-              <p:cNvPr id="145" name="Diamond 144">
+              <p:cNvPr id="38" name="Rectangle: Rounded Corners 37">
                 <a:extLst>
                   <a:ext uri="{FF2B5EF4-FFF2-40B4-BE49-F238E27FC236}">
-                    <a16:creationId xmlns:a16="http://schemas.microsoft.com/office/drawing/2014/main" id="{2858BF82-B27D-42E5-B779-4812C9F7E8AF}"/>
+                    <a16:creationId xmlns:a16="http://schemas.microsoft.com/office/drawing/2014/main" id="{B7FBB183-4F79-431A-B870-10EA2BE67D64}"/>
                   </a:ext>
                 </a:extLst>
               </p:cNvPr>
@@ -7150,7 +6961,856 @@
             </p:nvSpPr>
             <p:spPr>
               <a:xfrm>
-                <a:off x="11836801" y="4910887"/>
+                <a:off x="7913810" y="2328964"/>
+                <a:ext cx="187724" cy="215284"/>
+              </a:xfrm>
+              <a:prstGeom prst="roundRect">
+                <a:avLst>
+                  <a:gd name="adj" fmla="val 32123"/>
+                </a:avLst>
+              </a:prstGeom>
+              <a:solidFill>
+                <a:srgbClr val="FFC000"/>
+              </a:solidFill>
+              <a:ln>
+                <a:noFill/>
+              </a:ln>
+            </p:spPr>
+            <p:style>
+              <a:lnRef idx="2">
+                <a:schemeClr val="accent1">
+                  <a:shade val="50000"/>
+                </a:schemeClr>
+              </a:lnRef>
+              <a:fillRef idx="1">
+                <a:schemeClr val="accent1"/>
+              </a:fillRef>
+              <a:effectRef idx="0">
+                <a:schemeClr val="accent1"/>
+              </a:effectRef>
+              <a:fontRef idx="minor">
+                <a:schemeClr val="lt1"/>
+              </a:fontRef>
+            </p:style>
+            <p:txBody>
+              <a:bodyPr rtlCol="1" anchor="ctr"/>
+              <a:lstStyle/>
+              <a:p>
+                <a:pPr algn="ctr"/>
+                <a:r>
+                  <a:rPr lang="ar-YE" sz="1600" dirty="0">
+                    <a:solidFill>
+                      <a:schemeClr val="tx1"/>
+                    </a:solidFill>
+                    <a:latin typeface="Microsoft Sans Serif" panose="020B0604020202020204" pitchFamily="34" charset="0"/>
+                    <a:ea typeface="Microsoft Sans Serif" panose="020B0604020202020204" pitchFamily="34" charset="0"/>
+                    <a:cs typeface="Microsoft Sans Serif" panose="020B0604020202020204" pitchFamily="34" charset="0"/>
+                  </a:rPr>
+                  <a:t>1</a:t>
+                </a:r>
+              </a:p>
+            </p:txBody>
+          </p:sp>
+          <p:sp>
+            <p:nvSpPr>
+              <p:cNvPr id="24" name="Diamond 23">
+                <a:extLst>
+                  <a:ext uri="{FF2B5EF4-FFF2-40B4-BE49-F238E27FC236}">
+                    <a16:creationId xmlns:a16="http://schemas.microsoft.com/office/drawing/2014/main" id="{B1E9149F-2AA8-4E91-BA58-98169973285B}"/>
+                  </a:ext>
+                </a:extLst>
+              </p:cNvPr>
+              <p:cNvSpPr/>
+              <p:nvPr/>
+            </p:nvSpPr>
+            <p:spPr>
+              <a:xfrm>
+                <a:off x="7588509" y="2677370"/>
+                <a:ext cx="377187" cy="532555"/>
+              </a:xfrm>
+              <a:prstGeom prst="diamond">
+                <a:avLst/>
+              </a:prstGeom>
+              <a:solidFill>
+                <a:schemeClr val="accent6">
+                  <a:lumMod val="60000"/>
+                  <a:lumOff val="40000"/>
+                </a:schemeClr>
+              </a:solidFill>
+              <a:ln>
+                <a:noFill/>
+              </a:ln>
+            </p:spPr>
+            <p:style>
+              <a:lnRef idx="2">
+                <a:schemeClr val="accent1">
+                  <a:shade val="50000"/>
+                </a:schemeClr>
+              </a:lnRef>
+              <a:fillRef idx="1">
+                <a:schemeClr val="accent1"/>
+              </a:fillRef>
+              <a:effectRef idx="0">
+                <a:schemeClr val="accent1"/>
+              </a:effectRef>
+              <a:fontRef idx="minor">
+                <a:schemeClr val="lt1"/>
+              </a:fontRef>
+            </p:style>
+            <p:txBody>
+              <a:bodyPr rtlCol="1" anchor="ctr"/>
+              <a:lstStyle/>
+              <a:p>
+                <a:pPr algn="ctr"/>
+                <a:endParaRPr lang="ar-YE" sz="400" dirty="0"/>
+              </a:p>
+            </p:txBody>
+          </p:sp>
+          <p:sp>
+            <p:nvSpPr>
+              <p:cNvPr id="39" name="Rectangle: Rounded Corners 38">
+                <a:extLst>
+                  <a:ext uri="{FF2B5EF4-FFF2-40B4-BE49-F238E27FC236}">
+                    <a16:creationId xmlns:a16="http://schemas.microsoft.com/office/drawing/2014/main" id="{A32E2DBA-753A-46E4-BF82-82134A8BE96C}"/>
+                  </a:ext>
+                </a:extLst>
+              </p:cNvPr>
+              <p:cNvSpPr/>
+              <p:nvPr/>
+            </p:nvSpPr>
+            <p:spPr>
+              <a:xfrm>
+                <a:off x="7885199" y="3480416"/>
+                <a:ext cx="187724" cy="215284"/>
+              </a:xfrm>
+              <a:prstGeom prst="roundRect">
+                <a:avLst>
+                  <a:gd name="adj" fmla="val 32123"/>
+                </a:avLst>
+              </a:prstGeom>
+              <a:solidFill>
+                <a:srgbClr val="FFC000"/>
+              </a:solidFill>
+              <a:ln>
+                <a:noFill/>
+              </a:ln>
+            </p:spPr>
+            <p:style>
+              <a:lnRef idx="2">
+                <a:schemeClr val="accent1">
+                  <a:shade val="50000"/>
+                </a:schemeClr>
+              </a:lnRef>
+              <a:fillRef idx="1">
+                <a:schemeClr val="accent1"/>
+              </a:fillRef>
+              <a:effectRef idx="0">
+                <a:schemeClr val="accent1"/>
+              </a:effectRef>
+              <a:fontRef idx="minor">
+                <a:schemeClr val="lt1"/>
+              </a:fontRef>
+            </p:style>
+            <p:txBody>
+              <a:bodyPr rtlCol="1" anchor="ctr"/>
+              <a:lstStyle/>
+              <a:p>
+                <a:pPr algn="ctr"/>
+                <a:r>
+                  <a:rPr lang="en-US" sz="1600" dirty="0">
+                    <a:solidFill>
+                      <a:schemeClr val="tx1"/>
+                    </a:solidFill>
+                    <a:latin typeface="Microsoft Sans Serif" panose="020B0604020202020204" pitchFamily="34" charset="0"/>
+                    <a:ea typeface="Microsoft Sans Serif" panose="020B0604020202020204" pitchFamily="34" charset="0"/>
+                    <a:cs typeface="Microsoft Sans Serif" panose="020B0604020202020204" pitchFamily="34" charset="0"/>
+                  </a:rPr>
+                  <a:t>m</a:t>
+                </a:r>
+                <a:endParaRPr lang="ar-YE" sz="1600" dirty="0">
+                  <a:solidFill>
+                    <a:schemeClr val="tx1"/>
+                  </a:solidFill>
+                  <a:latin typeface="Microsoft Sans Serif" panose="020B0604020202020204" pitchFamily="34" charset="0"/>
+                  <a:ea typeface="Microsoft Sans Serif" panose="020B0604020202020204" pitchFamily="34" charset="0"/>
+                  <a:cs typeface="Microsoft Sans Serif" panose="020B0604020202020204" pitchFamily="34" charset="0"/>
+                </a:endParaRPr>
+              </a:p>
+            </p:txBody>
+          </p:sp>
+        </p:grpSp>
+        <p:sp>
+          <p:nvSpPr>
+            <p:cNvPr id="184" name="TextBox 183">
+              <a:extLst>
+                <a:ext uri="{FF2B5EF4-FFF2-40B4-BE49-F238E27FC236}">
+                  <a16:creationId xmlns:a16="http://schemas.microsoft.com/office/drawing/2014/main" id="{E198B086-1BD9-469C-BE58-E46EB7859538}"/>
+                </a:ext>
+              </a:extLst>
+            </p:cNvPr>
+            <p:cNvSpPr txBox="1"/>
+            <p:nvPr/>
+          </p:nvSpPr>
+          <p:spPr>
+            <a:xfrm>
+              <a:off x="7599192" y="2819994"/>
+              <a:ext cx="384186" cy="230832"/>
+            </a:xfrm>
+            <a:prstGeom prst="rect">
+              <a:avLst/>
+            </a:prstGeom>
+            <a:noFill/>
+          </p:spPr>
+          <p:txBody>
+            <a:bodyPr wrap="square" rtlCol="1">
+              <a:spAutoFit/>
+            </a:bodyPr>
+            <a:lstStyle/>
+            <a:p>
+              <a:r>
+                <a:rPr lang="en-US" sz="900" dirty="0"/>
+                <a:t>has</a:t>
+              </a:r>
+              <a:endParaRPr lang="ar-YE" sz="900" dirty="0"/>
+            </a:p>
+          </p:txBody>
+        </p:sp>
+      </p:grpSp>
+      <p:sp>
+        <p:nvSpPr>
+          <p:cNvPr id="186" name="TextBox 185">
+            <a:extLst>
+              <a:ext uri="{FF2B5EF4-FFF2-40B4-BE49-F238E27FC236}">
+                <a16:creationId xmlns:a16="http://schemas.microsoft.com/office/drawing/2014/main" id="{BE9D71CE-33FC-435D-9854-FB3E082A4B61}"/>
+              </a:ext>
+            </a:extLst>
+          </p:cNvPr>
+          <p:cNvSpPr txBox="1"/>
+          <p:nvPr/>
+        </p:nvSpPr>
+        <p:spPr>
+          <a:xfrm>
+            <a:off x="8764176" y="2659478"/>
+            <a:ext cx="384186" cy="230832"/>
+          </a:xfrm>
+          <a:prstGeom prst="rect">
+            <a:avLst/>
+          </a:prstGeom>
+          <a:noFill/>
+        </p:spPr>
+        <p:txBody>
+          <a:bodyPr wrap="square" rtlCol="1">
+            <a:spAutoFit/>
+          </a:bodyPr>
+          <a:lstStyle/>
+          <a:p>
+            <a:r>
+              <a:rPr lang="en-US" sz="900" dirty="0"/>
+              <a:t>has</a:t>
+            </a:r>
+            <a:endParaRPr lang="ar-YE" sz="900" dirty="0"/>
+          </a:p>
+        </p:txBody>
+      </p:sp>
+      <p:grpSp>
+        <p:nvGrpSpPr>
+          <p:cNvPr id="188" name="Group 187">
+            <a:extLst>
+              <a:ext uri="{FF2B5EF4-FFF2-40B4-BE49-F238E27FC236}">
+                <a16:creationId xmlns:a16="http://schemas.microsoft.com/office/drawing/2014/main" id="{5BA247C5-B563-4C03-88F8-9BDDC8DA2DDD}"/>
+              </a:ext>
+            </a:extLst>
+          </p:cNvPr>
+          <p:cNvGrpSpPr/>
+          <p:nvPr/>
+        </p:nvGrpSpPr>
+        <p:grpSpPr>
+          <a:xfrm>
+            <a:off x="5582771" y="1436447"/>
+            <a:ext cx="1552865" cy="2819192"/>
+            <a:chOff x="5582771" y="1436447"/>
+            <a:chExt cx="1552865" cy="2819192"/>
+          </a:xfrm>
+        </p:grpSpPr>
+        <p:grpSp>
+          <p:nvGrpSpPr>
+            <p:cNvPr id="75" name="Group 74">
+              <a:extLst>
+                <a:ext uri="{FF2B5EF4-FFF2-40B4-BE49-F238E27FC236}">
+                  <a16:creationId xmlns:a16="http://schemas.microsoft.com/office/drawing/2014/main" id="{0D59841F-DC2D-4A78-9B99-F1202092CD00}"/>
+                </a:ext>
+              </a:extLst>
+            </p:cNvPr>
+            <p:cNvGrpSpPr/>
+            <p:nvPr/>
+          </p:nvGrpSpPr>
+          <p:grpSpPr>
+            <a:xfrm>
+              <a:off x="5586270" y="1436447"/>
+              <a:ext cx="1549366" cy="2819192"/>
+              <a:chOff x="5586270" y="1436447"/>
+              <a:chExt cx="1549366" cy="2819192"/>
+            </a:xfrm>
+          </p:grpSpPr>
+          <p:cxnSp>
+            <p:nvCxnSpPr>
+              <p:cNvPr id="54" name="Straight Connector 53">
+                <a:extLst>
+                  <a:ext uri="{FF2B5EF4-FFF2-40B4-BE49-F238E27FC236}">
+                    <a16:creationId xmlns:a16="http://schemas.microsoft.com/office/drawing/2014/main" id="{062CAB51-AA19-4905-B6E3-268FD8371077}"/>
+                  </a:ext>
+                </a:extLst>
+              </p:cNvPr>
+              <p:cNvCxnSpPr>
+                <a:cxnSpLocks/>
+              </p:cNvCxnSpPr>
+              <p:nvPr/>
+            </p:nvCxnSpPr>
+            <p:spPr>
+              <a:xfrm>
+                <a:off x="5774865" y="1436447"/>
+                <a:ext cx="0" cy="2474537"/>
+              </a:xfrm>
+              <a:prstGeom prst="line">
+                <a:avLst/>
+              </a:prstGeom>
+              <a:ln w="50800">
+                <a:solidFill>
+                  <a:schemeClr val="tx1"/>
+                </a:solidFill>
+              </a:ln>
+            </p:spPr>
+            <p:style>
+              <a:lnRef idx="1">
+                <a:schemeClr val="accent1"/>
+              </a:lnRef>
+              <a:fillRef idx="0">
+                <a:schemeClr val="accent1"/>
+              </a:fillRef>
+              <a:effectRef idx="0">
+                <a:schemeClr val="accent1"/>
+              </a:effectRef>
+              <a:fontRef idx="minor">
+                <a:schemeClr val="tx1"/>
+              </a:fontRef>
+            </p:style>
+          </p:cxnSp>
+          <p:cxnSp>
+            <p:nvCxnSpPr>
+              <p:cNvPr id="57" name="Straight Connector 56">
+                <a:extLst>
+                  <a:ext uri="{FF2B5EF4-FFF2-40B4-BE49-F238E27FC236}">
+                    <a16:creationId xmlns:a16="http://schemas.microsoft.com/office/drawing/2014/main" id="{C079B2AB-452C-45DD-B87B-18A20664BCA5}"/>
+                  </a:ext>
+                </a:extLst>
+              </p:cNvPr>
+              <p:cNvCxnSpPr>
+                <a:cxnSpLocks/>
+                <a:stCxn id="60" idx="3"/>
+                <a:endCxn id="30" idx="1"/>
+              </p:cNvCxnSpPr>
+              <p:nvPr/>
+            </p:nvCxnSpPr>
+            <p:spPr>
+              <a:xfrm flipV="1">
+                <a:off x="5963457" y="3984230"/>
+                <a:ext cx="1172179" cy="5132"/>
+              </a:xfrm>
+              <a:prstGeom prst="line">
+                <a:avLst/>
+              </a:prstGeom>
+              <a:ln w="50800">
+                <a:solidFill>
+                  <a:schemeClr val="tx1"/>
+                </a:solidFill>
+              </a:ln>
+            </p:spPr>
+            <p:style>
+              <a:lnRef idx="1">
+                <a:schemeClr val="accent1"/>
+              </a:lnRef>
+              <a:fillRef idx="0">
+                <a:schemeClr val="accent1"/>
+              </a:fillRef>
+              <a:effectRef idx="0">
+                <a:schemeClr val="accent1"/>
+              </a:effectRef>
+              <a:fontRef idx="minor">
+                <a:schemeClr val="tx1"/>
+              </a:fontRef>
+            </p:style>
+          </p:cxnSp>
+          <p:sp>
+            <p:nvSpPr>
+              <p:cNvPr id="60" name="Diamond 59">
+                <a:extLst>
+                  <a:ext uri="{FF2B5EF4-FFF2-40B4-BE49-F238E27FC236}">
+                    <a16:creationId xmlns:a16="http://schemas.microsoft.com/office/drawing/2014/main" id="{49154DB7-5E1D-4CB5-A33A-63099426D689}"/>
+                  </a:ext>
+                </a:extLst>
+              </p:cNvPr>
+              <p:cNvSpPr/>
+              <p:nvPr/>
+            </p:nvSpPr>
+            <p:spPr>
+              <a:xfrm>
+                <a:off x="5586270" y="3723084"/>
+                <a:ext cx="377187" cy="532555"/>
+              </a:xfrm>
+              <a:prstGeom prst="diamond">
+                <a:avLst/>
+              </a:prstGeom>
+              <a:solidFill>
+                <a:schemeClr val="accent6">
+                  <a:lumMod val="60000"/>
+                  <a:lumOff val="40000"/>
+                </a:schemeClr>
+              </a:solidFill>
+              <a:ln>
+                <a:noFill/>
+              </a:ln>
+            </p:spPr>
+            <p:style>
+              <a:lnRef idx="2">
+                <a:schemeClr val="accent1">
+                  <a:shade val="50000"/>
+                </a:schemeClr>
+              </a:lnRef>
+              <a:fillRef idx="1">
+                <a:schemeClr val="accent1"/>
+              </a:fillRef>
+              <a:effectRef idx="0">
+                <a:schemeClr val="accent1"/>
+              </a:effectRef>
+              <a:fontRef idx="minor">
+                <a:schemeClr val="lt1"/>
+              </a:fontRef>
+            </p:style>
+            <p:txBody>
+              <a:bodyPr rtlCol="1" anchor="ctr"/>
+              <a:lstStyle/>
+              <a:p>
+                <a:pPr algn="ctr"/>
+                <a:endParaRPr lang="ar-YE" sz="2400"/>
+              </a:p>
+            </p:txBody>
+          </p:sp>
+          <p:sp>
+            <p:nvSpPr>
+              <p:cNvPr id="61" name="Rectangle: Rounded Corners 60">
+                <a:extLst>
+                  <a:ext uri="{FF2B5EF4-FFF2-40B4-BE49-F238E27FC236}">
+                    <a16:creationId xmlns:a16="http://schemas.microsoft.com/office/drawing/2014/main" id="{047A713B-F962-45C8-8AE9-4F6A1DE5A7C5}"/>
+                  </a:ext>
+                </a:extLst>
+              </p:cNvPr>
+              <p:cNvSpPr/>
+              <p:nvPr/>
+            </p:nvSpPr>
+            <p:spPr>
+              <a:xfrm>
+                <a:off x="6905915" y="3717976"/>
+                <a:ext cx="187724" cy="215284"/>
+              </a:xfrm>
+              <a:prstGeom prst="roundRect">
+                <a:avLst>
+                  <a:gd name="adj" fmla="val 32123"/>
+                </a:avLst>
+              </a:prstGeom>
+              <a:solidFill>
+                <a:srgbClr val="FFC000"/>
+              </a:solidFill>
+              <a:ln>
+                <a:noFill/>
+              </a:ln>
+            </p:spPr>
+            <p:style>
+              <a:lnRef idx="2">
+                <a:schemeClr val="accent1">
+                  <a:shade val="50000"/>
+                </a:schemeClr>
+              </a:lnRef>
+              <a:fillRef idx="1">
+                <a:schemeClr val="accent1"/>
+              </a:fillRef>
+              <a:effectRef idx="0">
+                <a:schemeClr val="accent1"/>
+              </a:effectRef>
+              <a:fontRef idx="minor">
+                <a:schemeClr val="lt1"/>
+              </a:fontRef>
+            </p:style>
+            <p:txBody>
+              <a:bodyPr rtlCol="1" anchor="ctr"/>
+              <a:lstStyle/>
+              <a:p>
+                <a:pPr algn="ctr"/>
+                <a:r>
+                  <a:rPr lang="ar-YE" sz="1600" dirty="0">
+                    <a:solidFill>
+                      <a:schemeClr val="tx1"/>
+                    </a:solidFill>
+                    <a:latin typeface="Microsoft Sans Serif" panose="020B0604020202020204" pitchFamily="34" charset="0"/>
+                    <a:ea typeface="Microsoft Sans Serif" panose="020B0604020202020204" pitchFamily="34" charset="0"/>
+                    <a:cs typeface="Microsoft Sans Serif" panose="020B0604020202020204" pitchFamily="34" charset="0"/>
+                  </a:rPr>
+                  <a:t>1</a:t>
+                </a:r>
+              </a:p>
+            </p:txBody>
+          </p:sp>
+          <p:sp>
+            <p:nvSpPr>
+              <p:cNvPr id="62" name="Rectangle: Rounded Corners 61">
+                <a:extLst>
+                  <a:ext uri="{FF2B5EF4-FFF2-40B4-BE49-F238E27FC236}">
+                    <a16:creationId xmlns:a16="http://schemas.microsoft.com/office/drawing/2014/main" id="{C02065D0-04EA-448B-8C18-EA23F0D616AA}"/>
+                  </a:ext>
+                </a:extLst>
+              </p:cNvPr>
+              <p:cNvSpPr/>
+              <p:nvPr/>
+            </p:nvSpPr>
+            <p:spPr>
+              <a:xfrm>
+                <a:off x="5915975" y="1573965"/>
+                <a:ext cx="187724" cy="215284"/>
+              </a:xfrm>
+              <a:prstGeom prst="roundRect">
+                <a:avLst>
+                  <a:gd name="adj" fmla="val 32123"/>
+                </a:avLst>
+              </a:prstGeom>
+              <a:solidFill>
+                <a:srgbClr val="FFC000"/>
+              </a:solidFill>
+              <a:ln>
+                <a:noFill/>
+              </a:ln>
+            </p:spPr>
+            <p:style>
+              <a:lnRef idx="2">
+                <a:schemeClr val="accent1">
+                  <a:shade val="50000"/>
+                </a:schemeClr>
+              </a:lnRef>
+              <a:fillRef idx="1">
+                <a:schemeClr val="accent1"/>
+              </a:fillRef>
+              <a:effectRef idx="0">
+                <a:schemeClr val="accent1"/>
+              </a:effectRef>
+              <a:fontRef idx="minor">
+                <a:schemeClr val="lt1"/>
+              </a:fontRef>
+            </p:style>
+            <p:txBody>
+              <a:bodyPr rtlCol="1" anchor="ctr"/>
+              <a:lstStyle/>
+              <a:p>
+                <a:pPr algn="ctr"/>
+                <a:r>
+                  <a:rPr lang="en-US" sz="1600" dirty="0">
+                    <a:solidFill>
+                      <a:schemeClr val="tx1"/>
+                    </a:solidFill>
+                    <a:latin typeface="Microsoft Sans Serif" panose="020B0604020202020204" pitchFamily="34" charset="0"/>
+                    <a:ea typeface="Microsoft Sans Serif" panose="020B0604020202020204" pitchFamily="34" charset="0"/>
+                    <a:cs typeface="Microsoft Sans Serif" panose="020B0604020202020204" pitchFamily="34" charset="0"/>
+                  </a:rPr>
+                  <a:t>m</a:t>
+                </a:r>
+                <a:endParaRPr lang="ar-YE" sz="1600" dirty="0">
+                  <a:solidFill>
+                    <a:schemeClr val="tx1"/>
+                  </a:solidFill>
+                  <a:latin typeface="Microsoft Sans Serif" panose="020B0604020202020204" pitchFamily="34" charset="0"/>
+                  <a:ea typeface="Microsoft Sans Serif" panose="020B0604020202020204" pitchFamily="34" charset="0"/>
+                  <a:cs typeface="Microsoft Sans Serif" panose="020B0604020202020204" pitchFamily="34" charset="0"/>
+                </a:endParaRPr>
+              </a:p>
+            </p:txBody>
+          </p:sp>
+        </p:grpSp>
+        <p:sp>
+          <p:nvSpPr>
+            <p:cNvPr id="187" name="TextBox 186">
+              <a:extLst>
+                <a:ext uri="{FF2B5EF4-FFF2-40B4-BE49-F238E27FC236}">
+                  <a16:creationId xmlns:a16="http://schemas.microsoft.com/office/drawing/2014/main" id="{A3265ED3-2EEA-4569-B103-6DE1EF4B40A6}"/>
+                </a:ext>
+              </a:extLst>
+            </p:cNvPr>
+            <p:cNvSpPr txBox="1"/>
+            <p:nvPr/>
+          </p:nvSpPr>
+          <p:spPr>
+            <a:xfrm>
+              <a:off x="5582771" y="3878679"/>
+              <a:ext cx="384186" cy="230832"/>
+            </a:xfrm>
+            <a:prstGeom prst="rect">
+              <a:avLst/>
+            </a:prstGeom>
+            <a:noFill/>
+          </p:spPr>
+          <p:txBody>
+            <a:bodyPr wrap="square" rtlCol="1">
+              <a:spAutoFit/>
+            </a:bodyPr>
+            <a:lstStyle/>
+            <a:p>
+              <a:r>
+                <a:rPr lang="en-US" sz="900" dirty="0"/>
+                <a:t>has</a:t>
+              </a:r>
+              <a:endParaRPr lang="ar-YE" sz="900" dirty="0"/>
+            </a:p>
+          </p:txBody>
+        </p:sp>
+      </p:grpSp>
+      <p:grpSp>
+        <p:nvGrpSpPr>
+          <p:cNvPr id="190" name="Group 189">
+            <a:extLst>
+              <a:ext uri="{FF2B5EF4-FFF2-40B4-BE49-F238E27FC236}">
+                <a16:creationId xmlns:a16="http://schemas.microsoft.com/office/drawing/2014/main" id="{C7682230-3AF5-47F5-BB58-C000D01D477F}"/>
+              </a:ext>
+            </a:extLst>
+          </p:cNvPr>
+          <p:cNvGrpSpPr/>
+          <p:nvPr/>
+        </p:nvGrpSpPr>
+        <p:grpSpPr>
+          <a:xfrm>
+            <a:off x="8409162" y="3695700"/>
+            <a:ext cx="3026580" cy="485456"/>
+            <a:chOff x="8409162" y="3695700"/>
+            <a:chExt cx="3026580" cy="485456"/>
+          </a:xfrm>
+        </p:grpSpPr>
+        <p:grpSp>
+          <p:nvGrpSpPr>
+            <p:cNvPr id="73" name="Group 72">
+              <a:extLst>
+                <a:ext uri="{FF2B5EF4-FFF2-40B4-BE49-F238E27FC236}">
+                  <a16:creationId xmlns:a16="http://schemas.microsoft.com/office/drawing/2014/main" id="{634057ED-23FD-4B06-AEC6-EF17BF05F15A}"/>
+                </a:ext>
+              </a:extLst>
+            </p:cNvPr>
+            <p:cNvGrpSpPr/>
+            <p:nvPr/>
+          </p:nvGrpSpPr>
+          <p:grpSpPr>
+            <a:xfrm>
+              <a:off x="8409162" y="3695700"/>
+              <a:ext cx="3026580" cy="485456"/>
+              <a:chOff x="8409162" y="3695700"/>
+              <a:chExt cx="3026580" cy="485456"/>
+            </a:xfrm>
+          </p:grpSpPr>
+          <p:cxnSp>
+            <p:nvCxnSpPr>
+              <p:cNvPr id="46" name="Straight Connector 45">
+                <a:extLst>
+                  <a:ext uri="{FF2B5EF4-FFF2-40B4-BE49-F238E27FC236}">
+                    <a16:creationId xmlns:a16="http://schemas.microsoft.com/office/drawing/2014/main" id="{E1D22829-0690-4DB3-B431-D74F65651D4E}"/>
+                  </a:ext>
+                </a:extLst>
+              </p:cNvPr>
+              <p:cNvCxnSpPr>
+                <a:cxnSpLocks/>
+              </p:cNvCxnSpPr>
+              <p:nvPr/>
+            </p:nvCxnSpPr>
+            <p:spPr>
+              <a:xfrm flipH="1">
+                <a:off x="8409162" y="3985085"/>
+                <a:ext cx="3026580" cy="0"/>
+              </a:xfrm>
+              <a:prstGeom prst="line">
+                <a:avLst/>
+              </a:prstGeom>
+              <a:ln w="50800">
+                <a:solidFill>
+                  <a:schemeClr val="tx1"/>
+                </a:solidFill>
+              </a:ln>
+            </p:spPr>
+            <p:style>
+              <a:lnRef idx="1">
+                <a:schemeClr val="accent1"/>
+              </a:lnRef>
+              <a:fillRef idx="0">
+                <a:schemeClr val="accent1"/>
+              </a:fillRef>
+              <a:effectRef idx="0">
+                <a:schemeClr val="accent1"/>
+              </a:effectRef>
+              <a:fontRef idx="minor">
+                <a:schemeClr val="tx1"/>
+              </a:fontRef>
+            </p:style>
+          </p:cxnSp>
+          <p:sp>
+            <p:nvSpPr>
+              <p:cNvPr id="51" name="Rectangle: Rounded Corners 50">
+                <a:extLst>
+                  <a:ext uri="{FF2B5EF4-FFF2-40B4-BE49-F238E27FC236}">
+                    <a16:creationId xmlns:a16="http://schemas.microsoft.com/office/drawing/2014/main" id="{F2B13E9A-0AC5-4A8F-9CC1-3AABAD340078}"/>
+                  </a:ext>
+                </a:extLst>
+              </p:cNvPr>
+              <p:cNvSpPr/>
+              <p:nvPr/>
+            </p:nvSpPr>
+            <p:spPr>
+              <a:xfrm>
+                <a:off x="8613073" y="3695700"/>
+                <a:ext cx="187724" cy="215284"/>
+              </a:xfrm>
+              <a:prstGeom prst="roundRect">
+                <a:avLst>
+                  <a:gd name="adj" fmla="val 32123"/>
+                </a:avLst>
+              </a:prstGeom>
+              <a:solidFill>
+                <a:srgbClr val="FFC000"/>
+              </a:solidFill>
+              <a:ln>
+                <a:noFill/>
+              </a:ln>
+            </p:spPr>
+            <p:style>
+              <a:lnRef idx="2">
+                <a:schemeClr val="accent1">
+                  <a:shade val="50000"/>
+                </a:schemeClr>
+              </a:lnRef>
+              <a:fillRef idx="1">
+                <a:schemeClr val="accent1"/>
+              </a:fillRef>
+              <a:effectRef idx="0">
+                <a:schemeClr val="accent1"/>
+              </a:effectRef>
+              <a:fontRef idx="minor">
+                <a:schemeClr val="lt1"/>
+              </a:fontRef>
+            </p:style>
+            <p:txBody>
+              <a:bodyPr rtlCol="1" anchor="ctr"/>
+              <a:lstStyle/>
+              <a:p>
+                <a:pPr algn="ctr"/>
+                <a:r>
+                  <a:rPr lang="en-US" sz="1600" dirty="0">
+                    <a:solidFill>
+                      <a:schemeClr val="tx1"/>
+                    </a:solidFill>
+                    <a:latin typeface="Microsoft Sans Serif" panose="020B0604020202020204" pitchFamily="34" charset="0"/>
+                    <a:ea typeface="Microsoft Sans Serif" panose="020B0604020202020204" pitchFamily="34" charset="0"/>
+                    <a:cs typeface="Microsoft Sans Serif" panose="020B0604020202020204" pitchFamily="34" charset="0"/>
+                  </a:rPr>
+                  <a:t>m</a:t>
+                </a:r>
+                <a:endParaRPr lang="ar-YE" sz="1600" dirty="0">
+                  <a:solidFill>
+                    <a:schemeClr val="tx1"/>
+                  </a:solidFill>
+                  <a:latin typeface="Microsoft Sans Serif" panose="020B0604020202020204" pitchFamily="34" charset="0"/>
+                  <a:ea typeface="Microsoft Sans Serif" panose="020B0604020202020204" pitchFamily="34" charset="0"/>
+                  <a:cs typeface="Microsoft Sans Serif" panose="020B0604020202020204" pitchFamily="34" charset="0"/>
+                </a:endParaRPr>
+              </a:p>
+            </p:txBody>
+          </p:sp>
+          <p:sp>
+            <p:nvSpPr>
+              <p:cNvPr id="52" name="Rectangle: Rounded Corners 51">
+                <a:extLst>
+                  <a:ext uri="{FF2B5EF4-FFF2-40B4-BE49-F238E27FC236}">
+                    <a16:creationId xmlns:a16="http://schemas.microsoft.com/office/drawing/2014/main" id="{9DD4D33A-D300-4997-B1A6-3776D18B64BB}"/>
+                  </a:ext>
+                </a:extLst>
+              </p:cNvPr>
+              <p:cNvSpPr/>
+              <p:nvPr/>
+            </p:nvSpPr>
+            <p:spPr>
+              <a:xfrm>
+                <a:off x="11165773" y="3711575"/>
+                <a:ext cx="187724" cy="215284"/>
+              </a:xfrm>
+              <a:prstGeom prst="roundRect">
+                <a:avLst>
+                  <a:gd name="adj" fmla="val 32123"/>
+                </a:avLst>
+              </a:prstGeom>
+              <a:solidFill>
+                <a:srgbClr val="FFC000"/>
+              </a:solidFill>
+              <a:ln>
+                <a:noFill/>
+              </a:ln>
+            </p:spPr>
+            <p:style>
+              <a:lnRef idx="2">
+                <a:schemeClr val="accent1">
+                  <a:shade val="50000"/>
+                </a:schemeClr>
+              </a:lnRef>
+              <a:fillRef idx="1">
+                <a:schemeClr val="accent1"/>
+              </a:fillRef>
+              <a:effectRef idx="0">
+                <a:schemeClr val="accent1"/>
+              </a:effectRef>
+              <a:fontRef idx="minor">
+                <a:schemeClr val="lt1"/>
+              </a:fontRef>
+            </p:style>
+            <p:txBody>
+              <a:bodyPr rtlCol="1" anchor="ctr"/>
+              <a:lstStyle/>
+              <a:p>
+                <a:pPr algn="ctr"/>
+                <a:r>
+                  <a:rPr lang="en-US" sz="1600" dirty="0">
+                    <a:solidFill>
+                      <a:schemeClr val="tx1"/>
+                    </a:solidFill>
+                    <a:latin typeface="Microsoft Sans Serif" panose="020B0604020202020204" pitchFamily="34" charset="0"/>
+                    <a:ea typeface="Microsoft Sans Serif" panose="020B0604020202020204" pitchFamily="34" charset="0"/>
+                    <a:cs typeface="Microsoft Sans Serif" panose="020B0604020202020204" pitchFamily="34" charset="0"/>
+                  </a:rPr>
+                  <a:t>m</a:t>
+                </a:r>
+                <a:endParaRPr lang="ar-YE" sz="1600" dirty="0">
+                  <a:solidFill>
+                    <a:schemeClr val="tx1"/>
+                  </a:solidFill>
+                  <a:latin typeface="Microsoft Sans Serif" panose="020B0604020202020204" pitchFamily="34" charset="0"/>
+                  <a:ea typeface="Microsoft Sans Serif" panose="020B0604020202020204" pitchFamily="34" charset="0"/>
+                  <a:cs typeface="Microsoft Sans Serif" panose="020B0604020202020204" pitchFamily="34" charset="0"/>
+                </a:endParaRPr>
+              </a:p>
+            </p:txBody>
+          </p:sp>
+          <p:sp>
+            <p:nvSpPr>
+              <p:cNvPr id="53" name="Diamond 52">
+                <a:extLst>
+                  <a:ext uri="{FF2B5EF4-FFF2-40B4-BE49-F238E27FC236}">
+                    <a16:creationId xmlns:a16="http://schemas.microsoft.com/office/drawing/2014/main" id="{B2F0BC66-2E40-4D12-8731-3C7ECDC206C1}"/>
+                  </a:ext>
+                </a:extLst>
+              </p:cNvPr>
+              <p:cNvSpPr/>
+              <p:nvPr/>
+            </p:nvSpPr>
+            <p:spPr>
+              <a:xfrm rot="16200000">
+                <a:off x="9885729" y="3726285"/>
                 <a:ext cx="377187" cy="532555"/>
               </a:xfrm>
               <a:prstGeom prst="diamond">
@@ -7194,10 +7854,749 @@
         </p:grpSp>
         <p:sp>
           <p:nvSpPr>
-            <p:cNvPr id="142" name="Rectangle: Rounded Corners 141">
+            <p:cNvPr id="189" name="TextBox 188">
               <a:extLst>
                 <a:ext uri="{FF2B5EF4-FFF2-40B4-BE49-F238E27FC236}">
-                  <a16:creationId xmlns:a16="http://schemas.microsoft.com/office/drawing/2014/main" id="{8600DED5-9F2D-4E33-91F7-0977ED761903}"/>
+                  <a16:creationId xmlns:a16="http://schemas.microsoft.com/office/drawing/2014/main" id="{6446A44F-5E69-4DB6-8762-B67D690C9ECE}"/>
+                </a:ext>
+              </a:extLst>
+            </p:cNvPr>
+            <p:cNvSpPr txBox="1"/>
+            <p:nvPr/>
+          </p:nvSpPr>
+          <p:spPr>
+            <a:xfrm>
+              <a:off x="9881776" y="3865978"/>
+              <a:ext cx="384186" cy="230832"/>
+            </a:xfrm>
+            <a:prstGeom prst="rect">
+              <a:avLst/>
+            </a:prstGeom>
+            <a:noFill/>
+          </p:spPr>
+          <p:txBody>
+            <a:bodyPr wrap="square" rtlCol="1">
+              <a:spAutoFit/>
+            </a:bodyPr>
+            <a:lstStyle/>
+            <a:p>
+              <a:r>
+                <a:rPr lang="en-US" sz="900" dirty="0"/>
+                <a:t>has</a:t>
+              </a:r>
+              <a:endParaRPr lang="ar-YE" sz="900" dirty="0"/>
+            </a:p>
+          </p:txBody>
+        </p:sp>
+      </p:grpSp>
+      <p:grpSp>
+        <p:nvGrpSpPr>
+          <p:cNvPr id="192" name="Group 191">
+            <a:extLst>
+              <a:ext uri="{FF2B5EF4-FFF2-40B4-BE49-F238E27FC236}">
+                <a16:creationId xmlns:a16="http://schemas.microsoft.com/office/drawing/2014/main" id="{BE2CF5AE-3FBB-485F-9AAD-F7566C64BC6C}"/>
+              </a:ext>
+            </a:extLst>
+          </p:cNvPr>
+          <p:cNvGrpSpPr/>
+          <p:nvPr/>
+        </p:nvGrpSpPr>
+        <p:grpSpPr>
+          <a:xfrm>
+            <a:off x="8131017" y="4220360"/>
+            <a:ext cx="3167153" cy="1775857"/>
+            <a:chOff x="8131017" y="4220360"/>
+            <a:chExt cx="3167153" cy="1775857"/>
+          </a:xfrm>
+        </p:grpSpPr>
+        <p:grpSp>
+          <p:nvGrpSpPr>
+            <p:cNvPr id="120" name="Group 119">
+              <a:extLst>
+                <a:ext uri="{FF2B5EF4-FFF2-40B4-BE49-F238E27FC236}">
+                  <a16:creationId xmlns:a16="http://schemas.microsoft.com/office/drawing/2014/main" id="{5B81CA49-6CD4-453C-8273-6CF461698914}"/>
+                </a:ext>
+              </a:extLst>
+            </p:cNvPr>
+            <p:cNvGrpSpPr/>
+            <p:nvPr/>
+          </p:nvGrpSpPr>
+          <p:grpSpPr>
+            <a:xfrm>
+              <a:off x="8131017" y="4220360"/>
+              <a:ext cx="3167153" cy="1775857"/>
+              <a:chOff x="11837594" y="4213685"/>
+              <a:chExt cx="3167153" cy="1775857"/>
+            </a:xfrm>
+          </p:grpSpPr>
+          <p:grpSp>
+            <p:nvGrpSpPr>
+              <p:cNvPr id="121" name="Group 120">
+                <a:extLst>
+                  <a:ext uri="{FF2B5EF4-FFF2-40B4-BE49-F238E27FC236}">
+                    <a16:creationId xmlns:a16="http://schemas.microsoft.com/office/drawing/2014/main" id="{77BE80B8-A0B2-4907-93B2-3B05EE5A61A0}"/>
+                  </a:ext>
+                </a:extLst>
+              </p:cNvPr>
+              <p:cNvGrpSpPr/>
+              <p:nvPr/>
+            </p:nvGrpSpPr>
+            <p:grpSpPr>
+              <a:xfrm>
+                <a:off x="11837594" y="4213685"/>
+                <a:ext cx="377187" cy="1775857"/>
+                <a:chOff x="11837594" y="4213685"/>
+                <a:chExt cx="377187" cy="1775857"/>
+              </a:xfrm>
+            </p:grpSpPr>
+            <p:cxnSp>
+              <p:nvCxnSpPr>
+                <p:cNvPr id="124" name="Straight Connector 123">
+                  <a:extLst>
+                    <a:ext uri="{FF2B5EF4-FFF2-40B4-BE49-F238E27FC236}">
+                      <a16:creationId xmlns:a16="http://schemas.microsoft.com/office/drawing/2014/main" id="{0767F644-A0BA-409D-8010-6370C2AC70F5}"/>
+                    </a:ext>
+                  </a:extLst>
+                </p:cNvPr>
+                <p:cNvCxnSpPr>
+                  <a:cxnSpLocks/>
+                </p:cNvCxnSpPr>
+                <p:nvPr/>
+              </p:nvCxnSpPr>
+              <p:spPr>
+                <a:xfrm flipH="1">
+                  <a:off x="12024104" y="4213685"/>
+                  <a:ext cx="12617" cy="1516490"/>
+                </a:xfrm>
+                <a:prstGeom prst="line">
+                  <a:avLst/>
+                </a:prstGeom>
+                <a:ln w="50800">
+                  <a:solidFill>
+                    <a:schemeClr val="tx1"/>
+                  </a:solidFill>
+                </a:ln>
+              </p:spPr>
+              <p:style>
+                <a:lnRef idx="1">
+                  <a:schemeClr val="accent1"/>
+                </a:lnRef>
+                <a:fillRef idx="0">
+                  <a:schemeClr val="accent1"/>
+                </a:fillRef>
+                <a:effectRef idx="0">
+                  <a:schemeClr val="accent1"/>
+                </a:effectRef>
+                <a:fontRef idx="minor">
+                  <a:schemeClr val="tx1"/>
+                </a:fontRef>
+              </p:style>
+            </p:cxnSp>
+            <p:sp>
+              <p:nvSpPr>
+                <p:cNvPr id="125" name="Diamond 124">
+                  <a:extLst>
+                    <a:ext uri="{FF2B5EF4-FFF2-40B4-BE49-F238E27FC236}">
+                      <a16:creationId xmlns:a16="http://schemas.microsoft.com/office/drawing/2014/main" id="{B57557A0-982B-4809-AFDE-09780AE6CE34}"/>
+                    </a:ext>
+                  </a:extLst>
+                </p:cNvPr>
+                <p:cNvSpPr/>
+                <p:nvPr/>
+              </p:nvSpPr>
+              <p:spPr>
+                <a:xfrm>
+                  <a:off x="11837594" y="5456987"/>
+                  <a:ext cx="377187" cy="532555"/>
+                </a:xfrm>
+                <a:prstGeom prst="diamond">
+                  <a:avLst/>
+                </a:prstGeom>
+                <a:solidFill>
+                  <a:schemeClr val="accent6">
+                    <a:lumMod val="60000"/>
+                    <a:lumOff val="40000"/>
+                  </a:schemeClr>
+                </a:solidFill>
+                <a:ln>
+                  <a:noFill/>
+                </a:ln>
+              </p:spPr>
+              <p:style>
+                <a:lnRef idx="2">
+                  <a:schemeClr val="accent1">
+                    <a:shade val="50000"/>
+                  </a:schemeClr>
+                </a:lnRef>
+                <a:fillRef idx="1">
+                  <a:schemeClr val="accent1"/>
+                </a:fillRef>
+                <a:effectRef idx="0">
+                  <a:schemeClr val="accent1"/>
+                </a:effectRef>
+                <a:fontRef idx="minor">
+                  <a:schemeClr val="lt1"/>
+                </a:fontRef>
+              </p:style>
+              <p:txBody>
+                <a:bodyPr rtlCol="1" anchor="ctr"/>
+                <a:lstStyle/>
+                <a:p>
+                  <a:pPr algn="ctr"/>
+                  <a:endParaRPr lang="ar-YE" sz="2400"/>
+                </a:p>
+              </p:txBody>
+            </p:sp>
+          </p:grpSp>
+          <p:sp>
+            <p:nvSpPr>
+              <p:cNvPr id="122" name="Rectangle: Rounded Corners 121">
+                <a:extLst>
+                  <a:ext uri="{FF2B5EF4-FFF2-40B4-BE49-F238E27FC236}">
+                    <a16:creationId xmlns:a16="http://schemas.microsoft.com/office/drawing/2014/main" id="{99217377-319B-4C3B-A2D1-AB393C7B8762}"/>
+                  </a:ext>
+                </a:extLst>
+              </p:cNvPr>
+              <p:cNvSpPr/>
+              <p:nvPr/>
+            </p:nvSpPr>
+            <p:spPr>
+              <a:xfrm>
+                <a:off x="12086523" y="4257675"/>
+                <a:ext cx="187724" cy="215284"/>
+              </a:xfrm>
+              <a:prstGeom prst="roundRect">
+                <a:avLst>
+                  <a:gd name="adj" fmla="val 32123"/>
+                </a:avLst>
+              </a:prstGeom>
+              <a:solidFill>
+                <a:srgbClr val="FFC000"/>
+              </a:solidFill>
+              <a:ln>
+                <a:noFill/>
+              </a:ln>
+            </p:spPr>
+            <p:style>
+              <a:lnRef idx="2">
+                <a:schemeClr val="accent1">
+                  <a:shade val="50000"/>
+                </a:schemeClr>
+              </a:lnRef>
+              <a:fillRef idx="1">
+                <a:schemeClr val="accent1"/>
+              </a:fillRef>
+              <a:effectRef idx="0">
+                <a:schemeClr val="accent1"/>
+              </a:effectRef>
+              <a:fontRef idx="minor">
+                <a:schemeClr val="lt1"/>
+              </a:fontRef>
+            </p:style>
+            <p:txBody>
+              <a:bodyPr rtlCol="1" anchor="ctr"/>
+              <a:lstStyle/>
+              <a:p>
+                <a:pPr algn="ctr"/>
+                <a:r>
+                  <a:rPr lang="en-US" sz="1600" dirty="0">
+                    <a:solidFill>
+                      <a:schemeClr val="tx1"/>
+                    </a:solidFill>
+                    <a:latin typeface="Microsoft Sans Serif" panose="020B0604020202020204" pitchFamily="34" charset="0"/>
+                    <a:ea typeface="Microsoft Sans Serif" panose="020B0604020202020204" pitchFamily="34" charset="0"/>
+                    <a:cs typeface="Microsoft Sans Serif" panose="020B0604020202020204" pitchFamily="34" charset="0"/>
+                  </a:rPr>
+                  <a:t>m</a:t>
+                </a:r>
+                <a:endParaRPr lang="ar-YE" sz="1600" dirty="0">
+                  <a:solidFill>
+                    <a:schemeClr val="tx1"/>
+                  </a:solidFill>
+                  <a:latin typeface="Microsoft Sans Serif" panose="020B0604020202020204" pitchFamily="34" charset="0"/>
+                  <a:ea typeface="Microsoft Sans Serif" panose="020B0604020202020204" pitchFamily="34" charset="0"/>
+                  <a:cs typeface="Microsoft Sans Serif" panose="020B0604020202020204" pitchFamily="34" charset="0"/>
+                </a:endParaRPr>
+              </a:p>
+            </p:txBody>
+          </p:sp>
+          <p:sp>
+            <p:nvSpPr>
+              <p:cNvPr id="123" name="Rectangle: Rounded Corners 122">
+                <a:extLst>
+                  <a:ext uri="{FF2B5EF4-FFF2-40B4-BE49-F238E27FC236}">
+                    <a16:creationId xmlns:a16="http://schemas.microsoft.com/office/drawing/2014/main" id="{1AEE2685-D2B8-4701-9DF4-D238A26CEED9}"/>
+                  </a:ext>
+                </a:extLst>
+              </p:cNvPr>
+              <p:cNvSpPr/>
+              <p:nvPr/>
+            </p:nvSpPr>
+            <p:spPr>
+              <a:xfrm>
+                <a:off x="14817023" y="5445125"/>
+                <a:ext cx="187724" cy="215284"/>
+              </a:xfrm>
+              <a:prstGeom prst="roundRect">
+                <a:avLst>
+                  <a:gd name="adj" fmla="val 32123"/>
+                </a:avLst>
+              </a:prstGeom>
+              <a:solidFill>
+                <a:srgbClr val="FFC000"/>
+              </a:solidFill>
+              <a:ln>
+                <a:noFill/>
+              </a:ln>
+            </p:spPr>
+            <p:style>
+              <a:lnRef idx="2">
+                <a:schemeClr val="accent1">
+                  <a:shade val="50000"/>
+                </a:schemeClr>
+              </a:lnRef>
+              <a:fillRef idx="1">
+                <a:schemeClr val="accent1"/>
+              </a:fillRef>
+              <a:effectRef idx="0">
+                <a:schemeClr val="accent1"/>
+              </a:effectRef>
+              <a:fontRef idx="minor">
+                <a:schemeClr val="lt1"/>
+              </a:fontRef>
+            </p:style>
+            <p:txBody>
+              <a:bodyPr rtlCol="1" anchor="ctr"/>
+              <a:lstStyle/>
+              <a:p>
+                <a:pPr algn="ctr"/>
+                <a:r>
+                  <a:rPr lang="en-US" sz="1600" dirty="0">
+                    <a:solidFill>
+                      <a:schemeClr val="tx1"/>
+                    </a:solidFill>
+                    <a:latin typeface="Microsoft Sans Serif" panose="020B0604020202020204" pitchFamily="34" charset="0"/>
+                    <a:ea typeface="Microsoft Sans Serif" panose="020B0604020202020204" pitchFamily="34" charset="0"/>
+                    <a:cs typeface="Microsoft Sans Serif" panose="020B0604020202020204" pitchFamily="34" charset="0"/>
+                  </a:rPr>
+                  <a:t>m</a:t>
+                </a:r>
+                <a:endParaRPr lang="ar-YE" sz="1600" dirty="0">
+                  <a:solidFill>
+                    <a:schemeClr val="tx1"/>
+                  </a:solidFill>
+                  <a:latin typeface="Microsoft Sans Serif" panose="020B0604020202020204" pitchFamily="34" charset="0"/>
+                  <a:ea typeface="Microsoft Sans Serif" panose="020B0604020202020204" pitchFamily="34" charset="0"/>
+                  <a:cs typeface="Microsoft Sans Serif" panose="020B0604020202020204" pitchFamily="34" charset="0"/>
+                </a:endParaRPr>
+              </a:p>
+            </p:txBody>
+          </p:sp>
+        </p:grpSp>
+        <p:sp>
+          <p:nvSpPr>
+            <p:cNvPr id="191" name="TextBox 190">
+              <a:extLst>
+                <a:ext uri="{FF2B5EF4-FFF2-40B4-BE49-F238E27FC236}">
+                  <a16:creationId xmlns:a16="http://schemas.microsoft.com/office/drawing/2014/main" id="{575FEF3F-6D6A-4709-A2D7-4212A05246A5}"/>
+                </a:ext>
+              </a:extLst>
+            </p:cNvPr>
+            <p:cNvSpPr txBox="1"/>
+            <p:nvPr/>
+          </p:nvSpPr>
+          <p:spPr>
+            <a:xfrm rot="16200000">
+              <a:off x="8076731" y="5588275"/>
+              <a:ext cx="475661" cy="230832"/>
+            </a:xfrm>
+            <a:prstGeom prst="rect">
+              <a:avLst/>
+            </a:prstGeom>
+            <a:noFill/>
+          </p:spPr>
+          <p:txBody>
+            <a:bodyPr wrap="square" rtlCol="1">
+              <a:spAutoFit/>
+            </a:bodyPr>
+            <a:lstStyle/>
+            <a:p>
+              <a:r>
+                <a:rPr lang="en-US" sz="900" dirty="0"/>
+                <a:t>teach</a:t>
+              </a:r>
+              <a:endParaRPr lang="ar-YE" sz="900" dirty="0"/>
+            </a:p>
+          </p:txBody>
+        </p:sp>
+      </p:grpSp>
+      <p:grpSp>
+        <p:nvGrpSpPr>
+          <p:cNvPr id="194" name="Group 193">
+            <a:extLst>
+              <a:ext uri="{FF2B5EF4-FFF2-40B4-BE49-F238E27FC236}">
+                <a16:creationId xmlns:a16="http://schemas.microsoft.com/office/drawing/2014/main" id="{A6BFB77B-9216-40AC-BAE4-B86DCE9E286E}"/>
+              </a:ext>
+            </a:extLst>
+          </p:cNvPr>
+          <p:cNvGrpSpPr/>
+          <p:nvPr/>
+        </p:nvGrpSpPr>
+        <p:grpSpPr>
+          <a:xfrm>
+            <a:off x="7549177" y="4216860"/>
+            <a:ext cx="956074" cy="2778735"/>
+            <a:chOff x="7549177" y="4216860"/>
+            <a:chExt cx="956074" cy="2778735"/>
+          </a:xfrm>
+        </p:grpSpPr>
+        <p:grpSp>
+          <p:nvGrpSpPr>
+            <p:cNvPr id="105" name="Group 104">
+              <a:extLst>
+                <a:ext uri="{FF2B5EF4-FFF2-40B4-BE49-F238E27FC236}">
+                  <a16:creationId xmlns:a16="http://schemas.microsoft.com/office/drawing/2014/main" id="{3380250F-24E0-45B2-8DE9-46BD10B80F42}"/>
+                </a:ext>
+              </a:extLst>
+            </p:cNvPr>
+            <p:cNvGrpSpPr/>
+            <p:nvPr/>
+          </p:nvGrpSpPr>
+          <p:grpSpPr>
+            <a:xfrm>
+              <a:off x="7549177" y="4216860"/>
+              <a:ext cx="956074" cy="2778735"/>
+              <a:chOff x="11781723" y="3268320"/>
+              <a:chExt cx="956074" cy="2778735"/>
+            </a:xfrm>
+          </p:grpSpPr>
+          <p:grpSp>
+            <p:nvGrpSpPr>
+              <p:cNvPr id="106" name="Group 105">
+                <a:extLst>
+                  <a:ext uri="{FF2B5EF4-FFF2-40B4-BE49-F238E27FC236}">
+                    <a16:creationId xmlns:a16="http://schemas.microsoft.com/office/drawing/2014/main" id="{E2A2E9E4-D3E4-40EC-AEF3-86F4BE981D43}"/>
+                  </a:ext>
+                </a:extLst>
+              </p:cNvPr>
+              <p:cNvGrpSpPr/>
+              <p:nvPr/>
+            </p:nvGrpSpPr>
+            <p:grpSpPr>
+              <a:xfrm>
+                <a:off x="11834420" y="3268320"/>
+                <a:ext cx="377187" cy="2778735"/>
+                <a:chOff x="11834420" y="3268320"/>
+                <a:chExt cx="377187" cy="2778735"/>
+              </a:xfrm>
+            </p:grpSpPr>
+            <p:cxnSp>
+              <p:nvCxnSpPr>
+                <p:cNvPr id="109" name="Straight Connector 108">
+                  <a:extLst>
+                    <a:ext uri="{FF2B5EF4-FFF2-40B4-BE49-F238E27FC236}">
+                      <a16:creationId xmlns:a16="http://schemas.microsoft.com/office/drawing/2014/main" id="{6F0A7D81-D3F2-4681-908E-2EB809C148BE}"/>
+                    </a:ext>
+                  </a:extLst>
+                </p:cNvPr>
+                <p:cNvCxnSpPr>
+                  <a:cxnSpLocks/>
+                </p:cNvCxnSpPr>
+                <p:nvPr/>
+              </p:nvCxnSpPr>
+              <p:spPr>
+                <a:xfrm>
+                  <a:off x="12020820" y="3268320"/>
+                  <a:ext cx="0" cy="2778735"/>
+                </a:xfrm>
+                <a:prstGeom prst="line">
+                  <a:avLst/>
+                </a:prstGeom>
+                <a:ln w="50800">
+                  <a:solidFill>
+                    <a:schemeClr val="tx1"/>
+                  </a:solidFill>
+                </a:ln>
+              </p:spPr>
+              <p:style>
+                <a:lnRef idx="1">
+                  <a:schemeClr val="accent1"/>
+                </a:lnRef>
+                <a:fillRef idx="0">
+                  <a:schemeClr val="accent1"/>
+                </a:fillRef>
+                <a:effectRef idx="0">
+                  <a:schemeClr val="accent1"/>
+                </a:effectRef>
+                <a:fontRef idx="minor">
+                  <a:schemeClr val="tx1"/>
+                </a:fontRef>
+              </p:style>
+            </p:cxnSp>
+            <p:sp>
+              <p:nvSpPr>
+                <p:cNvPr id="110" name="Diamond 109">
+                  <a:extLst>
+                    <a:ext uri="{FF2B5EF4-FFF2-40B4-BE49-F238E27FC236}">
+                      <a16:creationId xmlns:a16="http://schemas.microsoft.com/office/drawing/2014/main" id="{BDBDB839-A0B4-47CC-A1CF-0DC9BF4F1E96}"/>
+                    </a:ext>
+                  </a:extLst>
+                </p:cNvPr>
+                <p:cNvSpPr/>
+                <p:nvPr/>
+              </p:nvSpPr>
+              <p:spPr>
+                <a:xfrm>
+                  <a:off x="11834420" y="4542587"/>
+                  <a:ext cx="377187" cy="532555"/>
+                </a:xfrm>
+                <a:prstGeom prst="diamond">
+                  <a:avLst/>
+                </a:prstGeom>
+                <a:solidFill>
+                  <a:schemeClr val="accent6">
+                    <a:lumMod val="60000"/>
+                    <a:lumOff val="40000"/>
+                  </a:schemeClr>
+                </a:solidFill>
+                <a:ln>
+                  <a:noFill/>
+                </a:ln>
+              </p:spPr>
+              <p:style>
+                <a:lnRef idx="2">
+                  <a:schemeClr val="accent1">
+                    <a:shade val="50000"/>
+                  </a:schemeClr>
+                </a:lnRef>
+                <a:fillRef idx="1">
+                  <a:schemeClr val="accent1"/>
+                </a:fillRef>
+                <a:effectRef idx="0">
+                  <a:schemeClr val="accent1"/>
+                </a:effectRef>
+                <a:fontRef idx="minor">
+                  <a:schemeClr val="lt1"/>
+                </a:fontRef>
+              </p:style>
+              <p:txBody>
+                <a:bodyPr rtlCol="1" anchor="ctr"/>
+                <a:lstStyle/>
+                <a:p>
+                  <a:pPr algn="ctr"/>
+                  <a:endParaRPr lang="ar-YE" sz="2400"/>
+                </a:p>
+              </p:txBody>
+            </p:sp>
+          </p:grpSp>
+          <p:sp>
+            <p:nvSpPr>
+              <p:cNvPr id="107" name="Rectangle: Rounded Corners 106">
+                <a:extLst>
+                  <a:ext uri="{FF2B5EF4-FFF2-40B4-BE49-F238E27FC236}">
+                    <a16:creationId xmlns:a16="http://schemas.microsoft.com/office/drawing/2014/main" id="{4D0FBB76-87D8-48F3-A458-E3C23B8C5575}"/>
+                  </a:ext>
+                </a:extLst>
+              </p:cNvPr>
+              <p:cNvSpPr/>
+              <p:nvPr/>
+            </p:nvSpPr>
+            <p:spPr>
+              <a:xfrm>
+                <a:off x="11781723" y="3362325"/>
+                <a:ext cx="187724" cy="215284"/>
+              </a:xfrm>
+              <a:prstGeom prst="roundRect">
+                <a:avLst>
+                  <a:gd name="adj" fmla="val 32123"/>
+                </a:avLst>
+              </a:prstGeom>
+              <a:solidFill>
+                <a:srgbClr val="FFC000"/>
+              </a:solidFill>
+              <a:ln>
+                <a:noFill/>
+              </a:ln>
+            </p:spPr>
+            <p:style>
+              <a:lnRef idx="2">
+                <a:schemeClr val="accent1">
+                  <a:shade val="50000"/>
+                </a:schemeClr>
+              </a:lnRef>
+              <a:fillRef idx="1">
+                <a:schemeClr val="accent1"/>
+              </a:fillRef>
+              <a:effectRef idx="0">
+                <a:schemeClr val="accent1"/>
+              </a:effectRef>
+              <a:fontRef idx="minor">
+                <a:schemeClr val="lt1"/>
+              </a:fontRef>
+            </p:style>
+            <p:txBody>
+              <a:bodyPr rtlCol="1" anchor="ctr"/>
+              <a:lstStyle/>
+              <a:p>
+                <a:pPr algn="ctr"/>
+                <a:r>
+                  <a:rPr lang="en-US" sz="1600" dirty="0">
+                    <a:solidFill>
+                      <a:schemeClr val="tx1"/>
+                    </a:solidFill>
+                    <a:latin typeface="Microsoft Sans Serif" panose="020B0604020202020204" pitchFamily="34" charset="0"/>
+                    <a:ea typeface="Microsoft Sans Serif" panose="020B0604020202020204" pitchFamily="34" charset="0"/>
+                    <a:cs typeface="Microsoft Sans Serif" panose="020B0604020202020204" pitchFamily="34" charset="0"/>
+                  </a:rPr>
+                  <a:t>1</a:t>
+                </a:r>
+                <a:endParaRPr lang="ar-YE" sz="1600" dirty="0">
+                  <a:solidFill>
+                    <a:schemeClr val="tx1"/>
+                  </a:solidFill>
+                  <a:latin typeface="Microsoft Sans Serif" panose="020B0604020202020204" pitchFamily="34" charset="0"/>
+                  <a:ea typeface="Microsoft Sans Serif" panose="020B0604020202020204" pitchFamily="34" charset="0"/>
+                  <a:cs typeface="Microsoft Sans Serif" panose="020B0604020202020204" pitchFamily="34" charset="0"/>
+                </a:endParaRPr>
+              </a:p>
+            </p:txBody>
+          </p:sp>
+          <p:sp>
+            <p:nvSpPr>
+              <p:cNvPr id="108" name="Rectangle: Rounded Corners 107">
+                <a:extLst>
+                  <a:ext uri="{FF2B5EF4-FFF2-40B4-BE49-F238E27FC236}">
+                    <a16:creationId xmlns:a16="http://schemas.microsoft.com/office/drawing/2014/main" id="{9BAFB2A3-E4A9-4B07-8565-4ECBAAA61B99}"/>
+                  </a:ext>
+                </a:extLst>
+              </p:cNvPr>
+              <p:cNvSpPr/>
+              <p:nvPr/>
+            </p:nvSpPr>
+            <p:spPr>
+              <a:xfrm>
+                <a:off x="12550073" y="5794375"/>
+                <a:ext cx="187724" cy="215284"/>
+              </a:xfrm>
+              <a:prstGeom prst="roundRect">
+                <a:avLst>
+                  <a:gd name="adj" fmla="val 32123"/>
+                </a:avLst>
+              </a:prstGeom>
+              <a:solidFill>
+                <a:srgbClr val="FFC000"/>
+              </a:solidFill>
+              <a:ln>
+                <a:noFill/>
+              </a:ln>
+            </p:spPr>
+            <p:style>
+              <a:lnRef idx="2">
+                <a:schemeClr val="accent1">
+                  <a:shade val="50000"/>
+                </a:schemeClr>
+              </a:lnRef>
+              <a:fillRef idx="1">
+                <a:schemeClr val="accent1"/>
+              </a:fillRef>
+              <a:effectRef idx="0">
+                <a:schemeClr val="accent1"/>
+              </a:effectRef>
+              <a:fontRef idx="minor">
+                <a:schemeClr val="lt1"/>
+              </a:fontRef>
+            </p:style>
+            <p:txBody>
+              <a:bodyPr rtlCol="1" anchor="ctr"/>
+              <a:lstStyle/>
+              <a:p>
+                <a:pPr algn="ctr"/>
+                <a:r>
+                  <a:rPr lang="en-US" sz="1600" dirty="0">
+                    <a:solidFill>
+                      <a:schemeClr val="tx1"/>
+                    </a:solidFill>
+                    <a:latin typeface="Microsoft Sans Serif" panose="020B0604020202020204" pitchFamily="34" charset="0"/>
+                    <a:ea typeface="Microsoft Sans Serif" panose="020B0604020202020204" pitchFamily="34" charset="0"/>
+                    <a:cs typeface="Microsoft Sans Serif" panose="020B0604020202020204" pitchFamily="34" charset="0"/>
+                  </a:rPr>
+                  <a:t>m</a:t>
+                </a:r>
+                <a:endParaRPr lang="ar-YE" sz="1600" dirty="0">
+                  <a:solidFill>
+                    <a:schemeClr val="tx1"/>
+                  </a:solidFill>
+                  <a:latin typeface="Microsoft Sans Serif" panose="020B0604020202020204" pitchFamily="34" charset="0"/>
+                  <a:ea typeface="Microsoft Sans Serif" panose="020B0604020202020204" pitchFamily="34" charset="0"/>
+                  <a:cs typeface="Microsoft Sans Serif" panose="020B0604020202020204" pitchFamily="34" charset="0"/>
+                </a:endParaRPr>
+              </a:p>
+            </p:txBody>
+          </p:sp>
+        </p:grpSp>
+        <p:sp>
+          <p:nvSpPr>
+            <p:cNvPr id="193" name="TextBox 192">
+              <a:extLst>
+                <a:ext uri="{FF2B5EF4-FFF2-40B4-BE49-F238E27FC236}">
+                  <a16:creationId xmlns:a16="http://schemas.microsoft.com/office/drawing/2014/main" id="{6F19D10F-7B88-445E-9CFB-26CE8B74BD9E}"/>
+                </a:ext>
+              </a:extLst>
+            </p:cNvPr>
+            <p:cNvSpPr txBox="1"/>
+            <p:nvPr/>
+          </p:nvSpPr>
+          <p:spPr>
+            <a:xfrm rot="16200000">
+              <a:off x="7535300" y="5629349"/>
+              <a:ext cx="475661" cy="230832"/>
+            </a:xfrm>
+            <a:prstGeom prst="rect">
+              <a:avLst/>
+            </a:prstGeom>
+            <a:noFill/>
+          </p:spPr>
+          <p:txBody>
+            <a:bodyPr wrap="square" rtlCol="1">
+              <a:spAutoFit/>
+            </a:bodyPr>
+            <a:lstStyle/>
+            <a:p>
+              <a:r>
+                <a:rPr lang="en-US" sz="900" dirty="0"/>
+                <a:t>Study</a:t>
+              </a:r>
+              <a:endParaRPr lang="ar-YE" sz="900" dirty="0"/>
+            </a:p>
+          </p:txBody>
+        </p:sp>
+      </p:grpSp>
+      <p:grpSp>
+        <p:nvGrpSpPr>
+          <p:cNvPr id="196" name="Group 195">
+            <a:extLst>
+              <a:ext uri="{FF2B5EF4-FFF2-40B4-BE49-F238E27FC236}">
+                <a16:creationId xmlns:a16="http://schemas.microsoft.com/office/drawing/2014/main" id="{C134BB15-B49B-4E09-9513-562658E8DEE5}"/>
+              </a:ext>
+            </a:extLst>
+          </p:cNvPr>
+          <p:cNvGrpSpPr/>
+          <p:nvPr/>
+        </p:nvGrpSpPr>
+        <p:grpSpPr>
+          <a:xfrm>
+            <a:off x="7079790" y="5218124"/>
+            <a:ext cx="377187" cy="569135"/>
+            <a:chOff x="7079790" y="5218124"/>
+            <a:chExt cx="377187" cy="569135"/>
+          </a:xfrm>
+        </p:grpSpPr>
+        <p:sp>
+          <p:nvSpPr>
+            <p:cNvPr id="162" name="Diamond 161">
+              <a:extLst>
+                <a:ext uri="{FF2B5EF4-FFF2-40B4-BE49-F238E27FC236}">
+                  <a16:creationId xmlns:a16="http://schemas.microsoft.com/office/drawing/2014/main" id="{D9EB0039-E3D5-4F11-A675-8FEEE6803657}"/>
                 </a:ext>
               </a:extLst>
             </p:cNvPr>
@@ -7206,16 +8605,17 @@
           </p:nvSpPr>
           <p:spPr>
             <a:xfrm>
-              <a:off x="12086523" y="4265295"/>
-              <a:ext cx="187724" cy="215284"/>
+              <a:off x="7079790" y="5254704"/>
+              <a:ext cx="377187" cy="532555"/>
             </a:xfrm>
-            <a:prstGeom prst="roundRect">
-              <a:avLst>
-                <a:gd name="adj" fmla="val 32123"/>
-              </a:avLst>
+            <a:prstGeom prst="diamond">
+              <a:avLst/>
             </a:prstGeom>
             <a:solidFill>
-              <a:srgbClr val="FFC000"/>
+              <a:schemeClr val="accent6">
+                <a:lumMod val="60000"/>
+                <a:lumOff val="40000"/>
+              </a:schemeClr>
             </a:solidFill>
             <a:ln>
               <a:noFill/>
@@ -7242,158 +8642,1122 @@
             <a:lstStyle/>
             <a:p>
               <a:pPr algn="ctr"/>
+              <a:endParaRPr lang="ar-YE" sz="2400"/>
+            </a:p>
+          </p:txBody>
+        </p:sp>
+        <p:sp>
+          <p:nvSpPr>
+            <p:cNvPr id="195" name="TextBox 194">
+              <a:extLst>
+                <a:ext uri="{FF2B5EF4-FFF2-40B4-BE49-F238E27FC236}">
+                  <a16:creationId xmlns:a16="http://schemas.microsoft.com/office/drawing/2014/main" id="{C474AE50-B8AE-4586-834E-B0C76990EC07}"/>
+                </a:ext>
+              </a:extLst>
+            </p:cNvPr>
+            <p:cNvSpPr txBox="1"/>
+            <p:nvPr/>
+          </p:nvSpPr>
+          <p:spPr>
+            <a:xfrm rot="16200000">
+              <a:off x="6974637" y="5386803"/>
+              <a:ext cx="568189" cy="230832"/>
+            </a:xfrm>
+            <a:prstGeom prst="rect">
+              <a:avLst/>
+            </a:prstGeom>
+            <a:noFill/>
+          </p:spPr>
+          <p:txBody>
+            <a:bodyPr wrap="square" rtlCol="1">
+              <a:spAutoFit/>
+            </a:bodyPr>
+            <a:lstStyle/>
+            <a:p>
               <a:r>
-                <a:rPr lang="en-US" sz="1600" dirty="0">
+                <a:rPr lang="en-US" sz="900" dirty="0"/>
+                <a:t>belongs</a:t>
+              </a:r>
+              <a:endParaRPr lang="ar-YE" sz="900" dirty="0"/>
+            </a:p>
+          </p:txBody>
+        </p:sp>
+      </p:grpSp>
+      <p:sp>
+        <p:nvSpPr>
+          <p:cNvPr id="197" name="TextBox 196">
+            <a:extLst>
+              <a:ext uri="{FF2B5EF4-FFF2-40B4-BE49-F238E27FC236}">
+                <a16:creationId xmlns:a16="http://schemas.microsoft.com/office/drawing/2014/main" id="{D03EB866-F2C7-4302-BCB8-8A80D1920823}"/>
+              </a:ext>
+            </a:extLst>
+          </p:cNvPr>
+          <p:cNvSpPr txBox="1"/>
+          <p:nvPr/>
+        </p:nvSpPr>
+        <p:spPr>
+          <a:xfrm>
+            <a:off x="6827426" y="6583778"/>
+            <a:ext cx="384186" cy="230832"/>
+          </a:xfrm>
+          <a:prstGeom prst="rect">
+            <a:avLst/>
+          </a:prstGeom>
+          <a:noFill/>
+        </p:spPr>
+        <p:txBody>
+          <a:bodyPr wrap="square" rtlCol="1">
+            <a:spAutoFit/>
+          </a:bodyPr>
+          <a:lstStyle/>
+          <a:p>
+            <a:r>
+              <a:rPr lang="en-US" sz="900" dirty="0"/>
+              <a:t>has</a:t>
+            </a:r>
+            <a:endParaRPr lang="ar-YE" sz="900" dirty="0"/>
+          </a:p>
+        </p:txBody>
+      </p:sp>
+      <p:grpSp>
+        <p:nvGrpSpPr>
+          <p:cNvPr id="199" name="Group 198">
+            <a:extLst>
+              <a:ext uri="{FF2B5EF4-FFF2-40B4-BE49-F238E27FC236}">
+                <a16:creationId xmlns:a16="http://schemas.microsoft.com/office/drawing/2014/main" id="{ABEDB03F-6980-41FD-A600-E1A19EE67ED5}"/>
+              </a:ext>
+            </a:extLst>
+          </p:cNvPr>
+          <p:cNvGrpSpPr/>
+          <p:nvPr/>
+        </p:nvGrpSpPr>
+        <p:grpSpPr>
+          <a:xfrm>
+            <a:off x="4901068" y="5818131"/>
+            <a:ext cx="7364164" cy="661986"/>
+            <a:chOff x="4901068" y="5818131"/>
+            <a:chExt cx="7364164" cy="661986"/>
+          </a:xfrm>
+        </p:grpSpPr>
+        <p:grpSp>
+          <p:nvGrpSpPr>
+            <p:cNvPr id="164" name="Group 163">
+              <a:extLst>
+                <a:ext uri="{FF2B5EF4-FFF2-40B4-BE49-F238E27FC236}">
+                  <a16:creationId xmlns:a16="http://schemas.microsoft.com/office/drawing/2014/main" id="{81AD1E22-F633-4A9C-B52F-FA8B26C8B32C}"/>
+                </a:ext>
+              </a:extLst>
+            </p:cNvPr>
+            <p:cNvGrpSpPr/>
+            <p:nvPr/>
+          </p:nvGrpSpPr>
+          <p:grpSpPr>
+            <a:xfrm>
+              <a:off x="4901068" y="5818131"/>
+              <a:ext cx="7364164" cy="661986"/>
+              <a:chOff x="8107308" y="3474720"/>
+              <a:chExt cx="7364164" cy="661986"/>
+            </a:xfrm>
+          </p:grpSpPr>
+          <p:cxnSp>
+            <p:nvCxnSpPr>
+              <p:cNvPr id="165" name="Straight Connector 164">
+                <a:extLst>
+                  <a:ext uri="{FF2B5EF4-FFF2-40B4-BE49-F238E27FC236}">
+                    <a16:creationId xmlns:a16="http://schemas.microsoft.com/office/drawing/2014/main" id="{35B41077-33E0-4F7F-9E14-05DB8B027ACA}"/>
+                  </a:ext>
+                </a:extLst>
+              </p:cNvPr>
+              <p:cNvCxnSpPr>
+                <a:cxnSpLocks/>
+              </p:cNvCxnSpPr>
+              <p:nvPr/>
+            </p:nvCxnSpPr>
+            <p:spPr>
+              <a:xfrm flipH="1" flipV="1">
+                <a:off x="8107308" y="3941477"/>
+                <a:ext cx="7135651" cy="20294"/>
+              </a:xfrm>
+              <a:prstGeom prst="line">
+                <a:avLst/>
+              </a:prstGeom>
+              <a:ln w="50800">
+                <a:solidFill>
+                  <a:schemeClr val="tx1"/>
+                </a:solidFill>
+              </a:ln>
+            </p:spPr>
+            <p:style>
+              <a:lnRef idx="1">
+                <a:schemeClr val="accent1"/>
+              </a:lnRef>
+              <a:fillRef idx="0">
+                <a:schemeClr val="accent1"/>
+              </a:fillRef>
+              <a:effectRef idx="0">
+                <a:schemeClr val="accent1"/>
+              </a:effectRef>
+              <a:fontRef idx="minor">
+                <a:schemeClr val="tx1"/>
+              </a:fontRef>
+            </p:style>
+          </p:cxnSp>
+          <p:sp>
+            <p:nvSpPr>
+              <p:cNvPr id="166" name="Rectangle: Rounded Corners 165">
+                <a:extLst>
+                  <a:ext uri="{FF2B5EF4-FFF2-40B4-BE49-F238E27FC236}">
+                    <a16:creationId xmlns:a16="http://schemas.microsoft.com/office/drawing/2014/main" id="{3C713542-0AB3-4332-B843-94CB54A0C180}"/>
+                  </a:ext>
+                </a:extLst>
+              </p:cNvPr>
+              <p:cNvSpPr/>
+              <p:nvPr/>
+            </p:nvSpPr>
+            <p:spPr>
+              <a:xfrm>
+                <a:off x="8407333" y="3474720"/>
+                <a:ext cx="187724" cy="215284"/>
+              </a:xfrm>
+              <a:prstGeom prst="roundRect">
+                <a:avLst>
+                  <a:gd name="adj" fmla="val 32123"/>
+                </a:avLst>
+              </a:prstGeom>
+              <a:solidFill>
+                <a:srgbClr val="FFC000"/>
+              </a:solidFill>
+              <a:ln>
+                <a:noFill/>
+              </a:ln>
+            </p:spPr>
+            <p:style>
+              <a:lnRef idx="2">
+                <a:schemeClr val="accent1">
+                  <a:shade val="50000"/>
+                </a:schemeClr>
+              </a:lnRef>
+              <a:fillRef idx="1">
+                <a:schemeClr val="accent1"/>
+              </a:fillRef>
+              <a:effectRef idx="0">
+                <a:schemeClr val="accent1"/>
+              </a:effectRef>
+              <a:fontRef idx="minor">
+                <a:schemeClr val="lt1"/>
+              </a:fontRef>
+            </p:style>
+            <p:txBody>
+              <a:bodyPr rtlCol="1" anchor="ctr"/>
+              <a:lstStyle/>
+              <a:p>
+                <a:pPr algn="ctr"/>
+                <a:r>
+                  <a:rPr lang="en-US" sz="1600" dirty="0">
+                    <a:solidFill>
+                      <a:schemeClr val="tx1"/>
+                    </a:solidFill>
+                    <a:latin typeface="Microsoft Sans Serif" panose="020B0604020202020204" pitchFamily="34" charset="0"/>
+                    <a:ea typeface="Microsoft Sans Serif" panose="020B0604020202020204" pitchFamily="34" charset="0"/>
+                    <a:cs typeface="Microsoft Sans Serif" panose="020B0604020202020204" pitchFamily="34" charset="0"/>
+                  </a:rPr>
+                  <a:t>m</a:t>
+                </a:r>
+                <a:endParaRPr lang="ar-YE" sz="1600" dirty="0">
                   <a:solidFill>
                     <a:schemeClr val="tx1"/>
                   </a:solidFill>
                   <a:latin typeface="Microsoft Sans Serif" panose="020B0604020202020204" pitchFamily="34" charset="0"/>
                   <a:ea typeface="Microsoft Sans Serif" panose="020B0604020202020204" pitchFamily="34" charset="0"/>
                   <a:cs typeface="Microsoft Sans Serif" panose="020B0604020202020204" pitchFamily="34" charset="0"/>
-                </a:rPr>
-                <a:t>m</a:t>
-              </a:r>
-              <a:endParaRPr lang="ar-YE" sz="1600" dirty="0">
-                <a:solidFill>
-                  <a:schemeClr val="tx1"/>
-                </a:solidFill>
-                <a:latin typeface="Microsoft Sans Serif" panose="020B0604020202020204" pitchFamily="34" charset="0"/>
-                <a:ea typeface="Microsoft Sans Serif" panose="020B0604020202020204" pitchFamily="34" charset="0"/>
-                <a:cs typeface="Microsoft Sans Serif" panose="020B0604020202020204" pitchFamily="34" charset="0"/>
-              </a:endParaRPr>
-            </a:p>
-          </p:txBody>
-        </p:sp>
-        <p:sp>
-          <p:nvSpPr>
-            <p:cNvPr id="143" name="Rectangle: Rounded Corners 142">
-              <a:extLst>
-                <a:ext uri="{FF2B5EF4-FFF2-40B4-BE49-F238E27FC236}">
-                  <a16:creationId xmlns:a16="http://schemas.microsoft.com/office/drawing/2014/main" id="{801CE06A-2584-4A63-8BA5-BFA3A390174C}"/>
-                </a:ext>
-              </a:extLst>
-            </p:cNvPr>
-            <p:cNvSpPr/>
-            <p:nvPr/>
-          </p:nvSpPr>
-          <p:spPr>
-            <a:xfrm>
-              <a:off x="12086523" y="5876925"/>
-              <a:ext cx="187724" cy="215284"/>
-            </a:xfrm>
-            <a:prstGeom prst="roundRect">
-              <a:avLst>
-                <a:gd name="adj" fmla="val 32123"/>
-              </a:avLst>
-            </a:prstGeom>
-            <a:solidFill>
-              <a:srgbClr val="FFC000"/>
-            </a:solidFill>
-            <a:ln>
-              <a:noFill/>
-            </a:ln>
-          </p:spPr>
-          <p:style>
-            <a:lnRef idx="2">
-              <a:schemeClr val="accent1">
-                <a:shade val="50000"/>
-              </a:schemeClr>
-            </a:lnRef>
-            <a:fillRef idx="1">
-              <a:schemeClr val="accent1"/>
-            </a:fillRef>
-            <a:effectRef idx="0">
-              <a:schemeClr val="accent1"/>
-            </a:effectRef>
-            <a:fontRef idx="minor">
-              <a:schemeClr val="lt1"/>
-            </a:fontRef>
-          </p:style>
-          <p:txBody>
-            <a:bodyPr rtlCol="1" anchor="ctr"/>
-            <a:lstStyle/>
-            <a:p>
-              <a:pPr algn="ctr"/>
-              <a:r>
-                <a:rPr lang="en-US" sz="1600" dirty="0">
+                </a:endParaRPr>
+              </a:p>
+            </p:txBody>
+          </p:sp>
+          <p:sp>
+            <p:nvSpPr>
+              <p:cNvPr id="167" name="Rectangle: Rounded Corners 166">
+                <a:extLst>
+                  <a:ext uri="{FF2B5EF4-FFF2-40B4-BE49-F238E27FC236}">
+                    <a16:creationId xmlns:a16="http://schemas.microsoft.com/office/drawing/2014/main" id="{2759A650-03AF-4F19-9344-104BB55FE1BD}"/>
+                  </a:ext>
+                </a:extLst>
+              </p:cNvPr>
+              <p:cNvSpPr/>
+              <p:nvPr/>
+            </p:nvSpPr>
+            <p:spPr>
+              <a:xfrm>
+                <a:off x="15283748" y="3639185"/>
+                <a:ext cx="187724" cy="215284"/>
+              </a:xfrm>
+              <a:prstGeom prst="roundRect">
+                <a:avLst>
+                  <a:gd name="adj" fmla="val 32123"/>
+                </a:avLst>
+              </a:prstGeom>
+              <a:solidFill>
+                <a:srgbClr val="FFC000"/>
+              </a:solidFill>
+              <a:ln>
+                <a:noFill/>
+              </a:ln>
+            </p:spPr>
+            <p:style>
+              <a:lnRef idx="2">
+                <a:schemeClr val="accent1">
+                  <a:shade val="50000"/>
+                </a:schemeClr>
+              </a:lnRef>
+              <a:fillRef idx="1">
+                <a:schemeClr val="accent1"/>
+              </a:fillRef>
+              <a:effectRef idx="0">
+                <a:schemeClr val="accent1"/>
+              </a:effectRef>
+              <a:fontRef idx="minor">
+                <a:schemeClr val="lt1"/>
+              </a:fontRef>
+            </p:style>
+            <p:txBody>
+              <a:bodyPr rtlCol="1" anchor="ctr"/>
+              <a:lstStyle/>
+              <a:p>
+                <a:pPr algn="ctr"/>
+                <a:r>
+                  <a:rPr lang="en-US" sz="1600" dirty="0">
+                    <a:solidFill>
+                      <a:schemeClr val="tx1"/>
+                    </a:solidFill>
+                    <a:latin typeface="Microsoft Sans Serif" panose="020B0604020202020204" pitchFamily="34" charset="0"/>
+                    <a:ea typeface="Microsoft Sans Serif" panose="020B0604020202020204" pitchFamily="34" charset="0"/>
+                    <a:cs typeface="Microsoft Sans Serif" panose="020B0604020202020204" pitchFamily="34" charset="0"/>
+                  </a:rPr>
+                  <a:t>m</a:t>
+                </a:r>
+                <a:endParaRPr lang="ar-YE" sz="1600" dirty="0">
                   <a:solidFill>
                     <a:schemeClr val="tx1"/>
                   </a:solidFill>
                   <a:latin typeface="Microsoft Sans Serif" panose="020B0604020202020204" pitchFamily="34" charset="0"/>
                   <a:ea typeface="Microsoft Sans Serif" panose="020B0604020202020204" pitchFamily="34" charset="0"/>
                   <a:cs typeface="Microsoft Sans Serif" panose="020B0604020202020204" pitchFamily="34" charset="0"/>
-                </a:rPr>
-                <a:t>m</a:t>
+                </a:endParaRPr>
+              </a:p>
+            </p:txBody>
+          </p:sp>
+          <p:sp>
+            <p:nvSpPr>
+              <p:cNvPr id="168" name="Diamond 167">
+                <a:extLst>
+                  <a:ext uri="{FF2B5EF4-FFF2-40B4-BE49-F238E27FC236}">
+                    <a16:creationId xmlns:a16="http://schemas.microsoft.com/office/drawing/2014/main" id="{8B603A3E-8AE5-4AB1-9ADF-62FFB1297E8F}"/>
+                  </a:ext>
+                </a:extLst>
+              </p:cNvPr>
+              <p:cNvSpPr/>
+              <p:nvPr/>
+            </p:nvSpPr>
+            <p:spPr>
+              <a:xfrm rot="16200000">
+                <a:off x="9885729" y="3681835"/>
+                <a:ext cx="377187" cy="532555"/>
+              </a:xfrm>
+              <a:prstGeom prst="diamond">
+                <a:avLst/>
+              </a:prstGeom>
+              <a:solidFill>
+                <a:schemeClr val="accent6">
+                  <a:lumMod val="60000"/>
+                  <a:lumOff val="40000"/>
+                </a:schemeClr>
+              </a:solidFill>
+              <a:ln>
+                <a:noFill/>
+              </a:ln>
+            </p:spPr>
+            <p:style>
+              <a:lnRef idx="2">
+                <a:schemeClr val="accent1">
+                  <a:shade val="50000"/>
+                </a:schemeClr>
+              </a:lnRef>
+              <a:fillRef idx="1">
+                <a:schemeClr val="accent1"/>
+              </a:fillRef>
+              <a:effectRef idx="0">
+                <a:schemeClr val="accent1"/>
+              </a:effectRef>
+              <a:fontRef idx="minor">
+                <a:schemeClr val="lt1"/>
+              </a:fontRef>
+            </p:style>
+            <p:txBody>
+              <a:bodyPr rtlCol="1" anchor="ctr"/>
+              <a:lstStyle/>
+              <a:p>
+                <a:pPr algn="ctr"/>
+                <a:endParaRPr lang="ar-YE" sz="2400"/>
+              </a:p>
+            </p:txBody>
+          </p:sp>
+        </p:grpSp>
+        <p:sp>
+          <p:nvSpPr>
+            <p:cNvPr id="198" name="TextBox 197">
+              <a:extLst>
+                <a:ext uri="{FF2B5EF4-FFF2-40B4-BE49-F238E27FC236}">
+                  <a16:creationId xmlns:a16="http://schemas.microsoft.com/office/drawing/2014/main" id="{9C242D17-9C92-4B02-BA7E-DA2E65C3DDAB}"/>
+                </a:ext>
+              </a:extLst>
+            </p:cNvPr>
+            <p:cNvSpPr txBox="1"/>
+            <p:nvPr/>
+          </p:nvSpPr>
+          <p:spPr>
+            <a:xfrm>
+              <a:off x="6594177" y="6181898"/>
+              <a:ext cx="556057" cy="230832"/>
+            </a:xfrm>
+            <a:prstGeom prst="rect">
+              <a:avLst/>
+            </a:prstGeom>
+            <a:noFill/>
+          </p:spPr>
+          <p:txBody>
+            <a:bodyPr wrap="square" rtlCol="1">
+              <a:spAutoFit/>
+            </a:bodyPr>
+            <a:lstStyle/>
+            <a:p>
+              <a:r>
+                <a:rPr lang="en-US" sz="900" dirty="0"/>
+                <a:t>teaches</a:t>
               </a:r>
-              <a:endParaRPr lang="ar-YE" sz="1600" dirty="0">
-                <a:solidFill>
-                  <a:schemeClr val="tx1"/>
-                </a:solidFill>
-                <a:latin typeface="Microsoft Sans Serif" panose="020B0604020202020204" pitchFamily="34" charset="0"/>
-                <a:ea typeface="Microsoft Sans Serif" panose="020B0604020202020204" pitchFamily="34" charset="0"/>
-                <a:cs typeface="Microsoft Sans Serif" panose="020B0604020202020204" pitchFamily="34" charset="0"/>
-              </a:endParaRPr>
+              <a:endParaRPr lang="ar-YE" sz="900" dirty="0"/>
             </a:p>
           </p:txBody>
         </p:sp>
       </p:grpSp>
-      <p:sp>
-        <p:nvSpPr>
-          <p:cNvPr id="153" name="Rectangle: Rounded Corners 152">
+      <p:grpSp>
+        <p:nvGrpSpPr>
+          <p:cNvPr id="201" name="Group 200">
             <a:extLst>
               <a:ext uri="{FF2B5EF4-FFF2-40B4-BE49-F238E27FC236}">
-                <a16:creationId xmlns:a16="http://schemas.microsoft.com/office/drawing/2014/main" id="{966ADCAF-9362-42E5-B167-B0B20B595A33}"/>
+                <a16:creationId xmlns:a16="http://schemas.microsoft.com/office/drawing/2014/main" id="{21EB2E0C-5DBF-4DF6-A646-CBB9072626F4}"/>
               </a:ext>
             </a:extLst>
           </p:cNvPr>
-          <p:cNvSpPr/>
+          <p:cNvGrpSpPr/>
+          <p:nvPr/>
+        </p:nvGrpSpPr>
+        <p:grpSpPr>
+          <a:xfrm>
+            <a:off x="9886599" y="6801446"/>
+            <a:ext cx="1433385" cy="458745"/>
+            <a:chOff x="9886599" y="6801446"/>
+            <a:chExt cx="1433385" cy="458745"/>
+          </a:xfrm>
+        </p:grpSpPr>
+        <p:grpSp>
+          <p:nvGrpSpPr>
+            <p:cNvPr id="97" name="Group 96">
+              <a:extLst>
+                <a:ext uri="{FF2B5EF4-FFF2-40B4-BE49-F238E27FC236}">
+                  <a16:creationId xmlns:a16="http://schemas.microsoft.com/office/drawing/2014/main" id="{48B7AE8D-AC39-4908-86D1-DABB07023C24}"/>
+                </a:ext>
+              </a:extLst>
+            </p:cNvPr>
+            <p:cNvGrpSpPr/>
+            <p:nvPr/>
+          </p:nvGrpSpPr>
+          <p:grpSpPr>
+            <a:xfrm rot="16200000">
+              <a:off x="10373919" y="6314126"/>
+              <a:ext cx="458745" cy="1433385"/>
+              <a:chOff x="11755243" y="4177830"/>
+              <a:chExt cx="458745" cy="1433385"/>
+            </a:xfrm>
+          </p:grpSpPr>
+          <p:grpSp>
+            <p:nvGrpSpPr>
+              <p:cNvPr id="98" name="Group 97">
+                <a:extLst>
+                  <a:ext uri="{FF2B5EF4-FFF2-40B4-BE49-F238E27FC236}">
+                    <a16:creationId xmlns:a16="http://schemas.microsoft.com/office/drawing/2014/main" id="{B5D846B7-4D7E-40CE-8A54-D2CD5F1D3A4A}"/>
+                  </a:ext>
+                </a:extLst>
+              </p:cNvPr>
+              <p:cNvGrpSpPr/>
+              <p:nvPr/>
+            </p:nvGrpSpPr>
+            <p:grpSpPr>
+              <a:xfrm>
+                <a:off x="11836801" y="4177830"/>
+                <a:ext cx="377187" cy="1433385"/>
+                <a:chOff x="11836801" y="4177830"/>
+                <a:chExt cx="377187" cy="1433385"/>
+              </a:xfrm>
+            </p:grpSpPr>
+            <p:cxnSp>
+              <p:nvCxnSpPr>
+                <p:cNvPr id="101" name="Straight Connector 100">
+                  <a:extLst>
+                    <a:ext uri="{FF2B5EF4-FFF2-40B4-BE49-F238E27FC236}">
+                      <a16:creationId xmlns:a16="http://schemas.microsoft.com/office/drawing/2014/main" id="{65317242-9940-4935-AE51-7EFBC008DC93}"/>
+                    </a:ext>
+                  </a:extLst>
+                </p:cNvPr>
+                <p:cNvCxnSpPr>
+                  <a:cxnSpLocks/>
+                  <a:stCxn id="9" idx="3"/>
+                  <a:endCxn id="21" idx="1"/>
+                </p:cNvCxnSpPr>
+                <p:nvPr/>
+              </p:nvCxnSpPr>
+              <p:spPr>
+                <a:xfrm rot="5400000">
+                  <a:off x="11313368" y="4892181"/>
+                  <a:ext cx="1433385" cy="4683"/>
+                </a:xfrm>
+                <a:prstGeom prst="line">
+                  <a:avLst/>
+                </a:prstGeom>
+                <a:ln w="50800">
+                  <a:solidFill>
+                    <a:schemeClr val="tx1"/>
+                  </a:solidFill>
+                </a:ln>
+              </p:spPr>
+              <p:style>
+                <a:lnRef idx="1">
+                  <a:schemeClr val="accent1"/>
+                </a:lnRef>
+                <a:fillRef idx="0">
+                  <a:schemeClr val="accent1"/>
+                </a:fillRef>
+                <a:effectRef idx="0">
+                  <a:schemeClr val="accent1"/>
+                </a:effectRef>
+                <a:fontRef idx="minor">
+                  <a:schemeClr val="tx1"/>
+                </a:fontRef>
+              </p:style>
+            </p:cxnSp>
+            <p:sp>
+              <p:nvSpPr>
+                <p:cNvPr id="102" name="Diamond 101">
+                  <a:extLst>
+                    <a:ext uri="{FF2B5EF4-FFF2-40B4-BE49-F238E27FC236}">
+                      <a16:creationId xmlns:a16="http://schemas.microsoft.com/office/drawing/2014/main" id="{C77B416E-EED2-4A98-A687-47864322EE1E}"/>
+                    </a:ext>
+                  </a:extLst>
+                </p:cNvPr>
+                <p:cNvSpPr/>
+                <p:nvPr/>
+              </p:nvSpPr>
+              <p:spPr>
+                <a:xfrm>
+                  <a:off x="11836801" y="4557827"/>
+                  <a:ext cx="377187" cy="532555"/>
+                </a:xfrm>
+                <a:prstGeom prst="diamond">
+                  <a:avLst/>
+                </a:prstGeom>
+                <a:solidFill>
+                  <a:schemeClr val="accent6">
+                    <a:lumMod val="60000"/>
+                    <a:lumOff val="40000"/>
+                  </a:schemeClr>
+                </a:solidFill>
+                <a:ln>
+                  <a:noFill/>
+                </a:ln>
+              </p:spPr>
+              <p:style>
+                <a:lnRef idx="2">
+                  <a:schemeClr val="accent1">
+                    <a:shade val="50000"/>
+                  </a:schemeClr>
+                </a:lnRef>
+                <a:fillRef idx="1">
+                  <a:schemeClr val="accent1"/>
+                </a:fillRef>
+                <a:effectRef idx="0">
+                  <a:schemeClr val="accent1"/>
+                </a:effectRef>
+                <a:fontRef idx="minor">
+                  <a:schemeClr val="lt1"/>
+                </a:fontRef>
+              </p:style>
+              <p:txBody>
+                <a:bodyPr rtlCol="1" anchor="ctr"/>
+                <a:lstStyle/>
+                <a:p>
+                  <a:pPr algn="ctr"/>
+                  <a:endParaRPr lang="ar-YE" sz="2400"/>
+                </a:p>
+              </p:txBody>
+            </p:sp>
+          </p:grpSp>
+          <p:sp>
+            <p:nvSpPr>
+              <p:cNvPr id="99" name="Rectangle: Rounded Corners 98">
+                <a:extLst>
+                  <a:ext uri="{FF2B5EF4-FFF2-40B4-BE49-F238E27FC236}">
+                    <a16:creationId xmlns:a16="http://schemas.microsoft.com/office/drawing/2014/main" id="{A96F7284-8D00-41F4-9BA4-C939964DE8A0}"/>
+                  </a:ext>
+                </a:extLst>
+              </p:cNvPr>
+              <p:cNvSpPr/>
+              <p:nvPr/>
+            </p:nvSpPr>
+            <p:spPr>
+              <a:xfrm rot="5400000">
+                <a:off x="11781722" y="4257676"/>
+                <a:ext cx="187724" cy="215284"/>
+              </a:xfrm>
+              <a:prstGeom prst="roundRect">
+                <a:avLst>
+                  <a:gd name="adj" fmla="val 32123"/>
+                </a:avLst>
+              </a:prstGeom>
+              <a:solidFill>
+                <a:srgbClr val="FFC000"/>
+              </a:solidFill>
+              <a:ln>
+                <a:noFill/>
+              </a:ln>
+            </p:spPr>
+            <p:style>
+              <a:lnRef idx="2">
+                <a:schemeClr val="accent1">
+                  <a:shade val="50000"/>
+                </a:schemeClr>
+              </a:lnRef>
+              <a:fillRef idx="1">
+                <a:schemeClr val="accent1"/>
+              </a:fillRef>
+              <a:effectRef idx="0">
+                <a:schemeClr val="accent1"/>
+              </a:effectRef>
+              <a:fontRef idx="minor">
+                <a:schemeClr val="lt1"/>
+              </a:fontRef>
+            </p:style>
+            <p:txBody>
+              <a:bodyPr rtlCol="1" anchor="ctr"/>
+              <a:lstStyle/>
+              <a:p>
+                <a:pPr algn="ctr"/>
+                <a:r>
+                  <a:rPr lang="en-US" sz="1600" dirty="0">
+                    <a:solidFill>
+                      <a:schemeClr val="tx1"/>
+                    </a:solidFill>
+                    <a:latin typeface="Microsoft Sans Serif" panose="020B0604020202020204" pitchFamily="34" charset="0"/>
+                    <a:ea typeface="Microsoft Sans Serif" panose="020B0604020202020204" pitchFamily="34" charset="0"/>
+                    <a:cs typeface="Microsoft Sans Serif" panose="020B0604020202020204" pitchFamily="34" charset="0"/>
+                  </a:rPr>
+                  <a:t>m</a:t>
+                </a:r>
+                <a:endParaRPr lang="ar-YE" sz="1600" dirty="0">
+                  <a:solidFill>
+                    <a:schemeClr val="tx1"/>
+                  </a:solidFill>
+                  <a:latin typeface="Microsoft Sans Serif" panose="020B0604020202020204" pitchFamily="34" charset="0"/>
+                  <a:ea typeface="Microsoft Sans Serif" panose="020B0604020202020204" pitchFamily="34" charset="0"/>
+                  <a:cs typeface="Microsoft Sans Serif" panose="020B0604020202020204" pitchFamily="34" charset="0"/>
+                </a:endParaRPr>
+              </a:p>
+            </p:txBody>
+          </p:sp>
+          <p:sp>
+            <p:nvSpPr>
+              <p:cNvPr id="100" name="Rectangle: Rounded Corners 99">
+                <a:extLst>
+                  <a:ext uri="{FF2B5EF4-FFF2-40B4-BE49-F238E27FC236}">
+                    <a16:creationId xmlns:a16="http://schemas.microsoft.com/office/drawing/2014/main" id="{AC565610-F6F1-4B98-B300-921E4AAD5AA0}"/>
+                  </a:ext>
+                </a:extLst>
+              </p:cNvPr>
+              <p:cNvSpPr/>
+              <p:nvPr/>
+            </p:nvSpPr>
+            <p:spPr>
+              <a:xfrm rot="5400000">
+                <a:off x="11769023" y="5241925"/>
+                <a:ext cx="187724" cy="215284"/>
+              </a:xfrm>
+              <a:prstGeom prst="roundRect">
+                <a:avLst>
+                  <a:gd name="adj" fmla="val 32123"/>
+                </a:avLst>
+              </a:prstGeom>
+              <a:solidFill>
+                <a:srgbClr val="FFC000"/>
+              </a:solidFill>
+              <a:ln>
+                <a:noFill/>
+              </a:ln>
+            </p:spPr>
+            <p:style>
+              <a:lnRef idx="2">
+                <a:schemeClr val="accent1">
+                  <a:shade val="50000"/>
+                </a:schemeClr>
+              </a:lnRef>
+              <a:fillRef idx="1">
+                <a:schemeClr val="accent1"/>
+              </a:fillRef>
+              <a:effectRef idx="0">
+                <a:schemeClr val="accent1"/>
+              </a:effectRef>
+              <a:fontRef idx="minor">
+                <a:schemeClr val="lt1"/>
+              </a:fontRef>
+            </p:style>
+            <p:txBody>
+              <a:bodyPr rtlCol="1" anchor="ctr"/>
+              <a:lstStyle/>
+              <a:p>
+                <a:pPr algn="ctr"/>
+                <a:r>
+                  <a:rPr lang="en-US" sz="1600" dirty="0">
+                    <a:solidFill>
+                      <a:schemeClr val="tx1"/>
+                    </a:solidFill>
+                    <a:latin typeface="Microsoft Sans Serif" panose="020B0604020202020204" pitchFamily="34" charset="0"/>
+                    <a:ea typeface="Microsoft Sans Serif" panose="020B0604020202020204" pitchFamily="34" charset="0"/>
+                    <a:cs typeface="Microsoft Sans Serif" panose="020B0604020202020204" pitchFamily="34" charset="0"/>
+                  </a:rPr>
+                  <a:t>1</a:t>
+                </a:r>
+                <a:endParaRPr lang="ar-YE" sz="1600" dirty="0">
+                  <a:solidFill>
+                    <a:schemeClr val="tx1"/>
+                  </a:solidFill>
+                  <a:latin typeface="Microsoft Sans Serif" panose="020B0604020202020204" pitchFamily="34" charset="0"/>
+                  <a:ea typeface="Microsoft Sans Serif" panose="020B0604020202020204" pitchFamily="34" charset="0"/>
+                  <a:cs typeface="Microsoft Sans Serif" panose="020B0604020202020204" pitchFamily="34" charset="0"/>
+                </a:endParaRPr>
+              </a:p>
+            </p:txBody>
+          </p:sp>
+        </p:grpSp>
+        <p:sp>
+          <p:nvSpPr>
+            <p:cNvPr id="200" name="TextBox 199">
+              <a:extLst>
+                <a:ext uri="{FF2B5EF4-FFF2-40B4-BE49-F238E27FC236}">
+                  <a16:creationId xmlns:a16="http://schemas.microsoft.com/office/drawing/2014/main" id="{1CE25F45-25FB-4954-BF1C-E81C3E16F036}"/>
+                </a:ext>
+              </a:extLst>
+            </p:cNvPr>
+            <p:cNvSpPr txBox="1"/>
+            <p:nvPr/>
+          </p:nvSpPr>
+          <p:spPr>
+            <a:xfrm>
+              <a:off x="10357887" y="6874665"/>
+              <a:ext cx="384186" cy="230832"/>
+            </a:xfrm>
+            <a:prstGeom prst="rect">
+              <a:avLst/>
+            </a:prstGeom>
+            <a:noFill/>
+          </p:spPr>
+          <p:txBody>
+            <a:bodyPr wrap="square" rtlCol="1">
+              <a:spAutoFit/>
+            </a:bodyPr>
+            <a:lstStyle/>
+            <a:p>
+              <a:r>
+                <a:rPr lang="en-US" sz="900" dirty="0"/>
+                <a:t>has</a:t>
+              </a:r>
+              <a:endParaRPr lang="ar-YE" sz="900" dirty="0"/>
+            </a:p>
+          </p:txBody>
+        </p:sp>
+      </p:grpSp>
+      <p:grpSp>
+        <p:nvGrpSpPr>
+          <p:cNvPr id="203" name="Group 202">
+            <a:extLst>
+              <a:ext uri="{FF2B5EF4-FFF2-40B4-BE49-F238E27FC236}">
+                <a16:creationId xmlns:a16="http://schemas.microsoft.com/office/drawing/2014/main" id="{30986F5D-AC33-4A12-8466-FA23AA885C76}"/>
+              </a:ext>
+            </a:extLst>
+          </p:cNvPr>
+          <p:cNvGrpSpPr/>
+          <p:nvPr/>
+        </p:nvGrpSpPr>
+        <p:grpSpPr>
+          <a:xfrm>
+            <a:off x="9295924" y="7212487"/>
+            <a:ext cx="511644" cy="1898176"/>
+            <a:chOff x="9295924" y="7212487"/>
+            <a:chExt cx="511644" cy="1898176"/>
+          </a:xfrm>
+        </p:grpSpPr>
+        <p:grpSp>
+          <p:nvGrpSpPr>
+            <p:cNvPr id="140" name="Group 139">
+              <a:extLst>
+                <a:ext uri="{FF2B5EF4-FFF2-40B4-BE49-F238E27FC236}">
+                  <a16:creationId xmlns:a16="http://schemas.microsoft.com/office/drawing/2014/main" id="{FC686CA0-C830-401B-9A18-48B2284AFEEC}"/>
+                </a:ext>
+              </a:extLst>
+            </p:cNvPr>
+            <p:cNvGrpSpPr/>
+            <p:nvPr/>
+          </p:nvGrpSpPr>
+          <p:grpSpPr>
+            <a:xfrm>
+              <a:off x="9361376" y="7212487"/>
+              <a:ext cx="437446" cy="1898176"/>
+              <a:chOff x="11836801" y="4213685"/>
+              <a:chExt cx="437446" cy="1898176"/>
+            </a:xfrm>
+          </p:grpSpPr>
+          <p:grpSp>
+            <p:nvGrpSpPr>
+              <p:cNvPr id="141" name="Group 140">
+                <a:extLst>
+                  <a:ext uri="{FF2B5EF4-FFF2-40B4-BE49-F238E27FC236}">
+                    <a16:creationId xmlns:a16="http://schemas.microsoft.com/office/drawing/2014/main" id="{50BE4C1E-B795-40B7-A7E3-C01A88F7A718}"/>
+                  </a:ext>
+                </a:extLst>
+              </p:cNvPr>
+              <p:cNvGrpSpPr/>
+              <p:nvPr/>
+            </p:nvGrpSpPr>
+            <p:grpSpPr>
+              <a:xfrm>
+                <a:off x="11836801" y="4213685"/>
+                <a:ext cx="377187" cy="1898176"/>
+                <a:chOff x="11836801" y="4213685"/>
+                <a:chExt cx="377187" cy="1898176"/>
+              </a:xfrm>
+            </p:grpSpPr>
+            <p:cxnSp>
+              <p:nvCxnSpPr>
+                <p:cNvPr id="144" name="Straight Connector 143">
+                  <a:extLst>
+                    <a:ext uri="{FF2B5EF4-FFF2-40B4-BE49-F238E27FC236}">
+                      <a16:creationId xmlns:a16="http://schemas.microsoft.com/office/drawing/2014/main" id="{847ABC7C-EC56-461F-B9BB-471FC26ED9B0}"/>
+                    </a:ext>
+                  </a:extLst>
+                </p:cNvPr>
+                <p:cNvCxnSpPr>
+                  <a:cxnSpLocks/>
+                </p:cNvCxnSpPr>
+                <p:nvPr/>
+              </p:nvCxnSpPr>
+              <p:spPr>
+                <a:xfrm flipH="1">
+                  <a:off x="12014713" y="4213685"/>
+                  <a:ext cx="22008" cy="1898176"/>
+                </a:xfrm>
+                <a:prstGeom prst="line">
+                  <a:avLst/>
+                </a:prstGeom>
+                <a:ln w="50800">
+                  <a:solidFill>
+                    <a:schemeClr val="tx1"/>
+                  </a:solidFill>
+                </a:ln>
+              </p:spPr>
+              <p:style>
+                <a:lnRef idx="1">
+                  <a:schemeClr val="accent1"/>
+                </a:lnRef>
+                <a:fillRef idx="0">
+                  <a:schemeClr val="accent1"/>
+                </a:fillRef>
+                <a:effectRef idx="0">
+                  <a:schemeClr val="accent1"/>
+                </a:effectRef>
+                <a:fontRef idx="minor">
+                  <a:schemeClr val="tx1"/>
+                </a:fontRef>
+              </p:style>
+            </p:cxnSp>
+            <p:sp>
+              <p:nvSpPr>
+                <p:cNvPr id="145" name="Diamond 144">
+                  <a:extLst>
+                    <a:ext uri="{FF2B5EF4-FFF2-40B4-BE49-F238E27FC236}">
+                      <a16:creationId xmlns:a16="http://schemas.microsoft.com/office/drawing/2014/main" id="{2858BF82-B27D-42E5-B779-4812C9F7E8AF}"/>
+                    </a:ext>
+                  </a:extLst>
+                </p:cNvPr>
+                <p:cNvSpPr/>
+                <p:nvPr/>
+              </p:nvSpPr>
+              <p:spPr>
+                <a:xfrm>
+                  <a:off x="11836801" y="4910887"/>
+                  <a:ext cx="377187" cy="532555"/>
+                </a:xfrm>
+                <a:prstGeom prst="diamond">
+                  <a:avLst/>
+                </a:prstGeom>
+                <a:solidFill>
+                  <a:schemeClr val="accent6">
+                    <a:lumMod val="60000"/>
+                    <a:lumOff val="40000"/>
+                  </a:schemeClr>
+                </a:solidFill>
+                <a:ln>
+                  <a:noFill/>
+                </a:ln>
+              </p:spPr>
+              <p:style>
+                <a:lnRef idx="2">
+                  <a:schemeClr val="accent1">
+                    <a:shade val="50000"/>
+                  </a:schemeClr>
+                </a:lnRef>
+                <a:fillRef idx="1">
+                  <a:schemeClr val="accent1"/>
+                </a:fillRef>
+                <a:effectRef idx="0">
+                  <a:schemeClr val="accent1"/>
+                </a:effectRef>
+                <a:fontRef idx="minor">
+                  <a:schemeClr val="lt1"/>
+                </a:fontRef>
+              </p:style>
+              <p:txBody>
+                <a:bodyPr rtlCol="1" anchor="ctr"/>
+                <a:lstStyle/>
+                <a:p>
+                  <a:pPr algn="ctr"/>
+                  <a:endParaRPr lang="ar-YE" sz="2400"/>
+                </a:p>
+              </p:txBody>
+            </p:sp>
+          </p:grpSp>
+          <p:sp>
+            <p:nvSpPr>
+              <p:cNvPr id="142" name="Rectangle: Rounded Corners 141">
+                <a:extLst>
+                  <a:ext uri="{FF2B5EF4-FFF2-40B4-BE49-F238E27FC236}">
+                    <a16:creationId xmlns:a16="http://schemas.microsoft.com/office/drawing/2014/main" id="{8600DED5-9F2D-4E33-91F7-0977ED761903}"/>
+                  </a:ext>
+                </a:extLst>
+              </p:cNvPr>
+              <p:cNvSpPr/>
+              <p:nvPr/>
+            </p:nvSpPr>
+            <p:spPr>
+              <a:xfrm>
+                <a:off x="12086523" y="4265295"/>
+                <a:ext cx="187724" cy="215284"/>
+              </a:xfrm>
+              <a:prstGeom prst="roundRect">
+                <a:avLst>
+                  <a:gd name="adj" fmla="val 32123"/>
+                </a:avLst>
+              </a:prstGeom>
+              <a:solidFill>
+                <a:srgbClr val="FFC000"/>
+              </a:solidFill>
+              <a:ln>
+                <a:noFill/>
+              </a:ln>
+            </p:spPr>
+            <p:style>
+              <a:lnRef idx="2">
+                <a:schemeClr val="accent1">
+                  <a:shade val="50000"/>
+                </a:schemeClr>
+              </a:lnRef>
+              <a:fillRef idx="1">
+                <a:schemeClr val="accent1"/>
+              </a:fillRef>
+              <a:effectRef idx="0">
+                <a:schemeClr val="accent1"/>
+              </a:effectRef>
+              <a:fontRef idx="minor">
+                <a:schemeClr val="lt1"/>
+              </a:fontRef>
+            </p:style>
+            <p:txBody>
+              <a:bodyPr rtlCol="1" anchor="ctr"/>
+              <a:lstStyle/>
+              <a:p>
+                <a:pPr algn="ctr"/>
+                <a:r>
+                  <a:rPr lang="en-US" sz="1600" dirty="0">
+                    <a:solidFill>
+                      <a:schemeClr val="tx1"/>
+                    </a:solidFill>
+                    <a:latin typeface="Microsoft Sans Serif" panose="020B0604020202020204" pitchFamily="34" charset="0"/>
+                    <a:ea typeface="Microsoft Sans Serif" panose="020B0604020202020204" pitchFamily="34" charset="0"/>
+                    <a:cs typeface="Microsoft Sans Serif" panose="020B0604020202020204" pitchFamily="34" charset="0"/>
+                  </a:rPr>
+                  <a:t>m</a:t>
+                </a:r>
+                <a:endParaRPr lang="ar-YE" sz="1600" dirty="0">
+                  <a:solidFill>
+                    <a:schemeClr val="tx1"/>
+                  </a:solidFill>
+                  <a:latin typeface="Microsoft Sans Serif" panose="020B0604020202020204" pitchFamily="34" charset="0"/>
+                  <a:ea typeface="Microsoft Sans Serif" panose="020B0604020202020204" pitchFamily="34" charset="0"/>
+                  <a:cs typeface="Microsoft Sans Serif" panose="020B0604020202020204" pitchFamily="34" charset="0"/>
+                </a:endParaRPr>
+              </a:p>
+            </p:txBody>
+          </p:sp>
+          <p:sp>
+            <p:nvSpPr>
+              <p:cNvPr id="143" name="Rectangle: Rounded Corners 142">
+                <a:extLst>
+                  <a:ext uri="{FF2B5EF4-FFF2-40B4-BE49-F238E27FC236}">
+                    <a16:creationId xmlns:a16="http://schemas.microsoft.com/office/drawing/2014/main" id="{801CE06A-2584-4A63-8BA5-BFA3A390174C}"/>
+                  </a:ext>
+                </a:extLst>
+              </p:cNvPr>
+              <p:cNvSpPr/>
+              <p:nvPr/>
+            </p:nvSpPr>
+            <p:spPr>
+              <a:xfrm>
+                <a:off x="12086523" y="5876925"/>
+                <a:ext cx="187724" cy="215284"/>
+              </a:xfrm>
+              <a:prstGeom prst="roundRect">
+                <a:avLst>
+                  <a:gd name="adj" fmla="val 32123"/>
+                </a:avLst>
+              </a:prstGeom>
+              <a:solidFill>
+                <a:srgbClr val="FFC000"/>
+              </a:solidFill>
+              <a:ln>
+                <a:noFill/>
+              </a:ln>
+            </p:spPr>
+            <p:style>
+              <a:lnRef idx="2">
+                <a:schemeClr val="accent1">
+                  <a:shade val="50000"/>
+                </a:schemeClr>
+              </a:lnRef>
+              <a:fillRef idx="1">
+                <a:schemeClr val="accent1"/>
+              </a:fillRef>
+              <a:effectRef idx="0">
+                <a:schemeClr val="accent1"/>
+              </a:effectRef>
+              <a:fontRef idx="minor">
+                <a:schemeClr val="lt1"/>
+              </a:fontRef>
+            </p:style>
+            <p:txBody>
+              <a:bodyPr rtlCol="1" anchor="ctr"/>
+              <a:lstStyle/>
+              <a:p>
+                <a:pPr algn="ctr"/>
+                <a:r>
+                  <a:rPr lang="en-US" sz="1600" dirty="0">
+                    <a:solidFill>
+                      <a:schemeClr val="tx1"/>
+                    </a:solidFill>
+                    <a:latin typeface="Microsoft Sans Serif" panose="020B0604020202020204" pitchFamily="34" charset="0"/>
+                    <a:ea typeface="Microsoft Sans Serif" panose="020B0604020202020204" pitchFamily="34" charset="0"/>
+                    <a:cs typeface="Microsoft Sans Serif" panose="020B0604020202020204" pitchFamily="34" charset="0"/>
+                  </a:rPr>
+                  <a:t>m</a:t>
+                </a:r>
+                <a:endParaRPr lang="ar-YE" sz="1600" dirty="0">
+                  <a:solidFill>
+                    <a:schemeClr val="tx1"/>
+                  </a:solidFill>
+                  <a:latin typeface="Microsoft Sans Serif" panose="020B0604020202020204" pitchFamily="34" charset="0"/>
+                  <a:ea typeface="Microsoft Sans Serif" panose="020B0604020202020204" pitchFamily="34" charset="0"/>
+                  <a:cs typeface="Microsoft Sans Serif" panose="020B0604020202020204" pitchFamily="34" charset="0"/>
+                </a:endParaRPr>
+              </a:p>
+            </p:txBody>
+          </p:sp>
+        </p:grpSp>
+        <p:sp>
+          <p:nvSpPr>
+            <p:cNvPr id="202" name="TextBox 201">
+              <a:extLst>
+                <a:ext uri="{FF2B5EF4-FFF2-40B4-BE49-F238E27FC236}">
+                  <a16:creationId xmlns:a16="http://schemas.microsoft.com/office/drawing/2014/main" id="{D5D4CFAD-F4F5-4567-9477-FFB442B3C564}"/>
+                </a:ext>
+              </a:extLst>
+            </p:cNvPr>
+            <p:cNvSpPr txBox="1"/>
+            <p:nvPr/>
+          </p:nvSpPr>
+          <p:spPr>
+            <a:xfrm>
+              <a:off x="9295924" y="8052057"/>
+              <a:ext cx="511644" cy="230832"/>
+            </a:xfrm>
+            <a:prstGeom prst="rect">
+              <a:avLst/>
+            </a:prstGeom>
+            <a:noFill/>
+          </p:spPr>
+          <p:txBody>
+            <a:bodyPr wrap="square" rtlCol="1">
+              <a:spAutoFit/>
+            </a:bodyPr>
+            <a:lstStyle/>
+            <a:p>
+              <a:pPr algn="ctr"/>
+              <a:r>
+                <a:rPr lang="en-US" sz="900" dirty="0"/>
+                <a:t>has</a:t>
+              </a:r>
+              <a:endParaRPr lang="ar-YE" sz="900" dirty="0"/>
+            </a:p>
+          </p:txBody>
+        </p:sp>
+      </p:grpSp>
+      <p:sp>
+        <p:nvSpPr>
+          <p:cNvPr id="205" name="TextBox 204">
+            <a:extLst>
+              <a:ext uri="{FF2B5EF4-FFF2-40B4-BE49-F238E27FC236}">
+                <a16:creationId xmlns:a16="http://schemas.microsoft.com/office/drawing/2014/main" id="{3C4BB9A1-3419-4C01-B25F-23D5291A6E3A}"/>
+              </a:ext>
+            </a:extLst>
+          </p:cNvPr>
+          <p:cNvSpPr txBox="1"/>
           <p:nvPr/>
         </p:nvSpPr>
         <p:spPr>
           <a:xfrm>
-            <a:off x="9214232" y="9116824"/>
-            <a:ext cx="1273526" cy="458911"/>
+            <a:off x="7965663" y="7448172"/>
+            <a:ext cx="384186" cy="230832"/>
           </a:xfrm>
-          <a:prstGeom prst="roundRect">
-            <a:avLst>
-              <a:gd name="adj" fmla="val 0"/>
-            </a:avLst>
+          <a:prstGeom prst="rect">
+            <a:avLst/>
           </a:prstGeom>
-          <a:solidFill>
-            <a:schemeClr val="accent1">
-              <a:lumMod val="50000"/>
-            </a:schemeClr>
-          </a:solidFill>
+          <a:noFill/>
         </p:spPr>
-        <p:style>
-          <a:lnRef idx="2">
-            <a:schemeClr val="accent1">
-              <a:shade val="50000"/>
-            </a:schemeClr>
-          </a:lnRef>
-          <a:fillRef idx="1">
-            <a:schemeClr val="accent1"/>
-          </a:fillRef>
-          <a:effectRef idx="0">
-            <a:schemeClr val="accent1"/>
-          </a:effectRef>
-          <a:fontRef idx="minor">
-            <a:schemeClr val="lt1"/>
-          </a:fontRef>
-        </p:style>
-        <p:txBody>
-          <a:bodyPr rtlCol="1" anchor="ctr"/>
+        <p:txBody>
+          <a:bodyPr wrap="square" rtlCol="1">
+            <a:spAutoFit/>
+          </a:bodyPr>
           <a:lstStyle/>
           <a:p>
             <a:pPr algn="ctr"/>
             <a:r>
-              <a:rPr lang="ar-YE" sz="2400" dirty="0">
-                <a:latin typeface="Microsoft Sans Serif" panose="020B0604020202020204" pitchFamily="34" charset="0"/>
-                <a:ea typeface="Microsoft Sans Serif" panose="020B0604020202020204" pitchFamily="34" charset="0"/>
-                <a:cs typeface="Microsoft Sans Serif" panose="020B0604020202020204" pitchFamily="34" charset="0"/>
-              </a:rPr>
-              <a:t>الدرجات</a:t>
-            </a:r>
+              <a:rPr lang="en-US" sz="900" dirty="0"/>
+              <a:t>has</a:t>
+            </a:r>
+            <a:endParaRPr lang="ar-YE" sz="900" dirty="0"/>
           </a:p>
         </p:txBody>
       </p:sp>

--- a/Documents/المخططات/مخطط ERD.pptx
+++ b/Documents/المخططات/مخطط ERD.pptx
@@ -107,7 +107,7 @@
   <p:extLst>
     <p:ext uri="{EFAFB233-063F-42B5-8137-9DF3F51BA10A}">
       <p15:sldGuideLst xmlns:p15="http://schemas.microsoft.com/office/powerpoint/2012/main">
-        <p15:guide id="1" orient="horz" pos="3456" userDrawn="1">
+        <p15:guide id="1" orient="horz" pos="3432" userDrawn="1">
           <p15:clr>
             <a:srgbClr val="A4A3A4"/>
           </p15:clr>
@@ -254,7 +254,7 @@
           <a:p>
             <a:fld id="{D3B573F3-C353-4DE9-8F3B-296C28169EA7}" type="datetimeFigureOut">
               <a:rPr lang="ar-YE" smtClean="0"/>
-              <a:t>13/07/1445</a:t>
+              <a:t>19/07/1445</a:t>
             </a:fld>
             <a:endParaRPr lang="ar-YE"/>
           </a:p>
@@ -424,7 +424,7 @@
           <a:p>
             <a:fld id="{D3B573F3-C353-4DE9-8F3B-296C28169EA7}" type="datetimeFigureOut">
               <a:rPr lang="ar-YE" smtClean="0"/>
-              <a:t>13/07/1445</a:t>
+              <a:t>19/07/1445</a:t>
             </a:fld>
             <a:endParaRPr lang="ar-YE"/>
           </a:p>
@@ -604,7 +604,7 @@
           <a:p>
             <a:fld id="{D3B573F3-C353-4DE9-8F3B-296C28169EA7}" type="datetimeFigureOut">
               <a:rPr lang="ar-YE" smtClean="0"/>
-              <a:t>13/07/1445</a:t>
+              <a:t>19/07/1445</a:t>
             </a:fld>
             <a:endParaRPr lang="ar-YE"/>
           </a:p>
@@ -774,7 +774,7 @@
           <a:p>
             <a:fld id="{D3B573F3-C353-4DE9-8F3B-296C28169EA7}" type="datetimeFigureOut">
               <a:rPr lang="ar-YE" smtClean="0"/>
-              <a:t>13/07/1445</a:t>
+              <a:t>19/07/1445</a:t>
             </a:fld>
             <a:endParaRPr lang="ar-YE"/>
           </a:p>
@@ -1018,7 +1018,7 @@
           <a:p>
             <a:fld id="{D3B573F3-C353-4DE9-8F3B-296C28169EA7}" type="datetimeFigureOut">
               <a:rPr lang="ar-YE" smtClean="0"/>
-              <a:t>13/07/1445</a:t>
+              <a:t>19/07/1445</a:t>
             </a:fld>
             <a:endParaRPr lang="ar-YE"/>
           </a:p>
@@ -1250,7 +1250,7 @@
           <a:p>
             <a:fld id="{D3B573F3-C353-4DE9-8F3B-296C28169EA7}" type="datetimeFigureOut">
               <a:rPr lang="ar-YE" smtClean="0"/>
-              <a:t>13/07/1445</a:t>
+              <a:t>19/07/1445</a:t>
             </a:fld>
             <a:endParaRPr lang="ar-YE"/>
           </a:p>
@@ -1617,7 +1617,7 @@
           <a:p>
             <a:fld id="{D3B573F3-C353-4DE9-8F3B-296C28169EA7}" type="datetimeFigureOut">
               <a:rPr lang="ar-YE" smtClean="0"/>
-              <a:t>13/07/1445</a:t>
+              <a:t>19/07/1445</a:t>
             </a:fld>
             <a:endParaRPr lang="ar-YE"/>
           </a:p>
@@ -1735,7 +1735,7 @@
           <a:p>
             <a:fld id="{D3B573F3-C353-4DE9-8F3B-296C28169EA7}" type="datetimeFigureOut">
               <a:rPr lang="ar-YE" smtClean="0"/>
-              <a:t>13/07/1445</a:t>
+              <a:t>19/07/1445</a:t>
             </a:fld>
             <a:endParaRPr lang="ar-YE"/>
           </a:p>
@@ -1830,7 +1830,7 @@
           <a:p>
             <a:fld id="{D3B573F3-C353-4DE9-8F3B-296C28169EA7}" type="datetimeFigureOut">
               <a:rPr lang="ar-YE" smtClean="0"/>
-              <a:t>13/07/1445</a:t>
+              <a:t>19/07/1445</a:t>
             </a:fld>
             <a:endParaRPr lang="ar-YE"/>
           </a:p>
@@ -2107,7 +2107,7 @@
           <a:p>
             <a:fld id="{D3B573F3-C353-4DE9-8F3B-296C28169EA7}" type="datetimeFigureOut">
               <a:rPr lang="ar-YE" smtClean="0"/>
-              <a:t>13/07/1445</a:t>
+              <a:t>19/07/1445</a:t>
             </a:fld>
             <a:endParaRPr lang="ar-YE"/>
           </a:p>
@@ -2364,7 +2364,7 @@
           <a:p>
             <a:fld id="{D3B573F3-C353-4DE9-8F3B-296C28169EA7}" type="datetimeFigureOut">
               <a:rPr lang="ar-YE" smtClean="0"/>
-              <a:t>13/07/1445</a:t>
+              <a:t>19/07/1445</a:t>
             </a:fld>
             <a:endParaRPr lang="ar-YE"/>
           </a:p>
@@ -2577,7 +2577,7 @@
           <a:p>
             <a:fld id="{D3B573F3-C353-4DE9-8F3B-296C28169EA7}" type="datetimeFigureOut">
               <a:rPr lang="ar-YE" smtClean="0"/>
-              <a:t>13/07/1445</a:t>
+              <a:t>19/07/1445</a:t>
             </a:fld>
             <a:endParaRPr lang="ar-YE"/>
           </a:p>

--- a/Documents/المخططات/مخطط ERD.pptx
+++ b/Documents/المخططات/مخطط ERD.pptx
@@ -254,7 +254,7 @@
           <a:p>
             <a:fld id="{D3B573F3-C353-4DE9-8F3B-296C28169EA7}" type="datetimeFigureOut">
               <a:rPr lang="ar-YE" smtClean="0"/>
-              <a:t>19/07/1445</a:t>
+              <a:t>22/07/1445</a:t>
             </a:fld>
             <a:endParaRPr lang="ar-YE"/>
           </a:p>
@@ -424,7 +424,7 @@
           <a:p>
             <a:fld id="{D3B573F3-C353-4DE9-8F3B-296C28169EA7}" type="datetimeFigureOut">
               <a:rPr lang="ar-YE" smtClean="0"/>
-              <a:t>19/07/1445</a:t>
+              <a:t>22/07/1445</a:t>
             </a:fld>
             <a:endParaRPr lang="ar-YE"/>
           </a:p>
@@ -604,7 +604,7 @@
           <a:p>
             <a:fld id="{D3B573F3-C353-4DE9-8F3B-296C28169EA7}" type="datetimeFigureOut">
               <a:rPr lang="ar-YE" smtClean="0"/>
-              <a:t>19/07/1445</a:t>
+              <a:t>22/07/1445</a:t>
             </a:fld>
             <a:endParaRPr lang="ar-YE"/>
           </a:p>
@@ -774,7 +774,7 @@
           <a:p>
             <a:fld id="{D3B573F3-C353-4DE9-8F3B-296C28169EA7}" type="datetimeFigureOut">
               <a:rPr lang="ar-YE" smtClean="0"/>
-              <a:t>19/07/1445</a:t>
+              <a:t>22/07/1445</a:t>
             </a:fld>
             <a:endParaRPr lang="ar-YE"/>
           </a:p>
@@ -1018,7 +1018,7 @@
           <a:p>
             <a:fld id="{D3B573F3-C353-4DE9-8F3B-296C28169EA7}" type="datetimeFigureOut">
               <a:rPr lang="ar-YE" smtClean="0"/>
-              <a:t>19/07/1445</a:t>
+              <a:t>22/07/1445</a:t>
             </a:fld>
             <a:endParaRPr lang="ar-YE"/>
           </a:p>
@@ -1250,7 +1250,7 @@
           <a:p>
             <a:fld id="{D3B573F3-C353-4DE9-8F3B-296C28169EA7}" type="datetimeFigureOut">
               <a:rPr lang="ar-YE" smtClean="0"/>
-              <a:t>19/07/1445</a:t>
+              <a:t>22/07/1445</a:t>
             </a:fld>
             <a:endParaRPr lang="ar-YE"/>
           </a:p>
@@ -1617,7 +1617,7 @@
           <a:p>
             <a:fld id="{D3B573F3-C353-4DE9-8F3B-296C28169EA7}" type="datetimeFigureOut">
               <a:rPr lang="ar-YE" smtClean="0"/>
-              <a:t>19/07/1445</a:t>
+              <a:t>22/07/1445</a:t>
             </a:fld>
             <a:endParaRPr lang="ar-YE"/>
           </a:p>
@@ -1735,7 +1735,7 @@
           <a:p>
             <a:fld id="{D3B573F3-C353-4DE9-8F3B-296C28169EA7}" type="datetimeFigureOut">
               <a:rPr lang="ar-YE" smtClean="0"/>
-              <a:t>19/07/1445</a:t>
+              <a:t>22/07/1445</a:t>
             </a:fld>
             <a:endParaRPr lang="ar-YE"/>
           </a:p>
@@ -1830,7 +1830,7 @@
           <a:p>
             <a:fld id="{D3B573F3-C353-4DE9-8F3B-296C28169EA7}" type="datetimeFigureOut">
               <a:rPr lang="ar-YE" smtClean="0"/>
-              <a:t>19/07/1445</a:t>
+              <a:t>22/07/1445</a:t>
             </a:fld>
             <a:endParaRPr lang="ar-YE"/>
           </a:p>
@@ -2107,7 +2107,7 @@
           <a:p>
             <a:fld id="{D3B573F3-C353-4DE9-8F3B-296C28169EA7}" type="datetimeFigureOut">
               <a:rPr lang="ar-YE" smtClean="0"/>
-              <a:t>19/07/1445</a:t>
+              <a:t>22/07/1445</a:t>
             </a:fld>
             <a:endParaRPr lang="ar-YE"/>
           </a:p>
@@ -2364,7 +2364,7 @@
           <a:p>
             <a:fld id="{D3B573F3-C353-4DE9-8F3B-296C28169EA7}" type="datetimeFigureOut">
               <a:rPr lang="ar-YE" smtClean="0"/>
-              <a:t>19/07/1445</a:t>
+              <a:t>22/07/1445</a:t>
             </a:fld>
             <a:endParaRPr lang="ar-YE"/>
           </a:p>
@@ -2577,7 +2577,7 @@
           <a:p>
             <a:fld id="{D3B573F3-C353-4DE9-8F3B-296C28169EA7}" type="datetimeFigureOut">
               <a:rPr lang="ar-YE" smtClean="0"/>
-              <a:t>19/07/1445</a:t>
+              <a:t>22/07/1445</a:t>
             </a:fld>
             <a:endParaRPr lang="ar-YE"/>
           </a:p>
@@ -5371,13 +5371,18 @@
           <a:p>
             <a:pPr algn="ctr"/>
             <a:r>
-              <a:rPr lang="ar-YE" sz="2400" dirty="0">
+              <a:rPr lang="ar-SA" sz="2400" dirty="0">
                 <a:latin typeface="Microsoft Sans Serif" panose="020B0604020202020204" pitchFamily="34" charset="0"/>
                 <a:ea typeface="Microsoft Sans Serif" panose="020B0604020202020204" pitchFamily="34" charset="0"/>
                 <a:cs typeface="Microsoft Sans Serif" panose="020B0604020202020204" pitchFamily="34" charset="0"/>
               </a:rPr>
-              <a:t>الغياب</a:t>
-            </a:r>
+              <a:t>متابعة</a:t>
+            </a:r>
+            <a:endParaRPr lang="ar-YE" sz="2400" dirty="0">
+              <a:latin typeface="Microsoft Sans Serif" panose="020B0604020202020204" pitchFamily="34" charset="0"/>
+              <a:ea typeface="Microsoft Sans Serif" panose="020B0604020202020204" pitchFamily="34" charset="0"/>
+              <a:cs typeface="Microsoft Sans Serif" panose="020B0604020202020204" pitchFamily="34" charset="0"/>
+            </a:endParaRPr>
           </a:p>
         </p:txBody>
       </p:sp>

--- a/Documents/المخططات/مخطط ERD.pptx
+++ b/Documents/المخططات/مخطط ERD.pptx
@@ -254,7 +254,7 @@
           <a:p>
             <a:fld id="{D3B573F3-C353-4DE9-8F3B-296C28169EA7}" type="datetimeFigureOut">
               <a:rPr lang="ar-YE" smtClean="0"/>
-              <a:t>22/07/1445</a:t>
+              <a:t>22/06/1446</a:t>
             </a:fld>
             <a:endParaRPr lang="ar-YE"/>
           </a:p>
@@ -424,7 +424,7 @@
           <a:p>
             <a:fld id="{D3B573F3-C353-4DE9-8F3B-296C28169EA7}" type="datetimeFigureOut">
               <a:rPr lang="ar-YE" smtClean="0"/>
-              <a:t>22/07/1445</a:t>
+              <a:t>22/06/1446</a:t>
             </a:fld>
             <a:endParaRPr lang="ar-YE"/>
           </a:p>
@@ -604,7 +604,7 @@
           <a:p>
             <a:fld id="{D3B573F3-C353-4DE9-8F3B-296C28169EA7}" type="datetimeFigureOut">
               <a:rPr lang="ar-YE" smtClean="0"/>
-              <a:t>22/07/1445</a:t>
+              <a:t>22/06/1446</a:t>
             </a:fld>
             <a:endParaRPr lang="ar-YE"/>
           </a:p>
@@ -774,7 +774,7 @@
           <a:p>
             <a:fld id="{D3B573F3-C353-4DE9-8F3B-296C28169EA7}" type="datetimeFigureOut">
               <a:rPr lang="ar-YE" smtClean="0"/>
-              <a:t>22/07/1445</a:t>
+              <a:t>22/06/1446</a:t>
             </a:fld>
             <a:endParaRPr lang="ar-YE"/>
           </a:p>
@@ -1018,7 +1018,7 @@
           <a:p>
             <a:fld id="{D3B573F3-C353-4DE9-8F3B-296C28169EA7}" type="datetimeFigureOut">
               <a:rPr lang="ar-YE" smtClean="0"/>
-              <a:t>22/07/1445</a:t>
+              <a:t>22/06/1446</a:t>
             </a:fld>
             <a:endParaRPr lang="ar-YE"/>
           </a:p>
@@ -1250,7 +1250,7 @@
           <a:p>
             <a:fld id="{D3B573F3-C353-4DE9-8F3B-296C28169EA7}" type="datetimeFigureOut">
               <a:rPr lang="ar-YE" smtClean="0"/>
-              <a:t>22/07/1445</a:t>
+              <a:t>22/06/1446</a:t>
             </a:fld>
             <a:endParaRPr lang="ar-YE"/>
           </a:p>
@@ -1617,7 +1617,7 @@
           <a:p>
             <a:fld id="{D3B573F3-C353-4DE9-8F3B-296C28169EA7}" type="datetimeFigureOut">
               <a:rPr lang="ar-YE" smtClean="0"/>
-              <a:t>22/07/1445</a:t>
+              <a:t>22/06/1446</a:t>
             </a:fld>
             <a:endParaRPr lang="ar-YE"/>
           </a:p>
@@ -1735,7 +1735,7 @@
           <a:p>
             <a:fld id="{D3B573F3-C353-4DE9-8F3B-296C28169EA7}" type="datetimeFigureOut">
               <a:rPr lang="ar-YE" smtClean="0"/>
-              <a:t>22/07/1445</a:t>
+              <a:t>22/06/1446</a:t>
             </a:fld>
             <a:endParaRPr lang="ar-YE"/>
           </a:p>
@@ -1830,7 +1830,7 @@
           <a:p>
             <a:fld id="{D3B573F3-C353-4DE9-8F3B-296C28169EA7}" type="datetimeFigureOut">
               <a:rPr lang="ar-YE" smtClean="0"/>
-              <a:t>22/07/1445</a:t>
+              <a:t>22/06/1446</a:t>
             </a:fld>
             <a:endParaRPr lang="ar-YE"/>
           </a:p>
@@ -2107,7 +2107,7 @@
           <a:p>
             <a:fld id="{D3B573F3-C353-4DE9-8F3B-296C28169EA7}" type="datetimeFigureOut">
               <a:rPr lang="ar-YE" smtClean="0"/>
-              <a:t>22/07/1445</a:t>
+              <a:t>22/06/1446</a:t>
             </a:fld>
             <a:endParaRPr lang="ar-YE"/>
           </a:p>
@@ -2364,7 +2364,7 @@
           <a:p>
             <a:fld id="{D3B573F3-C353-4DE9-8F3B-296C28169EA7}" type="datetimeFigureOut">
               <a:rPr lang="ar-YE" smtClean="0"/>
-              <a:t>22/07/1445</a:t>
+              <a:t>22/06/1446</a:t>
             </a:fld>
             <a:endParaRPr lang="ar-YE"/>
           </a:p>
@@ -2577,7 +2577,7 @@
           <a:p>
             <a:fld id="{D3B573F3-C353-4DE9-8F3B-296C28169EA7}" type="datetimeFigureOut">
               <a:rPr lang="ar-YE" smtClean="0"/>
-              <a:t>22/07/1445</a:t>
+              <a:t>22/06/1446</a:t>
             </a:fld>
             <a:endParaRPr lang="ar-YE"/>
           </a:p>
@@ -3096,7 +3096,7 @@
         </p:nvSpPr>
         <p:spPr>
           <a:xfrm>
-            <a:off x="-1849512" y="1605111"/>
+            <a:off x="213789" y="1524906"/>
             <a:ext cx="1556715" cy="458911"/>
           </a:xfrm>
           <a:prstGeom prst="roundRect">
@@ -3149,7 +3149,7 @@
         </p:nvSpPr>
         <p:spPr>
           <a:xfrm>
-            <a:off x="-1849512" y="2278314"/>
+            <a:off x="213789" y="2198109"/>
             <a:ext cx="1556715" cy="458911"/>
           </a:xfrm>
           <a:prstGeom prst="roundRect">
@@ -3202,7 +3202,7 @@
         </p:nvSpPr>
         <p:spPr>
           <a:xfrm>
-            <a:off x="-1849512" y="2971226"/>
+            <a:off x="213789" y="2891021"/>
             <a:ext cx="1556715" cy="458911"/>
           </a:xfrm>
           <a:prstGeom prst="roundRect">
@@ -3315,7 +3315,7 @@
         </p:nvSpPr>
         <p:spPr>
           <a:xfrm>
-            <a:off x="-1849512" y="4446976"/>
+            <a:off x="213789" y="4366771"/>
             <a:ext cx="1556715" cy="458911"/>
           </a:xfrm>
           <a:prstGeom prst="roundRect">
@@ -3368,7 +3368,7 @@
         </p:nvSpPr>
         <p:spPr>
           <a:xfrm>
-            <a:off x="-1849512" y="5167050"/>
+            <a:off x="213789" y="5086845"/>
             <a:ext cx="1556715" cy="458911"/>
           </a:xfrm>
           <a:prstGeom prst="roundRect">
@@ -3421,7 +3421,7 @@
         </p:nvSpPr>
         <p:spPr>
           <a:xfrm>
-            <a:off x="-1849512" y="5726902"/>
+            <a:off x="213789" y="5646697"/>
             <a:ext cx="1556715" cy="458911"/>
           </a:xfrm>
           <a:prstGeom prst="roundRect">
@@ -3474,7 +3474,7 @@
         </p:nvSpPr>
         <p:spPr>
           <a:xfrm>
-            <a:off x="-1849512" y="6300651"/>
+            <a:off x="213789" y="6220446"/>
             <a:ext cx="1556715" cy="458911"/>
           </a:xfrm>
           <a:prstGeom prst="roundRect">
@@ -3527,7 +3527,7 @@
         </p:nvSpPr>
         <p:spPr>
           <a:xfrm>
-            <a:off x="-1849512" y="6910503"/>
+            <a:off x="213789" y="6830298"/>
             <a:ext cx="1556715" cy="458911"/>
           </a:xfrm>
           <a:prstGeom prst="roundRect">
@@ -3580,7 +3580,7 @@
         </p:nvSpPr>
         <p:spPr>
           <a:xfrm>
-            <a:off x="-1849513" y="866274"/>
+            <a:off x="213788" y="786069"/>
             <a:ext cx="1556715" cy="458911"/>
           </a:xfrm>
           <a:prstGeom prst="roundRect">
@@ -3633,7 +3633,7 @@
         </p:nvSpPr>
         <p:spPr>
           <a:xfrm>
-            <a:off x="-1849512" y="8192477"/>
+            <a:off x="213789" y="8112272"/>
             <a:ext cx="1556715" cy="458911"/>
           </a:xfrm>
           <a:prstGeom prst="roundRect">
